--- a/ali power.pptx
+++ b/ali power.pptx
@@ -887,7 +887,7 @@
           <a:p>
             <a:fld id="{B93A7649-AC1D-43E8-8E9E-03397D022F37}" type="datetimeFigureOut">
               <a:rPr lang="en-US" smtClean="0"/>
-              <a:t>11/3/2023</a:t>
+              <a:t>11/10/2023</a:t>
             </a:fld>
             <a:endParaRPr lang="en-US"/>
           </a:p>
@@ -1138,7 +1138,7 @@
           <a:p>
             <a:fld id="{B93A7649-AC1D-43E8-8E9E-03397D022F37}" type="datetimeFigureOut">
               <a:rPr lang="en-US" smtClean="0"/>
-              <a:t>11/3/2023</a:t>
+              <a:t>11/10/2023</a:t>
             </a:fld>
             <a:endParaRPr lang="en-US"/>
           </a:p>
@@ -1452,7 +1452,7 @@
           <a:p>
             <a:fld id="{B93A7649-AC1D-43E8-8E9E-03397D022F37}" type="datetimeFigureOut">
               <a:rPr lang="en-US" smtClean="0"/>
-              <a:t>11/3/2023</a:t>
+              <a:t>11/10/2023</a:t>
             </a:fld>
             <a:endParaRPr lang="en-US"/>
           </a:p>
@@ -1793,7 +1793,7 @@
           <a:p>
             <a:fld id="{B93A7649-AC1D-43E8-8E9E-03397D022F37}" type="datetimeFigureOut">
               <a:rPr lang="en-US" smtClean="0"/>
-              <a:t>11/3/2023</a:t>
+              <a:t>11/10/2023</a:t>
             </a:fld>
             <a:endParaRPr lang="en-US"/>
           </a:p>
@@ -2107,7 +2107,7 @@
           <a:p>
             <a:fld id="{B93A7649-AC1D-43E8-8E9E-03397D022F37}" type="datetimeFigureOut">
               <a:rPr lang="en-US" smtClean="0"/>
-              <a:t>11/3/2023</a:t>
+              <a:t>11/10/2023</a:t>
             </a:fld>
             <a:endParaRPr lang="en-US"/>
           </a:p>
@@ -2500,7 +2500,7 @@
           <a:p>
             <a:fld id="{B93A7649-AC1D-43E8-8E9E-03397D022F37}" type="datetimeFigureOut">
               <a:rPr lang="en-US" smtClean="0"/>
-              <a:t>11/3/2023</a:t>
+              <a:t>11/10/2023</a:t>
             </a:fld>
             <a:endParaRPr lang="en-US"/>
           </a:p>
@@ -2670,7 +2670,7 @@
           <a:p>
             <a:fld id="{B93A7649-AC1D-43E8-8E9E-03397D022F37}" type="datetimeFigureOut">
               <a:rPr lang="en-US" smtClean="0"/>
-              <a:t>11/3/2023</a:t>
+              <a:t>11/10/2023</a:t>
             </a:fld>
             <a:endParaRPr lang="en-US"/>
           </a:p>
@@ -2850,7 +2850,7 @@
           <a:p>
             <a:fld id="{B93A7649-AC1D-43E8-8E9E-03397D022F37}" type="datetimeFigureOut">
               <a:rPr lang="en-US" smtClean="0"/>
-              <a:t>11/3/2023</a:t>
+              <a:t>11/10/2023</a:t>
             </a:fld>
             <a:endParaRPr lang="en-US"/>
           </a:p>
@@ -3026,7 +3026,7 @@
           <a:p>
             <a:fld id="{B93A7649-AC1D-43E8-8E9E-03397D022F37}" type="datetimeFigureOut">
               <a:rPr lang="en-US" smtClean="0"/>
-              <a:t>11/3/2023</a:t>
+              <a:t>11/10/2023</a:t>
             </a:fld>
             <a:endParaRPr lang="en-US"/>
           </a:p>
@@ -3273,7 +3273,7 @@
           <a:p>
             <a:fld id="{B93A7649-AC1D-43E8-8E9E-03397D022F37}" type="datetimeFigureOut">
               <a:rPr lang="en-US" smtClean="0"/>
-              <a:t>11/3/2023</a:t>
+              <a:t>11/10/2023</a:t>
             </a:fld>
             <a:endParaRPr lang="en-US"/>
           </a:p>
@@ -3505,7 +3505,7 @@
           <a:p>
             <a:fld id="{B93A7649-AC1D-43E8-8E9E-03397D022F37}" type="datetimeFigureOut">
               <a:rPr lang="en-US" smtClean="0"/>
-              <a:t>11/3/2023</a:t>
+              <a:t>11/10/2023</a:t>
             </a:fld>
             <a:endParaRPr lang="en-US"/>
           </a:p>
@@ -3879,7 +3879,7 @@
           <a:p>
             <a:fld id="{B93A7649-AC1D-43E8-8E9E-03397D022F37}" type="datetimeFigureOut">
               <a:rPr lang="en-US" smtClean="0"/>
-              <a:t>11/3/2023</a:t>
+              <a:t>11/10/2023</a:t>
             </a:fld>
             <a:endParaRPr lang="en-US"/>
           </a:p>
@@ -4002,7 +4002,7 @@
           <a:p>
             <a:fld id="{B93A7649-AC1D-43E8-8E9E-03397D022F37}" type="datetimeFigureOut">
               <a:rPr lang="en-US" smtClean="0"/>
-              <a:t>11/3/2023</a:t>
+              <a:t>11/10/2023</a:t>
             </a:fld>
             <a:endParaRPr lang="en-US"/>
           </a:p>
@@ -4097,7 +4097,7 @@
           <a:p>
             <a:fld id="{B93A7649-AC1D-43E8-8E9E-03397D022F37}" type="datetimeFigureOut">
               <a:rPr lang="en-US" smtClean="0"/>
-              <a:t>11/3/2023</a:t>
+              <a:t>11/10/2023</a:t>
             </a:fld>
             <a:endParaRPr lang="en-US"/>
           </a:p>
@@ -4352,7 +4352,7 @@
           <a:p>
             <a:fld id="{B93A7649-AC1D-43E8-8E9E-03397D022F37}" type="datetimeFigureOut">
               <a:rPr lang="en-US" smtClean="0"/>
-              <a:t>11/3/2023</a:t>
+              <a:t>11/10/2023</a:t>
             </a:fld>
             <a:endParaRPr lang="en-US"/>
           </a:p>
@@ -4615,7 +4615,7 @@
           <a:p>
             <a:fld id="{B93A7649-AC1D-43E8-8E9E-03397D022F37}" type="datetimeFigureOut">
               <a:rPr lang="en-US" smtClean="0"/>
-              <a:t>11/3/2023</a:t>
+              <a:t>11/10/2023</a:t>
             </a:fld>
             <a:endParaRPr lang="en-US"/>
           </a:p>
@@ -5358,7 +5358,7 @@
           <a:p>
             <a:fld id="{B93A7649-AC1D-43E8-8E9E-03397D022F37}" type="datetimeFigureOut">
               <a:rPr lang="en-US" smtClean="0"/>
-              <a:t>11/3/2023</a:t>
+              <a:t>11/10/2023</a:t>
             </a:fld>
             <a:endParaRPr lang="en-US"/>
           </a:p>
@@ -5965,22 +5965,16 @@
               <a:t>بررسی شغل : </a:t>
             </a:r>
             <a:r>
-              <a:rPr lang="fa-IR" sz="2400">
+              <a:rPr lang="fa-IR" sz="2400" dirty="0" smtClean="0">
                 <a:cs typeface="2  Kamran" panose="00000400000000000000" pitchFamily="2" charset="-78"/>
               </a:rPr>
-              <a:t>برنامه </a:t>
+              <a:t>فروش لوازم </a:t>
             </a:r>
             <a:r>
-              <a:rPr lang="fa-IR" sz="2400" smtClean="0">
+              <a:rPr lang="fa-IR" sz="2400" dirty="0" smtClean="0">
                 <a:cs typeface="2  Kamran" panose="00000400000000000000" pitchFamily="2" charset="-78"/>
               </a:rPr>
-              <a:t>نویسی</a:t>
-            </a:r>
-            <a:r>
-              <a:rPr lang="fa-IR" sz="2400" smtClean="0">
-                <a:cs typeface="2  Kamran" panose="00000400000000000000" pitchFamily="2" charset="-78"/>
-              </a:rPr>
-              <a:t>(وب_اپلیکیشن_اندروید)</a:t>
+              <a:t>کامپیوتر</a:t>
             </a:r>
             <a:endParaRPr lang="en-US" sz="2400" dirty="0">
               <a:cs typeface="2  Kamran" panose="00000400000000000000" pitchFamily="2" charset="-78"/>
@@ -6173,14 +6167,14 @@
           <p:nvPr>
             <p:extLst>
               <p:ext uri="{D42A27DB-BD31-4B8C-83A1-F6EECF244321}">
-                <p14:modId xmlns:p14="http://schemas.microsoft.com/office/powerpoint/2010/main" val="1054337528"/>
+                <p14:modId xmlns:p14="http://schemas.microsoft.com/office/powerpoint/2010/main" val="3603979741"/>
               </p:ext>
             </p:extLst>
           </p:nvPr>
         </p:nvGraphicFramePr>
         <p:xfrm>
-          <a:off x="495788" y="2325716"/>
-          <a:ext cx="10900960" cy="3633948"/>
+          <a:off x="462537" y="1702262"/>
+          <a:ext cx="10900960" cy="3992880"/>
         </p:xfrm>
         <a:graphic>
           <a:graphicData uri="http://schemas.openxmlformats.org/drawingml/2006/table">
@@ -6389,10 +6383,35 @@
                     <a:p>
                       <a:pPr algn="ctr" rtl="1"/>
                       <a:r>
+                        <a:rPr lang="fa-IR" sz="2400" dirty="0" smtClean="0">
+                          <a:cs typeface="2  Kamran" panose="00000400000000000000" pitchFamily="2" charset="-78"/>
+                        </a:rPr>
+                        <a:t>ایجاد</a:t>
+                      </a:r>
+                      <a:r>
+                        <a:rPr lang="fa-IR" sz="2400" baseline="0" dirty="0" smtClean="0">
+                          <a:cs typeface="2  Kamran" panose="00000400000000000000" pitchFamily="2" charset="-78"/>
+                        </a:rPr>
+                        <a:t> کسب کار</a:t>
+                      </a:r>
+                      <a:endParaRPr lang="fa-IR" sz="2400" dirty="0">
+                        <a:cs typeface="2  Kamran" panose="00000400000000000000" pitchFamily="2" charset="-78"/>
+                      </a:endParaRPr>
+                    </a:p>
+                  </a:txBody>
+                  <a:tcPr/>
+                </a:tc>
+                <a:tc>
+                  <a:txBody>
+                    <a:bodyPr/>
+                    <a:lstStyle/>
+                    <a:p>
+                      <a:pPr algn="ctr" rtl="1"/>
+                      <a:r>
                         <a:rPr lang="fa-IR" sz="2400" dirty="0">
                           <a:cs typeface="2  Kamran" panose="00000400000000000000" pitchFamily="2" charset="-78"/>
                         </a:rPr>
-                        <a:t>توسعه اپلیکیشن</a:t>
+                        <a:t>5</a:t>
                       </a:r>
                     </a:p>
                   </a:txBody>
@@ -6408,6 +6427,22 @@
                         <a:rPr lang="fa-IR" sz="2400" dirty="0">
                           <a:cs typeface="2  Kamran" panose="00000400000000000000" pitchFamily="2" charset="-78"/>
                         </a:rPr>
+                        <a:t>3</a:t>
+                      </a:r>
+                    </a:p>
+                  </a:txBody>
+                  <a:tcPr/>
+                </a:tc>
+                <a:tc>
+                  <a:txBody>
+                    <a:bodyPr/>
+                    <a:lstStyle/>
+                    <a:p>
+                      <a:pPr algn="ctr" rtl="1"/>
+                      <a:r>
+                        <a:rPr lang="fa-IR" sz="2400" dirty="0">
+                          <a:cs typeface="2  Kamran" panose="00000400000000000000" pitchFamily="2" charset="-78"/>
+                        </a:rPr>
                         <a:t>5</a:t>
                       </a:r>
                     </a:p>
@@ -6424,7 +6459,7 @@
                         <a:rPr lang="fa-IR" sz="2400" dirty="0">
                           <a:cs typeface="2  Kamran" panose="00000400000000000000" pitchFamily="2" charset="-78"/>
                         </a:rPr>
-                        <a:t>3</a:t>
+                        <a:t>5</a:t>
                       </a:r>
                     </a:p>
                   </a:txBody>
@@ -6442,6 +6477,9 @@
                         </a:rPr>
                         <a:t>5</a:t>
                       </a:r>
+                      <a:endParaRPr lang="fa-IR" sz="2400" dirty="0">
+                        <a:cs typeface="2  Kamran" panose="00000400000000000000" pitchFamily="2" charset="-78"/>
+                      </a:endParaRPr>
                     </a:p>
                   </a:txBody>
                   <a:tcPr/>
@@ -6456,7 +6494,7 @@
                         <a:rPr lang="fa-IR" sz="2400" dirty="0">
                           <a:cs typeface="2  Kamran" panose="00000400000000000000" pitchFamily="2" charset="-78"/>
                         </a:rPr>
-                        <a:t>5</a:t>
+                        <a:t>2</a:t>
                       </a:r>
                     </a:p>
                   </a:txBody>
@@ -6469,43 +6507,14 @@
                     <a:p>
                       <a:pPr algn="ctr" rtl="1"/>
                       <a:r>
-                        <a:rPr lang="fa-IR" sz="2400" dirty="0">
-                          <a:cs typeface="2  Kamran" panose="00000400000000000000" pitchFamily="2" charset="-78"/>
-                        </a:rPr>
-                        <a:t>3</a:t>
-                      </a:r>
-                    </a:p>
-                  </a:txBody>
-                  <a:tcPr/>
-                </a:tc>
-                <a:tc>
-                  <a:txBody>
-                    <a:bodyPr/>
-                    <a:lstStyle/>
-                    <a:p>
-                      <a:pPr algn="ctr" rtl="1"/>
-                      <a:r>
-                        <a:rPr lang="fa-IR" sz="2400" dirty="0">
-                          <a:cs typeface="2  Kamran" panose="00000400000000000000" pitchFamily="2" charset="-78"/>
-                        </a:rPr>
-                        <a:t>2</a:t>
-                      </a:r>
-                    </a:p>
-                  </a:txBody>
-                  <a:tcPr/>
-                </a:tc>
-                <a:tc>
-                  <a:txBody>
-                    <a:bodyPr/>
-                    <a:lstStyle/>
-                    <a:p>
-                      <a:pPr algn="ctr" rtl="1"/>
-                      <a:r>
-                        <a:rPr lang="fa-IR" sz="2400" dirty="0">
-                          <a:cs typeface="2  Kamran" panose="00000400000000000000" pitchFamily="2" charset="-78"/>
-                        </a:rPr>
-                        <a:t>23</a:t>
-                      </a:r>
+                        <a:rPr lang="fa-IR" sz="2400" dirty="0" smtClean="0">
+                          <a:cs typeface="2  Kamran" panose="00000400000000000000" pitchFamily="2" charset="-78"/>
+                        </a:rPr>
+                        <a:t>25</a:t>
+                      </a:r>
+                      <a:endParaRPr lang="fa-IR" sz="2400" dirty="0">
+                        <a:cs typeface="2  Kamran" panose="00000400000000000000" pitchFamily="2" charset="-78"/>
+                      </a:endParaRPr>
                     </a:p>
                   </a:txBody>
                   <a:tcPr/>
@@ -6524,11 +6533,39 @@
                     <a:p>
                       <a:pPr algn="ctr" rtl="1"/>
                       <a:r>
+                        <a:rPr lang="fa-IR" sz="2400" dirty="0" smtClean="0">
+                          <a:cs typeface="2  Kamran" panose="00000400000000000000" pitchFamily="2" charset="-78"/>
+                        </a:rPr>
+                        <a:t>توسعه کسب</a:t>
+                      </a:r>
+                      <a:r>
+                        <a:rPr lang="fa-IR" sz="2400" baseline="0" dirty="0" smtClean="0">
+                          <a:cs typeface="2  Kamran" panose="00000400000000000000" pitchFamily="2" charset="-78"/>
+                        </a:rPr>
+                        <a:t> و کار</a:t>
+                      </a:r>
+                      <a:endParaRPr lang="fa-IR" sz="2400" dirty="0">
+                        <a:cs typeface="2  Kamran" panose="00000400000000000000" pitchFamily="2" charset="-78"/>
+                      </a:endParaRPr>
+                    </a:p>
+                  </a:txBody>
+                  <a:tcPr/>
+                </a:tc>
+                <a:tc>
+                  <a:txBody>
+                    <a:bodyPr/>
+                    <a:lstStyle/>
+                    <a:p>
+                      <a:pPr algn="ctr" rtl="1"/>
+                      <a:r>
                         <a:rPr lang="fa-IR" sz="2400" dirty="0">
                           <a:cs typeface="2  Kamran" panose="00000400000000000000" pitchFamily="2" charset="-78"/>
                         </a:rPr>
-                        <a:t>ساخت برنامه</a:t>
-                      </a:r>
+                        <a:t>5</a:t>
+                      </a:r>
+                      <a:endParaRPr lang="fa-IR" sz="2400" dirty="0">
+                        <a:cs typeface="2  Kamran" panose="00000400000000000000" pitchFamily="2" charset="-78"/>
+                      </a:endParaRPr>
                     </a:p>
                   </a:txBody>
                   <a:tcPr/>
@@ -6543,8 +6580,27 @@
                         <a:rPr lang="fa-IR" sz="2400" dirty="0">
                           <a:cs typeface="2  Kamran" panose="00000400000000000000" pitchFamily="2" charset="-78"/>
                         </a:rPr>
+                        <a:t>5</a:t>
+                      </a:r>
+                    </a:p>
+                  </a:txBody>
+                  <a:tcPr/>
+                </a:tc>
+                <a:tc>
+                  <a:txBody>
+                    <a:bodyPr/>
+                    <a:lstStyle/>
+                    <a:p>
+                      <a:pPr algn="ctr" rtl="1"/>
+                      <a:r>
+                        <a:rPr lang="fa-IR" sz="2400" dirty="0">
+                          <a:cs typeface="2  Kamran" panose="00000400000000000000" pitchFamily="2" charset="-78"/>
+                        </a:rPr>
                         <a:t>4</a:t>
                       </a:r>
+                      <a:endParaRPr lang="fa-IR" sz="2400" dirty="0">
+                        <a:cs typeface="2  Kamran" panose="00000400000000000000" pitchFamily="2" charset="-78"/>
+                      </a:endParaRPr>
                     </a:p>
                   </a:txBody>
                   <a:tcPr/>
@@ -6559,7 +6615,7 @@
                         <a:rPr lang="fa-IR" sz="2400" dirty="0">
                           <a:cs typeface="2  Kamran" panose="00000400000000000000" pitchFamily="2" charset="-78"/>
                         </a:rPr>
-                        <a:t>5</a:t>
+                        <a:t>3</a:t>
                       </a:r>
                     </a:p>
                   </a:txBody>
@@ -6575,7 +6631,7 @@
                         <a:rPr lang="fa-IR" sz="2400" dirty="0">
                           <a:cs typeface="2  Kamran" panose="00000400000000000000" pitchFamily="2" charset="-78"/>
                         </a:rPr>
-                        <a:t>5</a:t>
+                        <a:t>3</a:t>
                       </a:r>
                     </a:p>
                   </a:txBody>
@@ -6591,7 +6647,7 @@
                         <a:rPr lang="fa-IR" sz="2400" dirty="0">
                           <a:cs typeface="2  Kamran" panose="00000400000000000000" pitchFamily="2" charset="-78"/>
                         </a:rPr>
-                        <a:t>3</a:t>
+                        <a:t>2</a:t>
                       </a:r>
                     </a:p>
                   </a:txBody>
@@ -6604,43 +6660,14 @@
                     <a:p>
                       <a:pPr algn="ctr" rtl="1"/>
                       <a:r>
-                        <a:rPr lang="fa-IR" sz="2400" dirty="0">
-                          <a:cs typeface="2  Kamran" panose="00000400000000000000" pitchFamily="2" charset="-78"/>
-                        </a:rPr>
-                        <a:t>3</a:t>
-                      </a:r>
-                    </a:p>
-                  </a:txBody>
-                  <a:tcPr/>
-                </a:tc>
-                <a:tc>
-                  <a:txBody>
-                    <a:bodyPr/>
-                    <a:lstStyle/>
-                    <a:p>
-                      <a:pPr algn="ctr" rtl="1"/>
-                      <a:r>
-                        <a:rPr lang="fa-IR" sz="2400" dirty="0">
-                          <a:cs typeface="2  Kamran" panose="00000400000000000000" pitchFamily="2" charset="-78"/>
-                        </a:rPr>
-                        <a:t>2</a:t>
-                      </a:r>
-                    </a:p>
-                  </a:txBody>
-                  <a:tcPr/>
-                </a:tc>
-                <a:tc>
-                  <a:txBody>
-                    <a:bodyPr/>
-                    <a:lstStyle/>
-                    <a:p>
-                      <a:pPr algn="ctr" rtl="1"/>
-                      <a:r>
-                        <a:rPr lang="fa-IR" sz="2400" dirty="0">
+                        <a:rPr lang="fa-IR" sz="2400" dirty="0" smtClean="0">
                           <a:cs typeface="2  Kamran" panose="00000400000000000000" pitchFamily="2" charset="-78"/>
                         </a:rPr>
                         <a:t>22</a:t>
                       </a:r>
+                      <a:endParaRPr lang="fa-IR" sz="2400" dirty="0">
+                        <a:cs typeface="2  Kamran" panose="00000400000000000000" pitchFamily="2" charset="-78"/>
+                      </a:endParaRPr>
                     </a:p>
                   </a:txBody>
                   <a:tcPr/>
@@ -6774,14 +6801,14 @@
           <p:nvPr>
             <p:extLst>
               <p:ext uri="{D42A27DB-BD31-4B8C-83A1-F6EECF244321}">
-                <p14:modId xmlns:p14="http://schemas.microsoft.com/office/powerpoint/2010/main" val="2699025459"/>
+                <p14:modId xmlns:p14="http://schemas.microsoft.com/office/powerpoint/2010/main" val="794885903"/>
               </p:ext>
             </p:extLst>
           </p:nvPr>
         </p:nvGraphicFramePr>
         <p:xfrm>
           <a:off x="1579418" y="1782618"/>
-          <a:ext cx="9153237" cy="3426691"/>
+          <a:ext cx="9153237" cy="2999971"/>
         </p:xfrm>
         <a:graphic>
           <a:graphicData uri="http://schemas.openxmlformats.org/drawingml/2006/table">
@@ -6891,27 +6918,51 @@
                     <a:p>
                       <a:pPr algn="ctr" rtl="1"/>
                       <a:r>
+                        <a:rPr lang="fa-IR" sz="2800" dirty="0" smtClean="0">
+                          <a:cs typeface="2  Kamran" panose="00000400000000000000" pitchFamily="2" charset="-78"/>
+                        </a:rPr>
+                        <a:t>فروش</a:t>
+                      </a:r>
+                      <a:r>
+                        <a:rPr lang="fa-IR" sz="2800" baseline="0" dirty="0" smtClean="0">
+                          <a:cs typeface="2  Kamran" panose="00000400000000000000" pitchFamily="2" charset="-78"/>
+                        </a:rPr>
+                        <a:t> لوازم</a:t>
+                      </a:r>
+                      <a:endParaRPr lang="fa-IR" sz="2800" dirty="0">
+                        <a:cs typeface="2  Kamran" panose="00000400000000000000" pitchFamily="2" charset="-78"/>
+                      </a:endParaRPr>
+                    </a:p>
+                  </a:txBody>
+                  <a:tcPr/>
+                </a:tc>
+                <a:tc>
+                  <a:txBody>
+                    <a:bodyPr/>
+                    <a:lstStyle/>
+                    <a:p>
+                      <a:pPr algn="ctr" rtl="1"/>
+                      <a:r>
                         <a:rPr lang="fa-IR" sz="2800" dirty="0">
                           <a:cs typeface="2  Kamran" panose="00000400000000000000" pitchFamily="2" charset="-78"/>
                         </a:rPr>
-                        <a:t>توسعه اپلیکیشن</a:t>
-                      </a:r>
-                    </a:p>
-                  </a:txBody>
-                  <a:tcPr/>
-                </a:tc>
-                <a:tc>
-                  <a:txBody>
-                    <a:bodyPr/>
-                    <a:lstStyle/>
-                    <a:p>
-                      <a:pPr algn="ctr" rtl="1"/>
-                      <a:r>
-                        <a:rPr lang="fa-IR" sz="2800" dirty="0">
-                          <a:cs typeface="2  Kamran" panose="00000400000000000000" pitchFamily="2" charset="-78"/>
-                        </a:rPr>
-                        <a:t>انواع شرکت ها و موسسات</a:t>
-                      </a:r>
+                        <a:t>انواع شرکت ها و </a:t>
+                      </a:r>
+                      <a:r>
+                        <a:rPr lang="fa-IR" sz="2800" dirty="0" smtClean="0">
+                          <a:cs typeface="2  Kamran" panose="00000400000000000000" pitchFamily="2" charset="-78"/>
+                        </a:rPr>
+                        <a:t>موسسات</a:t>
+                      </a:r>
+                      <a:r>
+                        <a:rPr lang="fa-IR" sz="2800" baseline="0" dirty="0" smtClean="0">
+                          <a:cs typeface="2  Kamran" panose="00000400000000000000" pitchFamily="2" charset="-78"/>
+                        </a:rPr>
+                        <a:t> و مردم</a:t>
+                      </a:r>
+                      <a:endParaRPr lang="fa-IR" sz="2800" dirty="0">
+                        <a:cs typeface="2  Kamran" panose="00000400000000000000" pitchFamily="2" charset="-78"/>
+                      </a:endParaRPr>
                     </a:p>
                   </a:txBody>
                   <a:tcPr/>
@@ -6933,8 +6984,17 @@
                         <a:rPr lang="fa-IR" sz="2800" dirty="0">
                           <a:cs typeface="2  Kamran" panose="00000400000000000000" pitchFamily="2" charset="-78"/>
                         </a:rPr>
-                        <a:t>مصرف کنننده </a:t>
-                      </a:r>
+                        <a:t>مصرف </a:t>
+                      </a:r>
+                      <a:r>
+                        <a:rPr lang="fa-IR" sz="2800" dirty="0" smtClean="0">
+                          <a:cs typeface="2  Kamran" panose="00000400000000000000" pitchFamily="2" charset="-78"/>
+                        </a:rPr>
+                        <a:t>کننده </a:t>
+                      </a:r>
+                      <a:endParaRPr lang="fa-IR" sz="2800" dirty="0">
+                        <a:cs typeface="2  Kamran" panose="00000400000000000000" pitchFamily="2" charset="-78"/>
+                      </a:endParaRPr>
                     </a:p>
                   </a:txBody>
                   <a:tcPr/>
@@ -6946,27 +7006,45 @@
                     <a:p>
                       <a:pPr algn="ctr" rtl="1"/>
                       <a:r>
+                        <a:rPr lang="fa-IR" sz="2800" dirty="0" smtClean="0">
+                          <a:cs typeface="2  Kamran" panose="00000400000000000000" pitchFamily="2" charset="-78"/>
+                        </a:rPr>
+                        <a:t>بروز</a:t>
+                      </a:r>
+                      <a:r>
+                        <a:rPr lang="fa-IR" sz="2800" baseline="0" dirty="0" smtClean="0">
+                          <a:cs typeface="2  Kamran" panose="00000400000000000000" pitchFamily="2" charset="-78"/>
+                        </a:rPr>
+                        <a:t>رسانی قطعات</a:t>
+                      </a:r>
+                      <a:endParaRPr lang="fa-IR" sz="2800" dirty="0">
+                        <a:cs typeface="2  Kamran" panose="00000400000000000000" pitchFamily="2" charset="-78"/>
+                      </a:endParaRPr>
+                    </a:p>
+                  </a:txBody>
+                  <a:tcPr/>
+                </a:tc>
+                <a:tc>
+                  <a:txBody>
+                    <a:bodyPr/>
+                    <a:lstStyle/>
+                    <a:p>
+                      <a:pPr algn="ctr" rtl="1"/>
+                      <a:r>
                         <a:rPr lang="fa-IR" sz="2800" dirty="0">
                           <a:cs typeface="2  Kamran" panose="00000400000000000000" pitchFamily="2" charset="-78"/>
                         </a:rPr>
-                        <a:t>ساخت برنامه</a:t>
-                      </a:r>
-                    </a:p>
-                  </a:txBody>
-                  <a:tcPr/>
-                </a:tc>
-                <a:tc>
-                  <a:txBody>
-                    <a:bodyPr/>
-                    <a:lstStyle/>
-                    <a:p>
-                      <a:pPr algn="ctr" rtl="1"/>
-                      <a:r>
-                        <a:rPr lang="fa-IR" sz="2800" dirty="0">
-                          <a:cs typeface="2  Kamran" panose="00000400000000000000" pitchFamily="2" charset="-78"/>
-                        </a:rPr>
-                        <a:t>تمامی مردمی که این برنامه برایشان مفید واقع شود</a:t>
-                      </a:r>
+                        <a:t>تمامی </a:t>
+                      </a:r>
+                      <a:r>
+                        <a:rPr lang="fa-IR" sz="2800" dirty="0" smtClean="0">
+                          <a:cs typeface="2  Kamran" panose="00000400000000000000" pitchFamily="2" charset="-78"/>
+                        </a:rPr>
+                        <a:t>مردم</a:t>
+                      </a:r>
+                      <a:endParaRPr lang="fa-IR" sz="2800" dirty="0">
+                        <a:cs typeface="2  Kamran" panose="00000400000000000000" pitchFamily="2" charset="-78"/>
+                      </a:endParaRPr>
                     </a:p>
                   </a:txBody>
                   <a:tcPr/>
@@ -7064,14 +7142,14 @@
           <p:nvPr>
             <p:extLst>
               <p:ext uri="{D42A27DB-BD31-4B8C-83A1-F6EECF244321}">
-                <p14:modId xmlns:p14="http://schemas.microsoft.com/office/powerpoint/2010/main" val="937391597"/>
+                <p14:modId xmlns:p14="http://schemas.microsoft.com/office/powerpoint/2010/main" val="2867492616"/>
               </p:ext>
             </p:extLst>
           </p:nvPr>
         </p:nvGraphicFramePr>
         <p:xfrm>
           <a:off x="1634837" y="1025325"/>
-          <a:ext cx="8128000" cy="5217160"/>
+          <a:ext cx="8128000" cy="3845560"/>
         </p:xfrm>
         <a:graphic>
           <a:graphicData uri="http://schemas.openxmlformats.org/drawingml/2006/table">
@@ -7208,8 +7286,23 @@
                         <a:rPr lang="fa-IR" sz="1800" dirty="0">
                           <a:cs typeface="2  Kamran" panose="00000400000000000000" pitchFamily="2" charset="-78"/>
                         </a:rPr>
-                        <a:t>فردی که به تازگی سفارش برنامه اش را دریافت کرده و احتمال دارد دخواست توسعه آن را داشته باشد</a:t>
-                      </a:r>
+                        <a:t>فردی که به تازگی سفارش </a:t>
+                      </a:r>
+                      <a:r>
+                        <a:rPr lang="fa-IR" sz="1800" dirty="0" smtClean="0">
+                          <a:cs typeface="2  Kamran" panose="00000400000000000000" pitchFamily="2" charset="-78"/>
+                        </a:rPr>
+                        <a:t>خود</a:t>
+                      </a:r>
+                      <a:r>
+                        <a:rPr lang="fa-IR" sz="1800" baseline="0" dirty="0" smtClean="0">
+                          <a:cs typeface="2  Kamran" panose="00000400000000000000" pitchFamily="2" charset="-78"/>
+                        </a:rPr>
+                        <a:t> را دریافت کرده</a:t>
+                      </a:r>
+                      <a:endParaRPr lang="fa-IR" sz="1800" dirty="0">
+                        <a:cs typeface="2  Kamran" panose="00000400000000000000" pitchFamily="2" charset="-78"/>
+                      </a:endParaRPr>
                     </a:p>
                   </a:txBody>
                   <a:tcPr/>
@@ -7251,8 +7344,23 @@
                         <a:rPr lang="fa-IR" sz="1800" dirty="0">
                           <a:cs typeface="2  Kamran" panose="00000400000000000000" pitchFamily="2" charset="-78"/>
                         </a:rPr>
-                        <a:t>فردی که می خواهد برای کسب و کارش برنامه ای داشته باشد</a:t>
-                      </a:r>
+                        <a:t>فردی که می خواهد برای کسب </a:t>
+                      </a:r>
+                      <a:r>
+                        <a:rPr lang="fa-IR" sz="1800" dirty="0" smtClean="0">
+                          <a:cs typeface="2  Kamran" panose="00000400000000000000" pitchFamily="2" charset="-78"/>
+                        </a:rPr>
+                        <a:t>و</a:t>
+                      </a:r>
+                      <a:r>
+                        <a:rPr lang="fa-IR" sz="1800" baseline="0" dirty="0" smtClean="0">
+                          <a:cs typeface="2  Kamran" panose="00000400000000000000" pitchFamily="2" charset="-78"/>
+                        </a:rPr>
+                        <a:t> کار لوازم داشته باشد</a:t>
+                      </a:r>
+                      <a:endParaRPr lang="fa-IR" sz="1800" dirty="0">
+                        <a:cs typeface="2  Kamran" panose="00000400000000000000" pitchFamily="2" charset="-78"/>
+                      </a:endParaRPr>
                     </a:p>
                   </a:txBody>
                   <a:tcPr/>
@@ -7294,8 +7402,23 @@
                         <a:rPr lang="fa-IR" sz="1800" dirty="0">
                           <a:cs typeface="2  Kamran" panose="00000400000000000000" pitchFamily="2" charset="-78"/>
                         </a:rPr>
-                        <a:t>فردی که برنامه اش را دریافت کرده و از آن به شدت راضی است و از ما همواره تقاضای توسعه آن را دارد</a:t>
-                      </a:r>
+                        <a:t>فردی که </a:t>
+                      </a:r>
+                      <a:r>
+                        <a:rPr lang="fa-IR" sz="1800" dirty="0" smtClean="0">
+                          <a:cs typeface="2  Kamran" panose="00000400000000000000" pitchFamily="2" charset="-78"/>
+                        </a:rPr>
+                        <a:t>لوازم</a:t>
+                      </a:r>
+                      <a:r>
+                        <a:rPr lang="fa-IR" sz="1800" baseline="0" dirty="0" smtClean="0">
+                          <a:cs typeface="2  Kamran" panose="00000400000000000000" pitchFamily="2" charset="-78"/>
+                        </a:rPr>
+                        <a:t> را با قیمت مناسب دریافت کرده و راضی است</a:t>
+                      </a:r>
+                      <a:endParaRPr lang="fa-IR" sz="1800" dirty="0">
+                        <a:cs typeface="2  Kamran" panose="00000400000000000000" pitchFamily="2" charset="-78"/>
+                      </a:endParaRPr>
                     </a:p>
                   </a:txBody>
                   <a:tcPr/>
@@ -7337,8 +7460,23 @@
                         <a:rPr lang="fa-IR" sz="1800" dirty="0">
                           <a:cs typeface="2  Kamran" panose="00000400000000000000" pitchFamily="2" charset="-78"/>
                         </a:rPr>
-                        <a:t>فردی که از ما برنامه ای خریده است و از آن راضی است و به آشنایان کسب و کاری خود نیز مارا معرفی می کند</a:t>
-                      </a:r>
+                        <a:t>فردی که از </a:t>
+                      </a:r>
+                      <a:r>
+                        <a:rPr lang="fa-IR" sz="1800" dirty="0" smtClean="0">
+                          <a:cs typeface="2  Kamran" panose="00000400000000000000" pitchFamily="2" charset="-78"/>
+                        </a:rPr>
+                        <a:t>ما</a:t>
+                      </a:r>
+                      <a:r>
+                        <a:rPr lang="fa-IR" sz="1800" baseline="0" dirty="0" smtClean="0">
+                          <a:cs typeface="2  Kamran" panose="00000400000000000000" pitchFamily="2" charset="-78"/>
+                        </a:rPr>
+                        <a:t> لوازم را خریده راضی است و به بقیه نیز ما را معرفی میکند</a:t>
+                      </a:r>
+                      <a:endParaRPr lang="fa-IR" sz="1800" dirty="0">
+                        <a:cs typeface="2  Kamran" panose="00000400000000000000" pitchFamily="2" charset="-78"/>
+                      </a:endParaRPr>
                     </a:p>
                   </a:txBody>
                   <a:tcPr/>
@@ -7436,14 +7574,14 @@
           <p:nvPr>
             <p:extLst>
               <p:ext uri="{D42A27DB-BD31-4B8C-83A1-F6EECF244321}">
-                <p14:modId xmlns:p14="http://schemas.microsoft.com/office/powerpoint/2010/main" val="1215233346"/>
+                <p14:modId xmlns:p14="http://schemas.microsoft.com/office/powerpoint/2010/main" val="2936961603"/>
               </p:ext>
             </p:extLst>
           </p:nvPr>
         </p:nvGraphicFramePr>
         <p:xfrm>
           <a:off x="1967345" y="1356974"/>
-          <a:ext cx="8128000" cy="4846320"/>
+          <a:ext cx="8128000" cy="4602480"/>
         </p:xfrm>
         <a:graphic>
           <a:graphicData uri="http://schemas.openxmlformats.org/drawingml/2006/table">
@@ -7580,11 +7718,20 @@
                     <a:p>
                       <a:pPr algn="ctr" rtl="1"/>
                       <a:r>
-                        <a:rPr lang="fa-IR" sz="1600" dirty="0">
-                          <a:cs typeface="2  Kamran" panose="00000400000000000000" pitchFamily="2" charset="-78"/>
-                        </a:rPr>
-                        <a:t>برنامه ای با جدیدترین امکانات</a:t>
-                      </a:r>
+                        <a:rPr lang="fa-IR" sz="1600" dirty="0" smtClean="0">
+                          <a:cs typeface="2  Kamran" panose="00000400000000000000" pitchFamily="2" charset="-78"/>
+                        </a:rPr>
+                        <a:t>جدید</a:t>
+                      </a:r>
+                      <a:r>
+                        <a:rPr lang="fa-IR" sz="1600" baseline="0" dirty="0" smtClean="0">
+                          <a:cs typeface="2  Kamran" panose="00000400000000000000" pitchFamily="2" charset="-78"/>
+                        </a:rPr>
+                        <a:t> ترین قطعات</a:t>
+                      </a:r>
+                      <a:endParaRPr lang="fa-IR" sz="1600" dirty="0">
+                        <a:cs typeface="2  Kamran" panose="00000400000000000000" pitchFamily="2" charset="-78"/>
+                      </a:endParaRPr>
                     </a:p>
                   </a:txBody>
                   <a:tcPr/>
@@ -7619,8 +7766,23 @@
                         <a:rPr lang="fa-IR" sz="1600" dirty="0">
                           <a:cs typeface="2  Kamran" panose="00000400000000000000" pitchFamily="2" charset="-78"/>
                         </a:rPr>
-                        <a:t>ساخت ظاهر برنامه مطابق با سلیقه مشتری</a:t>
-                      </a:r>
+                        <a:t>ساخت ظاهر </a:t>
+                      </a:r>
+                      <a:r>
+                        <a:rPr lang="fa-IR" sz="1600" dirty="0" smtClean="0">
+                          <a:cs typeface="2  Kamran" panose="00000400000000000000" pitchFamily="2" charset="-78"/>
+                        </a:rPr>
+                        <a:t>لوازم</a:t>
+                      </a:r>
+                      <a:r>
+                        <a:rPr lang="fa-IR" sz="1600" baseline="0" dirty="0" smtClean="0">
+                          <a:cs typeface="2  Kamran" panose="00000400000000000000" pitchFamily="2" charset="-78"/>
+                        </a:rPr>
+                        <a:t> با توجه به نیاز مشتری</a:t>
+                      </a:r>
+                      <a:endParaRPr lang="fa-IR" sz="1600" dirty="0">
+                        <a:cs typeface="2  Kamran" panose="00000400000000000000" pitchFamily="2" charset="-78"/>
+                      </a:endParaRPr>
                     </a:p>
                   </a:txBody>
                   <a:tcPr/>
@@ -7695,11 +7857,20 @@
                     <a:p>
                       <a:pPr algn="ctr" rtl="1"/>
                       <a:r>
-                        <a:rPr lang="fa-IR" sz="1600" dirty="0">
-                          <a:cs typeface="2  Kamran" panose="00000400000000000000" pitchFamily="2" charset="-78"/>
-                        </a:rPr>
-                        <a:t>افزایش امنیت برنامه های ساخته شده در برابر انواع حملات</a:t>
-                      </a:r>
+                        <a:rPr lang="fa-IR" sz="1600" dirty="0" smtClean="0">
+                          <a:cs typeface="2  Kamran" panose="00000400000000000000" pitchFamily="2" charset="-78"/>
+                        </a:rPr>
+                        <a:t>افزودن</a:t>
+                      </a:r>
+                      <a:r>
+                        <a:rPr lang="fa-IR" sz="1600" baseline="0" dirty="0" smtClean="0">
+                          <a:cs typeface="2  Kamran" panose="00000400000000000000" pitchFamily="2" charset="-78"/>
+                        </a:rPr>
+                        <a:t> به امنیت سایت فروش قطعات</a:t>
+                      </a:r>
+                      <a:endParaRPr lang="fa-IR" sz="1600" dirty="0">
+                        <a:cs typeface="2  Kamran" panose="00000400000000000000" pitchFamily="2" charset="-78"/>
+                      </a:endParaRPr>
                     </a:p>
                   </a:txBody>
                   <a:tcPr/>
@@ -7777,8 +7948,26 @@
                         <a:rPr lang="fa-IR" sz="1600" dirty="0">
                           <a:cs typeface="2  Kamran" panose="00000400000000000000" pitchFamily="2" charset="-78"/>
                         </a:rPr>
-                        <a:t>همه محصولات ارائه شده دارای نشان تجاری شرکت ما هستند</a:t>
-                      </a:r>
+                        <a:t>همه محصولات ارائه شده دارای نشان تجاری </a:t>
+                      </a:r>
+                      <a:r>
+                        <a:rPr lang="fa-IR" sz="1600" dirty="0" smtClean="0">
+                          <a:cs typeface="2  Kamran" panose="00000400000000000000" pitchFamily="2" charset="-78"/>
+                        </a:rPr>
+                        <a:t>شرکت</a:t>
+                      </a:r>
+                    </a:p>
+                    <a:p>
+                      <a:pPr algn="ctr" rtl="1"/>
+                      <a:r>
+                        <a:rPr lang="fa-IR" sz="1600" dirty="0" smtClean="0">
+                          <a:cs typeface="2  Kamran" panose="00000400000000000000" pitchFamily="2" charset="-78"/>
+                        </a:rPr>
+                        <a:t>هستند</a:t>
+                      </a:r>
+                      <a:endParaRPr lang="fa-IR" sz="1600" dirty="0">
+                        <a:cs typeface="2  Kamran" panose="00000400000000000000" pitchFamily="2" charset="-78"/>
+                      </a:endParaRPr>
                     </a:p>
                   </a:txBody>
                   <a:tcPr/>
@@ -7820,8 +8009,17 @@
                         <a:rPr lang="fa-IR" sz="1600" dirty="0">
                           <a:cs typeface="2  Kamran" panose="00000400000000000000" pitchFamily="2" charset="-78"/>
                         </a:rPr>
-                        <a:t>دارای فرمولی برای قیمت گذاری براساس سختی و پیچیدگی پروژه</a:t>
-                      </a:r>
+                        <a:t>دارای فرمولی برای قیمت گذاری براساس سختی و پیچیدگی </a:t>
+                      </a:r>
+                      <a:r>
+                        <a:rPr lang="fa-IR" sz="1600" dirty="0" smtClean="0">
+                          <a:cs typeface="2  Kamran" panose="00000400000000000000" pitchFamily="2" charset="-78"/>
+                        </a:rPr>
+                        <a:t>کار</a:t>
+                      </a:r>
+                      <a:endParaRPr lang="fa-IR" sz="1600" dirty="0">
+                        <a:cs typeface="2  Kamran" panose="00000400000000000000" pitchFamily="2" charset="-78"/>
+                      </a:endParaRPr>
                     </a:p>
                   </a:txBody>
                   <a:tcPr/>
@@ -7837,11 +8035,14 @@
                         </a:lnSpc>
                       </a:pPr>
                       <a:r>
-                        <a:rPr lang="fa-IR" sz="1600" dirty="0">
-                          <a:cs typeface="2  Kamran" panose="00000400000000000000" pitchFamily="2" charset="-78"/>
-                        </a:rPr>
-                        <a:t>طراحی</a:t>
-                      </a:r>
+                        <a:rPr lang="fa-IR" sz="1600" dirty="0" smtClean="0">
+                          <a:cs typeface="2  Kamran" panose="00000400000000000000" pitchFamily="2" charset="-78"/>
+                        </a:rPr>
+                        <a:t>جمع اوری</a:t>
+                      </a:r>
+                      <a:endParaRPr lang="fa-IR" sz="1600" dirty="0">
+                        <a:cs typeface="2  Kamran" panose="00000400000000000000" pitchFamily="2" charset="-78"/>
+                      </a:endParaRPr>
                     </a:p>
                   </a:txBody>
                   <a:tcPr/>
@@ -7853,11 +8054,20 @@
                     <a:p>
                       <a:pPr algn="ctr" rtl="1"/>
                       <a:r>
-                        <a:rPr lang="fa-IR" sz="1600" dirty="0">
-                          <a:cs typeface="2  Kamran" panose="00000400000000000000" pitchFamily="2" charset="-78"/>
-                        </a:rPr>
-                        <a:t>برنامه هایی با طراحی خاص و یکتا</a:t>
-                      </a:r>
+                        <a:rPr lang="fa-IR" sz="1600" dirty="0" smtClean="0">
+                          <a:cs typeface="2  Kamran" panose="00000400000000000000" pitchFamily="2" charset="-78"/>
+                        </a:rPr>
+                        <a:t>وارد</a:t>
+                      </a:r>
+                      <a:r>
+                        <a:rPr lang="fa-IR" sz="1600" baseline="0" dirty="0" smtClean="0">
+                          <a:cs typeface="2  Kamran" panose="00000400000000000000" pitchFamily="2" charset="-78"/>
+                        </a:rPr>
+                        <a:t> کردن قطعات کم یاب و لوکس</a:t>
+                      </a:r>
+                      <a:endParaRPr lang="fa-IR" sz="1600" dirty="0">
+                        <a:cs typeface="2  Kamran" panose="00000400000000000000" pitchFamily="2" charset="-78"/>
+                      </a:endParaRPr>
                     </a:p>
                   </a:txBody>
                   <a:tcPr/>
@@ -7955,14 +8165,14 @@
           <p:nvPr>
             <p:extLst>
               <p:ext uri="{D42A27DB-BD31-4B8C-83A1-F6EECF244321}">
-                <p14:modId xmlns:p14="http://schemas.microsoft.com/office/powerpoint/2010/main" val="1468961107"/>
+                <p14:modId xmlns:p14="http://schemas.microsoft.com/office/powerpoint/2010/main" val="1824488531"/>
               </p:ext>
             </p:extLst>
           </p:nvPr>
         </p:nvGraphicFramePr>
         <p:xfrm>
           <a:off x="378462" y="870989"/>
-          <a:ext cx="9929087" cy="5599854"/>
+          <a:ext cx="9929087" cy="5416974"/>
         </p:xfrm>
         <a:graphic>
           <a:graphicData uri="http://schemas.openxmlformats.org/drawingml/2006/table">
@@ -8332,7 +8542,19 @@
                         <a:rPr lang="fa-IR" sz="1200" dirty="0">
                           <a:cs typeface="2  Kamran" panose="00000400000000000000" pitchFamily="2" charset="-78"/>
                         </a:rPr>
-                        <a:t>مذاکره و راهنمایی درباره برنامه درخواستی او</a:t>
+                        <a:t>مذاکره و راهنمایی درباره </a:t>
+                      </a:r>
+                      <a:r>
+                        <a:rPr lang="fa-IR" sz="1200" dirty="0" smtClean="0">
+                          <a:cs typeface="2  Kamran" panose="00000400000000000000" pitchFamily="2" charset="-78"/>
+                        </a:rPr>
+                        <a:t> درخواست </a:t>
+                      </a:r>
+                      <a:r>
+                        <a:rPr lang="fa-IR" sz="1200" dirty="0">
+                          <a:cs typeface="2  Kamran" panose="00000400000000000000" pitchFamily="2" charset="-78"/>
+                        </a:rPr>
+                        <a:t>او</a:t>
                       </a:r>
                     </a:p>
                   </a:txBody>
@@ -8380,8 +8602,17 @@
                         <a:rPr lang="fa-IR" sz="1200" dirty="0">
                           <a:cs typeface="2  Kamran" panose="00000400000000000000" pitchFamily="2" charset="-78"/>
                         </a:rPr>
-                        <a:t>ارائه گارانتی دربارره سالم بودن برنامه</a:t>
-                      </a:r>
+                        <a:t>ارائه گارانتی دربارره سالم بودن </a:t>
+                      </a:r>
+                      <a:r>
+                        <a:rPr lang="fa-IR" sz="1200" dirty="0" smtClean="0">
+                          <a:cs typeface="2  Kamran" panose="00000400000000000000" pitchFamily="2" charset="-78"/>
+                        </a:rPr>
+                        <a:t>قطعه</a:t>
+                      </a:r>
+                      <a:endParaRPr lang="fa-IR" sz="1200" dirty="0">
+                        <a:cs typeface="2  Kamran" panose="00000400000000000000" pitchFamily="2" charset="-78"/>
+                      </a:endParaRPr>
                     </a:p>
                   </a:txBody>
                   <a:tcPr/>
@@ -8457,7 +8688,19 @@
                         <a:rPr lang="fa-IR" sz="1200" dirty="0">
                           <a:cs typeface="2  Kamran" panose="00000400000000000000" pitchFamily="2" charset="-78"/>
                         </a:rPr>
-                        <a:t>نمایشی از برنامه های افراد دیگر جهت نمونه کار</a:t>
+                        <a:t>نمایشی از </a:t>
+                      </a:r>
+                      <a:r>
+                        <a:rPr lang="fa-IR" sz="1200" dirty="0" smtClean="0">
+                          <a:cs typeface="2  Kamran" panose="00000400000000000000" pitchFamily="2" charset="-78"/>
+                        </a:rPr>
+                        <a:t>قطعات </a:t>
+                      </a:r>
+                      <a:r>
+                        <a:rPr lang="fa-IR" sz="1200" dirty="0">
+                          <a:cs typeface="2  Kamran" panose="00000400000000000000" pitchFamily="2" charset="-78"/>
+                        </a:rPr>
+                        <a:t>های افراد دیگر جهت نمونه کار</a:t>
                       </a:r>
                     </a:p>
                   </a:txBody>
@@ -8505,8 +8748,23 @@
                         <a:rPr lang="fa-IR" sz="1200" dirty="0">
                           <a:cs typeface="2  Kamran" panose="00000400000000000000" pitchFamily="2" charset="-78"/>
                         </a:rPr>
-                        <a:t>آموزش نحوه استفاده و ارائه مدرکی بالغ بر سلامت برنامه</a:t>
-                      </a:r>
+                        <a:t>آموزش نحوه استفاده و ارائه مدرکی بالغ بر </a:t>
+                      </a:r>
+                      <a:r>
+                        <a:rPr lang="fa-IR" sz="1200" dirty="0" smtClean="0">
+                          <a:cs typeface="2  Kamran" panose="00000400000000000000" pitchFamily="2" charset="-78"/>
+                        </a:rPr>
+                        <a:t>سلامت</a:t>
+                      </a:r>
+                      <a:r>
+                        <a:rPr lang="fa-IR" sz="1200" baseline="0" dirty="0" smtClean="0">
+                          <a:cs typeface="2  Kamran" panose="00000400000000000000" pitchFamily="2" charset="-78"/>
+                        </a:rPr>
+                        <a:t> لوازم</a:t>
+                      </a:r>
+                      <a:endParaRPr lang="fa-IR" sz="1200" dirty="0">
+                        <a:cs typeface="2  Kamran" panose="00000400000000000000" pitchFamily="2" charset="-78"/>
+                      </a:endParaRPr>
                     </a:p>
                   </a:txBody>
                   <a:tcPr/>
@@ -8571,7 +8829,19 @@
                         <a:rPr lang="fa-IR" sz="1200" dirty="0">
                           <a:cs typeface="2  Kamran" panose="00000400000000000000" pitchFamily="2" charset="-78"/>
                         </a:rPr>
-                        <a:t>قرار دادن نمونه کار در برنامه های مختلف جهت کسب مشتری</a:t>
+                        <a:t>قرار دادن نمونه </a:t>
+                      </a:r>
+                      <a:r>
+                        <a:rPr lang="fa-IR" sz="1200" dirty="0" smtClean="0">
+                          <a:cs typeface="2  Kamran" panose="00000400000000000000" pitchFamily="2" charset="-78"/>
+                        </a:rPr>
+                        <a:t>در </a:t>
+                      </a:r>
+                      <a:r>
+                        <a:rPr lang="fa-IR" sz="1200" dirty="0">
+                          <a:cs typeface="2  Kamran" panose="00000400000000000000" pitchFamily="2" charset="-78"/>
+                        </a:rPr>
+                        <a:t>برنامه های مختلف جهت کسب مشتری</a:t>
                       </a:r>
                     </a:p>
                   </a:txBody>
@@ -8587,7 +8857,19 @@
                         <a:rPr lang="fa-IR" sz="1200" dirty="0">
                           <a:cs typeface="2  Kamran" panose="00000400000000000000" pitchFamily="2" charset="-78"/>
                         </a:rPr>
-                        <a:t>آزمایش نمونه کار های مختلف جهت اطمینان</a:t>
+                        <a:t>آزمایش نمونه </a:t>
+                      </a:r>
+                      <a:r>
+                        <a:rPr lang="fa-IR" sz="1200" dirty="0" smtClean="0">
+                          <a:cs typeface="2  Kamran" panose="00000400000000000000" pitchFamily="2" charset="-78"/>
+                        </a:rPr>
+                        <a:t>های </a:t>
+                      </a:r>
+                      <a:r>
+                        <a:rPr lang="fa-IR" sz="1200" dirty="0">
+                          <a:cs typeface="2  Kamran" panose="00000400000000000000" pitchFamily="2" charset="-78"/>
+                        </a:rPr>
+                        <a:t>مختلف جهت اطمینان</a:t>
                       </a:r>
                     </a:p>
                   </a:txBody>
@@ -8651,8 +8933,17 @@
                         <a:rPr lang="fa-IR" sz="1200" dirty="0">
                           <a:cs typeface="2  Kamran" panose="00000400000000000000" pitchFamily="2" charset="-78"/>
                         </a:rPr>
-                        <a:t>آموزش نحوه استفاده و ارائه مدرکی بالغ بر سلامت برنامه</a:t>
-                      </a:r>
+                        <a:t>آموزش نحوه استفاده و ارائه مدرکی بالغ بر سلامت </a:t>
+                      </a:r>
+                      <a:r>
+                        <a:rPr lang="fa-IR" sz="1200" dirty="0" smtClean="0">
+                          <a:cs typeface="2  Kamran" panose="00000400000000000000" pitchFamily="2" charset="-78"/>
+                        </a:rPr>
+                        <a:t>لوازم</a:t>
+                      </a:r>
+                      <a:endParaRPr lang="fa-IR" sz="1200" dirty="0">
+                        <a:cs typeface="2  Kamran" panose="00000400000000000000" pitchFamily="2" charset="-78"/>
+                      </a:endParaRPr>
                     </a:p>
                     <a:p>
                       <a:pPr algn="ctr" rtl="1"/>
@@ -8720,10 +9011,16 @@
                     <a:p>
                       <a:pPr algn="ctr" rtl="1"/>
                       <a:r>
+                        <a:rPr lang="fa-IR" sz="1200" dirty="0" smtClean="0">
+                          <a:cs typeface="2  Kamran" panose="00000400000000000000" pitchFamily="2" charset="-78"/>
+                        </a:rPr>
+                        <a:t>ارائه قطعات های </a:t>
+                      </a:r>
+                      <a:r>
                         <a:rPr lang="fa-IR" sz="1200" dirty="0">
                           <a:cs typeface="2  Kamran" panose="00000400000000000000" pitchFamily="2" charset="-78"/>
                         </a:rPr>
-                        <a:t>ارائه برنامه های مختلف و امکان تست آنها</a:t>
+                        <a:t>مختلف و امکان تست آنها</a:t>
                       </a:r>
                     </a:p>
                   </a:txBody>
@@ -8819,8 +9116,17 @@
                         <a:rPr lang="fa-IR" sz="1200" dirty="0">
                           <a:cs typeface="2  Kamran" panose="00000400000000000000" pitchFamily="2" charset="-78"/>
                         </a:rPr>
-                        <a:t>آموزش نحوه استفاده و ارائه مدرکی بالغ بر سلامت برنامه</a:t>
-                      </a:r>
+                        <a:t>آموزش نحوه استفاده و ارائه مدرکی بالغ بر سلامت </a:t>
+                      </a:r>
+                      <a:r>
+                        <a:rPr lang="fa-IR" sz="1200" dirty="0" smtClean="0">
+                          <a:cs typeface="2  Kamran" panose="00000400000000000000" pitchFamily="2" charset="-78"/>
+                        </a:rPr>
+                        <a:t>قطعه ها</a:t>
+                      </a:r>
+                      <a:endParaRPr lang="fa-IR" sz="1200" dirty="0">
+                        <a:cs typeface="2  Kamran" panose="00000400000000000000" pitchFamily="2" charset="-78"/>
+                      </a:endParaRPr>
                     </a:p>
                   </a:txBody>
                   <a:tcPr/>
@@ -8912,7 +9218,19 @@
                         <a:rPr lang="fa-IR" sz="1200" dirty="0">
                           <a:cs typeface="2  Kamran" panose="00000400000000000000" pitchFamily="2" charset="-78"/>
                         </a:rPr>
-                        <a:t>ارائه برنامه های مختلف و امکان تست آنها</a:t>
+                        <a:t>ارائه </a:t>
+                      </a:r>
+                      <a:r>
+                        <a:rPr lang="fa-IR" sz="1200" dirty="0" smtClean="0">
+                          <a:cs typeface="2  Kamran" panose="00000400000000000000" pitchFamily="2" charset="-78"/>
+                        </a:rPr>
+                        <a:t>لوازم </a:t>
+                      </a:r>
+                      <a:r>
+                        <a:rPr lang="fa-IR" sz="1200" dirty="0">
+                          <a:cs typeface="2  Kamran" panose="00000400000000000000" pitchFamily="2" charset="-78"/>
+                        </a:rPr>
+                        <a:t>های مختلف و امکان تست آنها</a:t>
                       </a:r>
                     </a:p>
                     <a:p>
@@ -9029,8 +9347,17 @@
                         <a:rPr lang="fa-IR" sz="1200" dirty="0">
                           <a:cs typeface="2  Kamran" panose="00000400000000000000" pitchFamily="2" charset="-78"/>
                         </a:rPr>
-                        <a:t>آموزش نحوه استفاده و ارائه مدرکی بالغ بر سلامت برنامه</a:t>
-                      </a:r>
+                        <a:t>آموزش نحوه استفاده و ارائه مدرکی بالغ بر سلامت </a:t>
+                      </a:r>
+                      <a:r>
+                        <a:rPr lang="fa-IR" sz="1200" dirty="0" smtClean="0">
+                          <a:cs typeface="2  Kamran" panose="00000400000000000000" pitchFamily="2" charset="-78"/>
+                        </a:rPr>
+                        <a:t>لوازم</a:t>
+                      </a:r>
+                      <a:endParaRPr lang="fa-IR" sz="1200" dirty="0">
+                        <a:cs typeface="2  Kamran" panose="00000400000000000000" pitchFamily="2" charset="-78"/>
+                      </a:endParaRPr>
                     </a:p>
                   </a:txBody>
                   <a:tcPr/>
@@ -9128,7 +9455,7 @@
           <p:nvPr>
             <p:extLst>
               <p:ext uri="{D42A27DB-BD31-4B8C-83A1-F6EECF244321}">
-                <p14:modId xmlns:p14="http://schemas.microsoft.com/office/powerpoint/2010/main" val="2459969621"/>
+                <p14:modId xmlns:p14="http://schemas.microsoft.com/office/powerpoint/2010/main" val="496369069"/>
               </p:ext>
             </p:extLst>
           </p:nvPr>
@@ -9186,7 +9513,19 @@
                         <a:rPr lang="fa-IR" sz="2400" b="1" dirty="0">
                           <a:cs typeface="2  Kamran" panose="00000400000000000000" pitchFamily="2" charset="-78"/>
                         </a:rPr>
-                        <a:t>راهنمایی مشتری در هنکام سفارش و بعد از دریافت برنامه خود</a:t>
+                        <a:t>راهنمایی مشتری در هنکام سفارش و بعد از دریافت </a:t>
+                      </a:r>
+                      <a:r>
+                        <a:rPr lang="fa-IR" sz="2400" b="1" dirty="0" smtClean="0">
+                          <a:cs typeface="2  Kamran" panose="00000400000000000000" pitchFamily="2" charset="-78"/>
+                        </a:rPr>
+                        <a:t>قطعه خود </a:t>
+                      </a:r>
+                      <a:r>
+                        <a:rPr lang="fa-IR" sz="2400" b="1" dirty="0">
+                          <a:cs typeface="2  Kamran" panose="00000400000000000000" pitchFamily="2" charset="-78"/>
+                        </a:rPr>
+                        <a:t>خود</a:t>
                       </a:r>
                     </a:p>
                   </a:txBody>
@@ -9261,11 +9600,26 @@
                     <a:p>
                       <a:pPr algn="ctr" rtl="1"/>
                       <a:r>
-                        <a:rPr lang="fa-IR" sz="2400" b="1" dirty="0">
-                          <a:cs typeface="2  Kamran" panose="00000400000000000000" pitchFamily="2" charset="-78"/>
-                        </a:rPr>
-                        <a:t>ساخت برنامه براساس سلایق مشتری </a:t>
-                      </a:r>
+                        <a:rPr lang="fa-IR" sz="2400" b="1" dirty="0" smtClean="0">
+                          <a:cs typeface="2  Kamran" panose="00000400000000000000" pitchFamily="2" charset="-78"/>
+                        </a:rPr>
+                        <a:t>سفارش</a:t>
+                      </a:r>
+                      <a:r>
+                        <a:rPr lang="fa-IR" sz="2400" b="1" baseline="0" dirty="0" smtClean="0">
+                          <a:cs typeface="2  Kamran" panose="00000400000000000000" pitchFamily="2" charset="-78"/>
+                        </a:rPr>
+                        <a:t> و رسیدگی بر اساس خواسته مشتری</a:t>
+                      </a:r>
+                      <a:r>
+                        <a:rPr lang="fa-IR" sz="2400" b="1" dirty="0" smtClean="0">
+                          <a:cs typeface="2  Kamran" panose="00000400000000000000" pitchFamily="2" charset="-78"/>
+                        </a:rPr>
+                        <a:t> </a:t>
+                      </a:r>
+                      <a:endParaRPr lang="fa-IR" sz="2400" b="1" dirty="0">
+                        <a:cs typeface="2  Kamran" panose="00000400000000000000" pitchFamily="2" charset="-78"/>
+                      </a:endParaRPr>
                     </a:p>
                   </a:txBody>
                   <a:tcPr/>
@@ -9363,7 +9717,7 @@
           <p:nvPr>
             <p:extLst>
               <p:ext uri="{D42A27DB-BD31-4B8C-83A1-F6EECF244321}">
-                <p14:modId xmlns:p14="http://schemas.microsoft.com/office/powerpoint/2010/main" val="2698251018"/>
+                <p14:modId xmlns:p14="http://schemas.microsoft.com/office/powerpoint/2010/main" val="2647878031"/>
               </p:ext>
             </p:extLst>
           </p:nvPr>
@@ -9464,7 +9818,19 @@
                         <a:rPr lang="fa-IR" sz="2000" dirty="0">
                           <a:cs typeface="2  Kamran" panose="00000400000000000000" pitchFamily="2" charset="-78"/>
                         </a:rPr>
-                        <a:t>هرچه امکانات برنامه ساخته شده بیشتر باشد ... هزینه آن نیزز بیشتر می شود</a:t>
+                        <a:t>هرچه امکانات </a:t>
+                      </a:r>
+                      <a:r>
+                        <a:rPr lang="fa-IR" sz="2000" dirty="0" smtClean="0">
+                          <a:cs typeface="2  Kamran" panose="00000400000000000000" pitchFamily="2" charset="-78"/>
+                        </a:rPr>
+                        <a:t>کیس جمع </a:t>
+                      </a:r>
+                      <a:r>
+                        <a:rPr lang="fa-IR" sz="2000" dirty="0">
+                          <a:cs typeface="2  Kamran" panose="00000400000000000000" pitchFamily="2" charset="-78"/>
+                        </a:rPr>
+                        <a:t>شده بیشتر باشد ... هزینه آن نیزز بیشتر می شود</a:t>
                       </a:r>
                     </a:p>
                   </a:txBody>
@@ -9550,7 +9916,43 @@
                         <a:rPr lang="fa-IR" sz="2000" dirty="0">
                           <a:cs typeface="2  Kamran" panose="00000400000000000000" pitchFamily="2" charset="-78"/>
                         </a:rPr>
-                        <a:t>ممکن است فردی تقاضای سایت  داشته باشد در نتیجه میتوان بعنوان واسطه با کسی که طراح سایت است کار کرد</a:t>
+                        <a:t>ممکن است فردی تقاضای </a:t>
+                      </a:r>
+                      <a:r>
+                        <a:rPr lang="fa-IR" sz="2000" dirty="0" smtClean="0">
+                          <a:cs typeface="2  Kamran" panose="00000400000000000000" pitchFamily="2" charset="-78"/>
+                        </a:rPr>
+                        <a:t>موبایل  </a:t>
+                      </a:r>
+                      <a:r>
+                        <a:rPr lang="fa-IR" sz="2000" dirty="0">
+                          <a:cs typeface="2  Kamran" panose="00000400000000000000" pitchFamily="2" charset="-78"/>
+                        </a:rPr>
+                        <a:t>داشته باشد در نتیجه میتوان بعنوان واسطه با کسی </a:t>
+                      </a:r>
+                      <a:r>
+                        <a:rPr lang="fa-IR" sz="2000" dirty="0" smtClean="0">
+                          <a:cs typeface="2  Kamran" panose="00000400000000000000" pitchFamily="2" charset="-78"/>
+                        </a:rPr>
+                        <a:t>که</a:t>
+                      </a:r>
+                      <a:r>
+                        <a:rPr lang="fa-IR" sz="2000" baseline="0" dirty="0" smtClean="0">
+                          <a:cs typeface="2  Kamran" panose="00000400000000000000" pitchFamily="2" charset="-78"/>
+                        </a:rPr>
+                        <a:t> در فروش موبایل</a:t>
+                      </a:r>
+                      <a:r>
+                        <a:rPr lang="fa-IR" sz="2000" dirty="0" smtClean="0">
+                          <a:cs typeface="2  Kamran" panose="00000400000000000000" pitchFamily="2" charset="-78"/>
+                        </a:rPr>
+                        <a:t> </a:t>
+                      </a:r>
+                      <a:r>
+                        <a:rPr lang="fa-IR" sz="2000" dirty="0">
+                          <a:cs typeface="2  Kamran" panose="00000400000000000000" pitchFamily="2" charset="-78"/>
+                        </a:rPr>
+                        <a:t>است کار کرد</a:t>
                       </a:r>
                     </a:p>
                   </a:txBody>
@@ -9649,14 +10051,14 @@
           <p:nvPr>
             <p:extLst>
               <p:ext uri="{D42A27DB-BD31-4B8C-83A1-F6EECF244321}">
-                <p14:modId xmlns:p14="http://schemas.microsoft.com/office/powerpoint/2010/main" val="924532234"/>
+                <p14:modId xmlns:p14="http://schemas.microsoft.com/office/powerpoint/2010/main" val="4085186353"/>
               </p:ext>
             </p:extLst>
           </p:nvPr>
         </p:nvGraphicFramePr>
         <p:xfrm>
           <a:off x="1990898" y="1293243"/>
-          <a:ext cx="8128000" cy="4937760"/>
+          <a:ext cx="8128000" cy="4206240"/>
         </p:xfrm>
         <a:graphic>
           <a:graphicData uri="http://schemas.openxmlformats.org/drawingml/2006/table">
@@ -9782,11 +10184,20 @@
                     <a:p>
                       <a:pPr algn="ctr" rtl="1"/>
                       <a:r>
-                        <a:rPr lang="fa-IR" sz="2400" dirty="0">
-                          <a:cs typeface="2  Kamran" panose="00000400000000000000" pitchFamily="2" charset="-78"/>
-                        </a:rPr>
-                        <a:t>حساب مشترک میان اعضای اداره</a:t>
-                      </a:r>
+                        <a:rPr lang="fa-IR" sz="2400" dirty="0" smtClean="0">
+                          <a:cs typeface="2  Kamran" panose="00000400000000000000" pitchFamily="2" charset="-78"/>
+                        </a:rPr>
+                        <a:t>تمام</a:t>
+                      </a:r>
+                      <a:r>
+                        <a:rPr lang="fa-IR" sz="2400" baseline="0" dirty="0" smtClean="0">
+                          <a:cs typeface="2  Kamran" panose="00000400000000000000" pitchFamily="2" charset="-78"/>
+                        </a:rPr>
+                        <a:t> سیستم های یک گیمنت</a:t>
+                      </a:r>
+                      <a:endParaRPr lang="fa-IR" sz="2400" dirty="0">
+                        <a:cs typeface="2  Kamran" panose="00000400000000000000" pitchFamily="2" charset="-78"/>
+                      </a:endParaRPr>
                     </a:p>
                   </a:txBody>
                   <a:tcPr/>
@@ -9821,10 +10232,16 @@
                     <a:p>
                       <a:pPr algn="ctr" rtl="1"/>
                       <a:r>
+                        <a:rPr lang="fa-IR" sz="2400" dirty="0" smtClean="0">
+                          <a:cs typeface="2  Kamran" panose="00000400000000000000" pitchFamily="2" charset="-78"/>
+                        </a:rPr>
+                        <a:t> </a:t>
+                      </a:r>
+                      <a:r>
                         <a:rPr lang="fa-IR" sz="2400" dirty="0">
                           <a:cs typeface="2  Kamran" panose="00000400000000000000" pitchFamily="2" charset="-78"/>
                         </a:rPr>
-                        <a:t>برنامه های پیدا کردن مشتری و سایت های تبلیغاتی</a:t>
+                        <a:t>پیدا کردن مشتری و سایت های تبلیغاتی</a:t>
                       </a:r>
                     </a:p>
                   </a:txBody>
@@ -9863,8 +10280,17 @@
                         <a:rPr lang="fa-IR" sz="2400" dirty="0">
                           <a:cs typeface="2  Kamran" panose="00000400000000000000" pitchFamily="2" charset="-78"/>
                         </a:rPr>
-                        <a:t>نشان برند ما </a:t>
-                      </a:r>
+                        <a:t>نشان برند </a:t>
+                      </a:r>
+                      <a:r>
+                        <a:rPr lang="fa-IR" sz="2400" dirty="0" smtClean="0">
+                          <a:cs typeface="2  Kamran" panose="00000400000000000000" pitchFamily="2" charset="-78"/>
+                        </a:rPr>
+                        <a:t> </a:t>
+                      </a:r>
+                      <a:endParaRPr lang="fa-IR" sz="2400" dirty="0">
+                        <a:cs typeface="2  Kamran" panose="00000400000000000000" pitchFamily="2" charset="-78"/>
+                      </a:endParaRPr>
                     </a:p>
                   </a:txBody>
                   <a:tcPr/>
@@ -9899,11 +10325,20 @@
                     <a:p>
                       <a:pPr algn="ctr" rtl="1"/>
                       <a:r>
-                        <a:rPr lang="fa-IR" sz="2400" dirty="0">
-                          <a:cs typeface="2  Kamran" panose="00000400000000000000" pitchFamily="2" charset="-78"/>
-                        </a:rPr>
-                        <a:t>مهارت بک اند نویسی ، مهارت فرانت اند نویسی و مهارت جذب مشتری</a:t>
-                      </a:r>
+                        <a:rPr lang="fa-IR" sz="2400" dirty="0" smtClean="0">
+                          <a:cs typeface="2  Kamran" panose="00000400000000000000" pitchFamily="2" charset="-78"/>
+                        </a:rPr>
+                        <a:t>مهارت</a:t>
+                      </a:r>
+                      <a:r>
+                        <a:rPr lang="fa-IR" sz="2400" baseline="0" dirty="0" smtClean="0">
+                          <a:cs typeface="2  Kamran" panose="00000400000000000000" pitchFamily="2" charset="-78"/>
+                        </a:rPr>
+                        <a:t> در تعمیر پیگیری و گارانتی</a:t>
+                      </a:r>
+                      <a:endParaRPr lang="fa-IR" sz="2400" dirty="0">
+                        <a:cs typeface="2  Kamran" panose="00000400000000000000" pitchFamily="2" charset="-78"/>
+                      </a:endParaRPr>
                     </a:p>
                   </a:txBody>
                   <a:tcPr/>
@@ -10001,7 +10436,7 @@
           <p:nvPr>
             <p:extLst>
               <p:ext uri="{D42A27DB-BD31-4B8C-83A1-F6EECF244321}">
-                <p14:modId xmlns:p14="http://schemas.microsoft.com/office/powerpoint/2010/main" val="259478232"/>
+                <p14:modId xmlns:p14="http://schemas.microsoft.com/office/powerpoint/2010/main" val="1686799260"/>
               </p:ext>
             </p:extLst>
           </p:nvPr>
@@ -10095,10 +10530,16 @@
                     <a:p>
                       <a:pPr algn="ctr" rtl="1"/>
                       <a:r>
+                        <a:rPr lang="fa-IR" sz="2400" dirty="0" smtClean="0">
+                          <a:cs typeface="2  Kamran" panose="00000400000000000000" pitchFamily="2" charset="-78"/>
+                        </a:rPr>
+                        <a:t>سفارش </a:t>
+                      </a:r>
+                      <a:r>
                         <a:rPr lang="fa-IR" sz="2400" dirty="0">
                           <a:cs typeface="2  Kamran" panose="00000400000000000000" pitchFamily="2" charset="-78"/>
                         </a:rPr>
-                        <a:t>طراحی ، ساخت و ارائه یک محصول با کیفیت</a:t>
+                        <a:t>، ساخت و ارائه یک محصول با کیفیت</a:t>
                       </a:r>
                     </a:p>
                   </a:txBody>
@@ -10137,8 +10578,17 @@
                         <a:rPr lang="fa-IR" sz="2400" dirty="0">
                           <a:cs typeface="2  Kamran" panose="00000400000000000000" pitchFamily="2" charset="-78"/>
                         </a:rPr>
-                        <a:t>حل مشکلات و مسائل مشتری با ابروز ترین متد های روز</a:t>
-                      </a:r>
+                        <a:t>حل مشکلات و مسائل مشتری با </a:t>
+                      </a:r>
+                      <a:r>
+                        <a:rPr lang="fa-IR" sz="2400" dirty="0" smtClean="0">
+                          <a:cs typeface="2  Kamran" panose="00000400000000000000" pitchFamily="2" charset="-78"/>
+                        </a:rPr>
+                        <a:t>بروز ترین لوازم</a:t>
+                      </a:r>
+                      <a:endParaRPr lang="fa-IR" sz="2400" dirty="0">
+                        <a:cs typeface="2  Kamran" panose="00000400000000000000" pitchFamily="2" charset="-78"/>
+                      </a:endParaRPr>
                     </a:p>
                   </a:txBody>
                   <a:tcPr/>
@@ -10275,14 +10725,14 @@
           <p:nvPr>
             <p:extLst>
               <p:ext uri="{D42A27DB-BD31-4B8C-83A1-F6EECF244321}">
-                <p14:modId xmlns:p14="http://schemas.microsoft.com/office/powerpoint/2010/main" val="2286115144"/>
+                <p14:modId xmlns:p14="http://schemas.microsoft.com/office/powerpoint/2010/main" val="3520586258"/>
               </p:ext>
             </p:extLst>
           </p:nvPr>
         </p:nvGraphicFramePr>
         <p:xfrm>
           <a:off x="1884218" y="2243666"/>
-          <a:ext cx="8128000" cy="3200400"/>
+          <a:ext cx="8128000" cy="2834640"/>
         </p:xfrm>
         <a:graphic>
           <a:graphicData uri="http://schemas.openxmlformats.org/drawingml/2006/table">
@@ -10372,7 +10822,31 @@
                         <a:rPr lang="fa-IR" sz="2400" dirty="0">
                           <a:cs typeface="2  Kamran" panose="00000400000000000000" pitchFamily="2" charset="-78"/>
                         </a:rPr>
-                        <a:t>استفاده از افراد ماهر برای رقابت با رقبا</a:t>
+                        <a:t>استفاده از افراد </a:t>
+                      </a:r>
+                      <a:r>
+                        <a:rPr lang="fa-IR" sz="2400" dirty="0" smtClean="0">
+                          <a:cs typeface="2  Kamran" panose="00000400000000000000" pitchFamily="2" charset="-78"/>
+                        </a:rPr>
+                        <a:t>ماهر</a:t>
+                      </a:r>
+                      <a:r>
+                        <a:rPr lang="fa-IR" sz="2400" baseline="0" dirty="0" smtClean="0">
+                          <a:cs typeface="2  Kamran" panose="00000400000000000000" pitchFamily="2" charset="-78"/>
+                        </a:rPr>
+                        <a:t> و برند های معتبر فروش</a:t>
+                      </a:r>
+                      <a:r>
+                        <a:rPr lang="fa-IR" sz="2400" dirty="0" smtClean="0">
+                          <a:cs typeface="2  Kamran" panose="00000400000000000000" pitchFamily="2" charset="-78"/>
+                        </a:rPr>
+                        <a:t> </a:t>
+                      </a:r>
+                      <a:r>
+                        <a:rPr lang="fa-IR" sz="2400" dirty="0">
+                          <a:cs typeface="2  Kamran" panose="00000400000000000000" pitchFamily="2" charset="-78"/>
+                        </a:rPr>
+                        <a:t>برای رقابت با رقبا</a:t>
                       </a:r>
                     </a:p>
                   </a:txBody>
@@ -10411,8 +10885,17 @@
                         <a:rPr lang="fa-IR" sz="2400" dirty="0">
                           <a:cs typeface="2  Kamran" panose="00000400000000000000" pitchFamily="2" charset="-78"/>
                         </a:rPr>
-                        <a:t>استفاده از کسانی که در یک زمینه خاص تخصص دارند و درنتیجه ساخت برنامه با بهترین کیفیت</a:t>
-                      </a:r>
+                        <a:t>استفاده از کسانی که در یک زمینه خاص تخصص </a:t>
+                      </a:r>
+                      <a:r>
+                        <a:rPr lang="fa-IR" sz="2400" dirty="0" smtClean="0">
+                          <a:cs typeface="2  Kamran" panose="00000400000000000000" pitchFamily="2" charset="-78"/>
+                        </a:rPr>
+                        <a:t>دارند</a:t>
+                      </a:r>
+                      <a:endParaRPr lang="fa-IR" sz="2400" dirty="0">
+                        <a:cs typeface="2  Kamran" panose="00000400000000000000" pitchFamily="2" charset="-78"/>
+                      </a:endParaRPr>
                     </a:p>
                   </a:txBody>
                   <a:tcPr/>
@@ -10471,7 +10954,7 @@
         </p:nvSpPr>
         <p:spPr>
           <a:xfrm>
-            <a:off x="10569146" y="428366"/>
+            <a:off x="11646655" y="336926"/>
             <a:ext cx="494270" cy="584775"/>
           </a:xfrm>
           <a:prstGeom prst="rect">
@@ -10507,8 +10990,8 @@
         </p:nvSpPr>
         <p:spPr>
           <a:xfrm>
-            <a:off x="7051589" y="114619"/>
-            <a:ext cx="2949146" cy="830997"/>
+            <a:off x="8251842" y="336926"/>
+            <a:ext cx="3394813" cy="830997"/>
           </a:xfrm>
           <a:prstGeom prst="rect">
             <a:avLst/>
@@ -10523,10 +11006,22 @@
           <a:p>
             <a:pPr algn="r"/>
             <a:r>
-              <a:rPr lang="fa-IR" sz="4800" dirty="0">
+              <a:rPr lang="fa-IR" sz="4800" dirty="0" smtClean="0">
                 <a:cs typeface="2  Kamran" panose="00000400000000000000" pitchFamily="2" charset="-78"/>
               </a:rPr>
-              <a:t>گام اول : جایگزینی</a:t>
+              <a:t>گام</a:t>
+            </a:r>
+            <a:r>
+              <a:rPr lang="en-US" sz="4800" dirty="0" smtClean="0">
+                <a:cs typeface="2  Kamran" panose="00000400000000000000" pitchFamily="2" charset="-78"/>
+              </a:rPr>
+              <a:t> </a:t>
+            </a:r>
+            <a:r>
+              <a:rPr lang="fa-IR" sz="4800" dirty="0" smtClean="0">
+                <a:cs typeface="2  Kamran" panose="00000400000000000000" pitchFamily="2" charset="-78"/>
+              </a:rPr>
+              <a:t>اول </a:t>
             </a:r>
             <a:endParaRPr lang="en-US" sz="4800" dirty="0">
               <a:cs typeface="2  Kamran" panose="00000400000000000000" pitchFamily="2" charset="-78"/>
@@ -10549,14 +11044,14 @@
           <p:nvPr>
             <p:extLst>
               <p:ext uri="{D42A27DB-BD31-4B8C-83A1-F6EECF244321}">
-                <p14:modId xmlns:p14="http://schemas.microsoft.com/office/powerpoint/2010/main" val="3458903495"/>
+                <p14:modId xmlns:p14="http://schemas.microsoft.com/office/powerpoint/2010/main" val="3586284831"/>
               </p:ext>
             </p:extLst>
           </p:nvPr>
         </p:nvGraphicFramePr>
         <p:xfrm>
-          <a:off x="2023762" y="1013141"/>
-          <a:ext cx="8347676" cy="5400040"/>
+          <a:off x="136923" y="0"/>
+          <a:ext cx="8347676" cy="6407565"/>
         </p:xfrm>
         <a:graphic>
           <a:graphicData uri="http://schemas.openxmlformats.org/drawingml/2006/table">
@@ -10580,7 +11075,7 @@
                   </a:extLst>
                 </a:gridCol>
               </a:tblGrid>
-              <a:tr h="370840">
+              <a:tr h="342045">
                 <a:tc>
                   <a:txBody>
                     <a:bodyPr/>
@@ -10588,7 +11083,7 @@
                     <a:p>
                       <a:pPr algn="ctr"/>
                       <a:r>
-                        <a:rPr lang="fa-IR" sz="1800" b="1" kern="1200" dirty="0">
+                        <a:rPr lang="fa-IR" sz="1400" b="1" kern="1200" dirty="0">
                           <a:solidFill>
                             <a:schemeClr val="lt1"/>
                           </a:solidFill>
@@ -10598,7 +11093,7 @@
                         </a:rPr>
                         <a:t>پاسخ ها</a:t>
                       </a:r>
-                      <a:endParaRPr lang="en-US" sz="1800" b="1" kern="1200" dirty="0">
+                      <a:endParaRPr lang="en-US" sz="1400" b="1" kern="1200" dirty="0">
                         <a:solidFill>
                           <a:schemeClr val="lt1"/>
                         </a:solidFill>
@@ -10617,7 +11112,7 @@
                     <a:p>
                       <a:pPr algn="ctr"/>
                       <a:r>
-                        <a:rPr lang="fa-IR" sz="1800" b="1" kern="1200" dirty="0">
+                        <a:rPr lang="fa-IR" sz="1400" b="1" kern="1200" dirty="0">
                           <a:solidFill>
                             <a:schemeClr val="lt1"/>
                           </a:solidFill>
@@ -10627,7 +11122,7 @@
                         </a:rPr>
                         <a:t>پرسش های کلیدی</a:t>
                       </a:r>
-                      <a:endParaRPr lang="en-US" sz="1800" b="1" kern="1200" dirty="0">
+                      <a:endParaRPr lang="en-US" sz="1400" b="1" kern="1200" dirty="0">
                         <a:solidFill>
                           <a:schemeClr val="lt1"/>
                         </a:solidFill>
@@ -10645,140 +11140,201 @@
                   </a:ext>
                 </a:extLst>
               </a:tr>
-              <a:tr h="370840">
-                <a:tc>
-                  <a:txBody>
-                    <a:bodyPr/>
-                    <a:lstStyle/>
-                    <a:p>
-                      <a:pPr algn="r"/>
-                      <a:r>
-                        <a:rPr lang="fa-IR" sz="1800" dirty="0">
-                          <a:cs typeface="2  Kamran" panose="00000400000000000000" pitchFamily="2" charset="-78"/>
-                        </a:rPr>
-                        <a:t>1. میتوان از سیستم های </a:t>
-                      </a:r>
-                      <a:r>
-                        <a:rPr lang="fa-IR" sz="1800" dirty="0" smtClean="0">
-                          <a:cs typeface="2  Kamran" panose="00000400000000000000" pitchFamily="2" charset="-78"/>
-                        </a:rPr>
-                        <a:t>با امنیت </a:t>
-                      </a:r>
-                      <a:r>
-                        <a:rPr lang="fa-IR" sz="1800" dirty="0">
-                          <a:cs typeface="2  Kamran" panose="00000400000000000000" pitchFamily="2" charset="-78"/>
-                        </a:rPr>
-                        <a:t>استفاده کرد تا بازدهی بالا برود</a:t>
-                      </a:r>
-                    </a:p>
-                    <a:p>
-                      <a:pPr algn="r"/>
-                      <a:endParaRPr lang="fa-IR" sz="1800" dirty="0">
+              <a:tr h="5960014">
+                <a:tc>
+                  <a:txBody>
+                    <a:bodyPr/>
+                    <a:lstStyle/>
+                    <a:p>
+                      <a:pPr marL="0" marR="0" indent="0" algn="r" defTabSz="457200" rtl="1" eaLnBrk="1" fontAlgn="auto" latinLnBrk="0" hangingPunct="1">
+                        <a:lnSpc>
+                          <a:spcPct val="100000"/>
+                        </a:lnSpc>
+                        <a:spcBef>
+                          <a:spcPts val="0"/>
+                        </a:spcBef>
+                        <a:spcAft>
+                          <a:spcPts val="0"/>
+                        </a:spcAft>
+                        <a:buClrTx/>
+                        <a:buSzTx/>
+                        <a:buFontTx/>
+                        <a:buNone/>
+                        <a:tabLst/>
+                        <a:defRPr/>
+                      </a:pPr>
+                      <a:r>
+                        <a:rPr lang="en-US" sz="1400" b="0" i="0" kern="1200" dirty="0" smtClean="0">
+                          <a:solidFill>
+                            <a:schemeClr val="dk1"/>
+                          </a:solidFill>
+                          <a:effectLst/>
+                          <a:latin typeface=" kamra1"/>
+                          <a:ea typeface="+mn-ea"/>
+                          <a:cs typeface="2  Kamran" panose="00000400000000000000"/>
+                        </a:rPr>
+                        <a:t>. 1</a:t>
+                      </a:r>
+                      <a:r>
+                        <a:rPr lang="fa-IR" sz="1400" b="0" i="0" kern="1200" dirty="0" smtClean="0">
+                          <a:solidFill>
+                            <a:schemeClr val="dk1"/>
+                          </a:solidFill>
+                          <a:effectLst/>
+                          <a:latin typeface=" kamra1"/>
+                          <a:ea typeface="+mn-ea"/>
+                          <a:cs typeface="2  Kamran" panose="00000400000000000000"/>
+                        </a:rPr>
+                        <a:t>می‌توانید مواد اولیه مورد استفاده در لوازم کامپیوتر را به مواد با کیفیت و عملکرد بالاتر تغییر دهید. برای مثال، استفاده از قطعات با کیفیت و برندهای معتبر می‌تواند کیفیت محصولات را افزایش دهد.</a:t>
+                      </a:r>
+                    </a:p>
+                    <a:p>
+                      <a:pPr marL="0" marR="0" indent="0" algn="r" defTabSz="457200" rtl="1" eaLnBrk="1" fontAlgn="auto" latinLnBrk="0" hangingPunct="1">
+                        <a:lnSpc>
+                          <a:spcPct val="100000"/>
+                        </a:lnSpc>
+                        <a:spcBef>
+                          <a:spcPts val="0"/>
+                        </a:spcBef>
+                        <a:spcAft>
+                          <a:spcPts val="0"/>
+                        </a:spcAft>
+                        <a:buClrTx/>
+                        <a:buSzTx/>
+                        <a:buFontTx/>
+                        <a:buNone/>
+                        <a:tabLst/>
+                        <a:defRPr/>
+                      </a:pPr>
+                      <a:endParaRPr lang="fa-IR" sz="1400" dirty="0" smtClean="0">
                         <a:cs typeface="2  Kamran" panose="00000400000000000000" pitchFamily="2" charset="-78"/>
                       </a:endParaRPr>
                     </a:p>
                     <a:p>
                       <a:pPr algn="r"/>
                       <a:r>
-                        <a:rPr lang="fa-IR" sz="1800" dirty="0">
-                          <a:cs typeface="2  Kamran" panose="00000400000000000000" pitchFamily="2" charset="-78"/>
-                        </a:rPr>
-                        <a:t>2. میتوان از زبان های برنامه نویسی دیگری استفاده کرد </a:t>
-                      </a:r>
-                      <a:r>
-                        <a:rPr lang="fa-IR" sz="1800" dirty="0" smtClean="0">
-                          <a:cs typeface="2  Kamran" panose="00000400000000000000" pitchFamily="2" charset="-78"/>
-                        </a:rPr>
-                        <a:t>مانند</a:t>
-                      </a:r>
-                      <a:endParaRPr lang="en-US" sz="1800" dirty="0" smtClean="0">
+                        <a:rPr lang="fa-IR" sz="1400" dirty="0" smtClean="0">
+                          <a:cs typeface="2  Kamran" panose="00000400000000000000" pitchFamily="2" charset="-78"/>
+                        </a:rPr>
+                        <a:t>2.</a:t>
+                      </a:r>
+                      <a:r>
+                        <a:rPr lang="fa-IR" sz="1400" b="0" i="0" kern="1200" dirty="0" smtClean="0">
+                          <a:solidFill>
+                            <a:schemeClr val="dk1"/>
+                          </a:solidFill>
+                          <a:effectLst/>
+                          <a:latin typeface="+mn-lt"/>
+                          <a:ea typeface="+mn-ea"/>
+                          <a:cs typeface="2  Kamran" panose="00000400000000000000"/>
+                        </a:rPr>
+                        <a:t>می‌توان از محصولات مرتبط با لوازم کامپیوتر مانند متعلقات گیمینگ یا سیستم‌های ارتقاء یافته برای فروش همراه با لوازم کامپیوتر استفاده کرد.</a:t>
+                      </a:r>
+                      <a:endParaRPr lang="fa-IR" sz="1400" b="0" i="0" kern="1200" dirty="0" smtClean="0">
+                        <a:solidFill>
+                          <a:schemeClr val="dk1"/>
+                        </a:solidFill>
+                        <a:effectLst/>
+                        <a:latin typeface="+mn-lt"/>
+                        <a:ea typeface="+mn-ea"/>
+                        <a:cs typeface="+mn-cs"/>
+                      </a:endParaRPr>
+                    </a:p>
+                    <a:p>
+                      <a:pPr algn="r"/>
+                      <a:endParaRPr lang="fa-IR" sz="1400" dirty="0">
                         <a:cs typeface="2  Kamran" panose="00000400000000000000" pitchFamily="2" charset="-78"/>
                       </a:endParaRPr>
                     </a:p>
                     <a:p>
-                      <a:pPr algn="r"/>
-                      <a:r>
-                        <a:rPr lang="fa-IR" sz="1800" dirty="0" smtClean="0">
-                          <a:cs typeface="2  Kamran" panose="00000400000000000000" pitchFamily="2" charset="-78"/>
-                        </a:rPr>
-                        <a:t>جاوا</a:t>
-                      </a:r>
-                      <a:r>
-                        <a:rPr lang="fa-IR" sz="1800" baseline="0" dirty="0" smtClean="0">
-                          <a:cs typeface="2  Kamran" panose="00000400000000000000" pitchFamily="2" charset="-78"/>
-                        </a:rPr>
-                        <a:t>اسکریپت</a:t>
-                      </a:r>
-                      <a:endParaRPr lang="fa-IR" sz="1800" dirty="0">
+                      <a:pPr algn="r" rtl="1"/>
+                      <a:r>
+                        <a:rPr lang="fa-IR" sz="1400" dirty="0" smtClean="0">
+                          <a:cs typeface="2  Kamran" panose="00000400000000000000" pitchFamily="2" charset="-78"/>
+                        </a:rPr>
+                        <a:t>3.</a:t>
+                      </a:r>
+                      <a:r>
+                        <a:rPr lang="fa-IR" sz="1400" baseline="0" dirty="0" smtClean="0">
+                          <a:cs typeface="2  Kamran" panose="00000400000000000000" pitchFamily="2" charset="-78"/>
+                        </a:rPr>
+                        <a:t> </a:t>
+                      </a:r>
+                      <a:r>
+                        <a:rPr lang="fa-IR" sz="1400" b="0" i="0" kern="1200" dirty="0" smtClean="0">
+                          <a:solidFill>
+                            <a:schemeClr val="dk1"/>
+                          </a:solidFill>
+                          <a:effectLst/>
+                          <a:latin typeface="+mn-lt"/>
+                          <a:ea typeface="+mn-ea"/>
+                          <a:cs typeface="2  Kamran" panose="00000400000000000000"/>
+                        </a:rPr>
+                        <a:t>برای افزایش فروش، می‌توانید از فروش آنلاین از طریق وب‌سایت یا پلتفرم‌های تجارت الکترونیکی نیز استفاده کنید. همچنین، ایجاد نمایشگاه‌ها یا حضور در نمایشگاه‌های مخصوص صنعت تکنولوژی نیز می‌تواند موثر باشد.</a:t>
+                      </a:r>
+                    </a:p>
+                    <a:p>
+                      <a:endParaRPr lang="fa-IR" sz="1400" dirty="0" smtClean="0">
                         <a:cs typeface="2  Kamran" panose="00000400000000000000" pitchFamily="2" charset="-78"/>
                       </a:endParaRPr>
                     </a:p>
                     <a:p>
-                      <a:pPr algn="r"/>
-                      <a:endParaRPr lang="fa-IR" sz="1800" dirty="0">
+                      <a:pPr algn="r" rtl="1"/>
+                      <a:r>
+                        <a:rPr lang="fa-IR" sz="1400" dirty="0" smtClean="0">
+                          <a:cs typeface="2  Kamran" panose="00000400000000000000" pitchFamily="2" charset="-78"/>
+                        </a:rPr>
+                        <a:t>4.</a:t>
+                      </a:r>
+                      <a:r>
+                        <a:rPr lang="fa-IR" sz="1400" b="0" i="0" kern="1200" dirty="0" smtClean="0">
+                          <a:solidFill>
+                            <a:schemeClr val="dk1"/>
+                          </a:solidFill>
+                          <a:effectLst/>
+                          <a:latin typeface="+mn-lt"/>
+                          <a:ea typeface="+mn-ea"/>
+                          <a:cs typeface="2  Kamran" panose="00000400000000000000"/>
+                        </a:rPr>
+                        <a:t>برای ارتباط با مشتریان، می‌توان از روش‌های متنوعی استفاده کنید، از جمله تبلیغات تلویزیونی، رادیویی، شبکه‌های اجتماعی، وب‌سایت فروش، ارسال پیامک و ایمیل، و همچنین ایجاد خدمات پس از فروش و پشتیبانی مشتری.</a:t>
+                      </a:r>
+                      <a:endParaRPr lang="fa-IR" sz="1800" b="0" i="0" kern="1200" dirty="0" smtClean="0">
+                        <a:solidFill>
+                          <a:schemeClr val="dk1"/>
+                        </a:solidFill>
+                        <a:effectLst/>
+                        <a:latin typeface="+mn-lt"/>
+                        <a:ea typeface="+mn-ea"/>
+                        <a:cs typeface="+mn-cs"/>
+                      </a:endParaRPr>
+                    </a:p>
+                    <a:p>
+                      <a:pPr algn="r" rtl="1"/>
+                      <a:endParaRPr lang="fa-IR" sz="1400" dirty="0">
                         <a:cs typeface="2  Kamran" panose="00000400000000000000" pitchFamily="2" charset="-78"/>
                       </a:endParaRPr>
                     </a:p>
                     <a:p>
                       <a:pPr algn="r"/>
                       <a:r>
-                        <a:rPr lang="fa-IR" sz="1800" dirty="0">
-                          <a:cs typeface="2  Kamran" panose="00000400000000000000" pitchFamily="2" charset="-78"/>
-                        </a:rPr>
-                        <a:t>3. میتوان از طریق سایت های شغل یابی مانند لینکدین یا پونیشا استفاده کرد</a:t>
-                      </a:r>
-                    </a:p>
-                    <a:p>
-                      <a:pPr algn="r"/>
-                      <a:endParaRPr lang="fa-IR" sz="1800" dirty="0">
-                        <a:cs typeface="2  Kamran" panose="00000400000000000000" pitchFamily="2" charset="-78"/>
-                      </a:endParaRPr>
-                    </a:p>
-                    <a:p>
-                      <a:pPr algn="r"/>
-                      <a:r>
-                        <a:rPr lang="fa-IR" sz="1800" dirty="0">
-                          <a:cs typeface="2  Kamran" panose="00000400000000000000" pitchFamily="2" charset="-78"/>
-                        </a:rPr>
-                        <a:t>4. از طریق نرم افزار های آنلاین مانند اسکایپ یا گوگل </a:t>
-                      </a:r>
-                      <a:r>
-                        <a:rPr lang="fa-IR" sz="1800" dirty="0" smtClean="0">
-                          <a:cs typeface="2  Kamran" panose="00000400000000000000" pitchFamily="2" charset="-78"/>
-                        </a:rPr>
-                        <a:t>میت</a:t>
-                      </a:r>
-                      <a:r>
-                        <a:rPr lang="fa-IR" sz="1800" baseline="0" dirty="0" smtClean="0">
-                          <a:cs typeface="2  Kamran" panose="00000400000000000000" pitchFamily="2" charset="-78"/>
-                        </a:rPr>
-                        <a:t> و.....</a:t>
-                      </a:r>
-                      <a:endParaRPr lang="fa-IR" sz="1800" dirty="0">
-                        <a:cs typeface="2  Kamran" panose="00000400000000000000" pitchFamily="2" charset="-78"/>
-                      </a:endParaRPr>
-                    </a:p>
-                    <a:p>
-                      <a:pPr algn="r"/>
-                      <a:endParaRPr lang="fa-IR" sz="1800" dirty="0">
-                        <a:cs typeface="2  Kamran" panose="00000400000000000000" pitchFamily="2" charset="-78"/>
-                      </a:endParaRPr>
-                    </a:p>
-                    <a:p>
-                      <a:pPr algn="r"/>
-                      <a:r>
-                        <a:rPr lang="fa-IR" sz="1800" dirty="0">
-                          <a:cs typeface="2  Kamran" panose="00000400000000000000" pitchFamily="2" charset="-78"/>
-                        </a:rPr>
-                        <a:t>5. از نرم افزار هایی مانند ویژوال استودیو </a:t>
-                      </a:r>
-                      <a:r>
-                        <a:rPr lang="fa-IR" sz="1800" dirty="0" smtClean="0">
-                          <a:cs typeface="2  Kamran" panose="00000400000000000000" pitchFamily="2" charset="-78"/>
-                        </a:rPr>
-                        <a:t>کد</a:t>
-                      </a:r>
-                      <a:endParaRPr lang="en-US" sz="1800" dirty="0">
+                        <a:rPr lang="fa-IR" sz="1400" dirty="0">
+                          <a:cs typeface="2  Kamran" panose="00000400000000000000" pitchFamily="2" charset="-78"/>
+                        </a:rPr>
+                        <a:t>5</a:t>
+                      </a:r>
+                      <a:r>
+                        <a:rPr lang="fa-IR" sz="1400" dirty="0" smtClean="0">
+                          <a:cs typeface="2  Kamran" panose="00000400000000000000" pitchFamily="2" charset="-78"/>
+                        </a:rPr>
+                        <a:t>.</a:t>
+                      </a:r>
+                      <a:r>
+                        <a:rPr lang="fa-IR" sz="1400" baseline="0" dirty="0" smtClean="0">
+                          <a:cs typeface="2  Kamran" panose="00000400000000000000" pitchFamily="2" charset="-78"/>
+                        </a:rPr>
+                        <a:t> از نرم افزار هایی مانند مدیریت انبار و حسابداری</a:t>
+                      </a:r>
+                      <a:endParaRPr lang="en-US" sz="1400" dirty="0">
                         <a:cs typeface="2  Kamran" panose="00000400000000000000" pitchFamily="2" charset="-78"/>
                       </a:endParaRPr>
                     </a:p>
@@ -10795,7 +11351,7 @@
                         <a:buNone/>
                       </a:pPr>
                       <a:r>
-                        <a:rPr lang="fa-IR" sz="1800" dirty="0">
+                        <a:rPr lang="fa-IR" sz="1400" dirty="0">
                           <a:cs typeface="2  Kamran" panose="00000400000000000000" pitchFamily="2" charset="-78"/>
                         </a:rPr>
                         <a:t>1. کدام مواد اولیه را می توان با چیز دیگری جایگزین کرد تا محصول بهتر شود ؟</a:t>
@@ -10806,7 +11362,7 @@
                         <a:buFont typeface="Arial" panose="020B0604020202020204" pitchFamily="34" charset="0"/>
                         <a:buNone/>
                       </a:pPr>
-                      <a:endParaRPr lang="fa-IR" sz="1800" dirty="0">
+                      <a:endParaRPr lang="fa-IR" sz="1400" dirty="0" smtClean="0">
                         <a:cs typeface="2  Kamran" panose="00000400000000000000" pitchFamily="2" charset="-78"/>
                       </a:endParaRPr>
                     </a:p>
@@ -10815,19 +11371,16 @@
                         <a:buFont typeface="Arial" panose="020B0604020202020204" pitchFamily="34" charset="0"/>
                         <a:buNone/>
                       </a:pPr>
-                      <a:r>
-                        <a:rPr lang="fa-IR" sz="1800" dirty="0">
-                          <a:cs typeface="2  Kamran" panose="00000400000000000000" pitchFamily="2" charset="-78"/>
-                        </a:rPr>
-                        <a:t>2. از چه محصول یا فرایند ساخت دیگری می توان استفاده کرد ؟</a:t>
-                      </a:r>
+                      <a:endParaRPr lang="fa-IR" sz="1400" dirty="0" smtClean="0">
+                        <a:cs typeface="2  Kamran" panose="00000400000000000000" pitchFamily="2" charset="-78"/>
+                      </a:endParaRPr>
                     </a:p>
                     <a:p>
                       <a:pPr marL="0" indent="0" algn="r">
                         <a:buFont typeface="Arial" panose="020B0604020202020204" pitchFamily="34" charset="0"/>
                         <a:buNone/>
                       </a:pPr>
-                      <a:endParaRPr lang="fa-IR" sz="1800" dirty="0">
+                      <a:endParaRPr lang="fa-IR" sz="1400" dirty="0">
                         <a:cs typeface="2  Kamran" panose="00000400000000000000" pitchFamily="2" charset="-78"/>
                       </a:endParaRPr>
                     </a:p>
@@ -10837,10 +11390,10 @@
                         <a:buNone/>
                       </a:pPr>
                       <a:r>
-                        <a:rPr lang="fa-IR" sz="1800" dirty="0">
-                          <a:cs typeface="2  Kamran" panose="00000400000000000000" pitchFamily="2" charset="-78"/>
-                        </a:rPr>
-                        <a:t>3. از چه فرایند فروش دیگری میتوان استفاده کرد ؟</a:t>
+                        <a:rPr lang="fa-IR" sz="1400" dirty="0">
+                          <a:cs typeface="2  Kamran" panose="00000400000000000000" pitchFamily="2" charset="-78"/>
+                        </a:rPr>
+                        <a:t>2. از چه محصول یا فرایند ساخت دیگری می توان استفاده کرد ؟</a:t>
                       </a:r>
                     </a:p>
                     <a:p>
@@ -10848,7 +11401,7 @@
                         <a:buFont typeface="Arial" panose="020B0604020202020204" pitchFamily="34" charset="0"/>
                         <a:buNone/>
                       </a:pPr>
-                      <a:endParaRPr lang="fa-IR" sz="1800" dirty="0">
+                      <a:endParaRPr lang="fa-IR" sz="1400" dirty="0" smtClean="0">
                         <a:cs typeface="2  Kamran" panose="00000400000000000000" pitchFamily="2" charset="-78"/>
                       </a:endParaRPr>
                     </a:p>
@@ -10857,19 +11410,16 @@
                         <a:buFont typeface="Arial" panose="020B0604020202020204" pitchFamily="34" charset="0"/>
                         <a:buNone/>
                       </a:pPr>
-                      <a:r>
-                        <a:rPr lang="fa-IR" sz="1800" dirty="0">
-                          <a:cs typeface="2  Kamran" panose="00000400000000000000" pitchFamily="2" charset="-78"/>
-                        </a:rPr>
-                        <a:t>4.از چه روش هایی میتوان برای ارتباط با مشتری استفاده کرد ؟</a:t>
-                      </a:r>
+                      <a:endParaRPr lang="fa-IR" sz="1400" dirty="0" smtClean="0">
+                        <a:cs typeface="2  Kamran" panose="00000400000000000000" pitchFamily="2" charset="-78"/>
+                      </a:endParaRPr>
                     </a:p>
                     <a:p>
                       <a:pPr marL="0" indent="0" algn="r">
                         <a:buFont typeface="Arial" panose="020B0604020202020204" pitchFamily="34" charset="0"/>
                         <a:buNone/>
                       </a:pPr>
-                      <a:endParaRPr lang="fa-IR" sz="1800" dirty="0">
+                      <a:endParaRPr lang="fa-IR" sz="1400" dirty="0" smtClean="0">
                         <a:cs typeface="2  Kamran" panose="00000400000000000000" pitchFamily="2" charset="-78"/>
                       </a:endParaRPr>
                     </a:p>
@@ -10878,12 +11428,126 @@
                         <a:buFont typeface="Arial" panose="020B0604020202020204" pitchFamily="34" charset="0"/>
                         <a:buNone/>
                       </a:pPr>
-                      <a:r>
-                        <a:rPr lang="fa-IR" sz="1800" dirty="0">
-                          <a:cs typeface="2  Kamran" panose="00000400000000000000" pitchFamily="2" charset="-78"/>
-                        </a:rPr>
-                        <a:t>5. از چه نرم افزار های دیگری میتوان برای کار استفاده کرد ؟ </a:t>
-                      </a:r>
+                      <a:endParaRPr lang="fa-IR" sz="1400" dirty="0">
+                        <a:cs typeface="2  Kamran" panose="00000400000000000000" pitchFamily="2" charset="-78"/>
+                      </a:endParaRPr>
+                    </a:p>
+                    <a:p>
+                      <a:pPr marL="0" indent="0" algn="r">
+                        <a:buFont typeface="Arial" panose="020B0604020202020204" pitchFamily="34" charset="0"/>
+                        <a:buNone/>
+                      </a:pPr>
+                      <a:r>
+                        <a:rPr lang="fa-IR" sz="1400" dirty="0">
+                          <a:cs typeface="2  Kamran" panose="00000400000000000000" pitchFamily="2" charset="-78"/>
+                        </a:rPr>
+                        <a:t>3. از چه فرایند فروش دیگری میتوان استفاده کرد ؟</a:t>
+                      </a:r>
+                    </a:p>
+                    <a:p>
+                      <a:pPr marL="0" indent="0" algn="r">
+                        <a:buFont typeface="Arial" panose="020B0604020202020204" pitchFamily="34" charset="0"/>
+                        <a:buNone/>
+                      </a:pPr>
+                      <a:endParaRPr lang="fa-IR" sz="1400" dirty="0" smtClean="0">
+                        <a:cs typeface="2  Kamran" panose="00000400000000000000" pitchFamily="2" charset="-78"/>
+                      </a:endParaRPr>
+                    </a:p>
+                    <a:p>
+                      <a:pPr marL="0" indent="0" algn="r">
+                        <a:buFont typeface="Arial" panose="020B0604020202020204" pitchFamily="34" charset="0"/>
+                        <a:buNone/>
+                      </a:pPr>
+                      <a:endParaRPr lang="fa-IR" sz="1400" dirty="0" smtClean="0">
+                        <a:cs typeface="2  Kamran" panose="00000400000000000000" pitchFamily="2" charset="-78"/>
+                      </a:endParaRPr>
+                    </a:p>
+                    <a:p>
+                      <a:pPr marL="0" indent="0" algn="r">
+                        <a:buFont typeface="Arial" panose="020B0604020202020204" pitchFamily="34" charset="0"/>
+                        <a:buNone/>
+                      </a:pPr>
+                      <a:endParaRPr lang="fa-IR" sz="1400" dirty="0" smtClean="0">
+                        <a:cs typeface="2  Kamran" panose="00000400000000000000" pitchFamily="2" charset="-78"/>
+                      </a:endParaRPr>
+                    </a:p>
+                    <a:p>
+                      <a:pPr marL="0" indent="0" algn="r">
+                        <a:buFont typeface="Arial" panose="020B0604020202020204" pitchFamily="34" charset="0"/>
+                        <a:buNone/>
+                      </a:pPr>
+                      <a:endParaRPr lang="fa-IR" sz="1400" dirty="0">
+                        <a:cs typeface="2  Kamran" panose="00000400000000000000" pitchFamily="2" charset="-78"/>
+                      </a:endParaRPr>
+                    </a:p>
+                    <a:p>
+                      <a:pPr marL="0" indent="0" algn="r">
+                        <a:buFont typeface="Arial" panose="020B0604020202020204" pitchFamily="34" charset="0"/>
+                        <a:buNone/>
+                      </a:pPr>
+                      <a:r>
+                        <a:rPr lang="fa-IR" sz="1400" dirty="0">
+                          <a:cs typeface="2  Kamran" panose="00000400000000000000" pitchFamily="2" charset="-78"/>
+                        </a:rPr>
+                        <a:t>4.از چه روش هایی میتوان برای ارتباط با مشتری استفاده کرد ؟</a:t>
+                      </a:r>
+                    </a:p>
+                    <a:p>
+                      <a:pPr marL="0" indent="0" algn="r">
+                        <a:buFont typeface="Arial" panose="020B0604020202020204" pitchFamily="34" charset="0"/>
+                        <a:buNone/>
+                      </a:pPr>
+                      <a:endParaRPr lang="fa-IR" sz="1400" dirty="0" smtClean="0">
+                        <a:cs typeface="2  Kamran" panose="00000400000000000000" pitchFamily="2" charset="-78"/>
+                      </a:endParaRPr>
+                    </a:p>
+                    <a:p>
+                      <a:pPr marL="0" indent="0" algn="r">
+                        <a:buFont typeface="Arial" panose="020B0604020202020204" pitchFamily="34" charset="0"/>
+                        <a:buNone/>
+                      </a:pPr>
+                      <a:endParaRPr lang="fa-IR" sz="1400" dirty="0" smtClean="0">
+                        <a:cs typeface="2  Kamran" panose="00000400000000000000" pitchFamily="2" charset="-78"/>
+                      </a:endParaRPr>
+                    </a:p>
+                    <a:p>
+                      <a:pPr marL="0" indent="0" algn="r">
+                        <a:buFont typeface="Arial" panose="020B0604020202020204" pitchFamily="34" charset="0"/>
+                        <a:buNone/>
+                      </a:pPr>
+                      <a:endParaRPr lang="fa-IR" sz="1400" dirty="0" smtClean="0">
+                        <a:cs typeface="2  Kamran" panose="00000400000000000000" pitchFamily="2" charset="-78"/>
+                      </a:endParaRPr>
+                    </a:p>
+                    <a:p>
+                      <a:pPr marL="0" indent="0" algn="r">
+                        <a:buFont typeface="Arial" panose="020B0604020202020204" pitchFamily="34" charset="0"/>
+                        <a:buNone/>
+                      </a:pPr>
+                      <a:endParaRPr lang="fa-IR" sz="1400" dirty="0">
+                        <a:cs typeface="2  Kamran" panose="00000400000000000000" pitchFamily="2" charset="-78"/>
+                      </a:endParaRPr>
+                    </a:p>
+                    <a:p>
+                      <a:pPr marL="0" indent="0" algn="r">
+                        <a:buFont typeface="Arial" panose="020B0604020202020204" pitchFamily="34" charset="0"/>
+                        <a:buNone/>
+                      </a:pPr>
+                      <a:r>
+                        <a:rPr lang="fa-IR" sz="1400" dirty="0">
+                          <a:cs typeface="2  Kamran" panose="00000400000000000000" pitchFamily="2" charset="-78"/>
+                        </a:rPr>
+                        <a:t>5. از چه نرم افزار های دیگری میتوان برای کار استفاده </a:t>
+                      </a:r>
+                      <a:r>
+                        <a:rPr lang="fa-IR" sz="1400" dirty="0" smtClean="0">
+                          <a:cs typeface="2  Kamran" panose="00000400000000000000" pitchFamily="2" charset="-78"/>
+                        </a:rPr>
+                        <a:t>کرد ؟ </a:t>
+                      </a:r>
+                      <a:endParaRPr lang="fa-IR" sz="1400" dirty="0">
+                        <a:cs typeface="2  Kamran" panose="00000400000000000000" pitchFamily="2" charset="-78"/>
+                      </a:endParaRPr>
                     </a:p>
                   </a:txBody>
                   <a:tcPr/>
@@ -10981,14 +11645,14 @@
           <p:nvPr>
             <p:extLst>
               <p:ext uri="{D42A27DB-BD31-4B8C-83A1-F6EECF244321}">
-                <p14:modId xmlns:p14="http://schemas.microsoft.com/office/powerpoint/2010/main" val="481851478"/>
+                <p14:modId xmlns:p14="http://schemas.microsoft.com/office/powerpoint/2010/main" val="18473163"/>
               </p:ext>
             </p:extLst>
           </p:nvPr>
         </p:nvGraphicFramePr>
         <p:xfrm>
           <a:off x="1275542" y="2378517"/>
-          <a:ext cx="8128000" cy="3566160"/>
+          <a:ext cx="8128000" cy="2834640"/>
         </p:xfrm>
         <a:graphic>
           <a:graphicData uri="http://schemas.openxmlformats.org/drawingml/2006/table">
@@ -11075,11 +11739,26 @@
                     <a:p>
                       <a:pPr algn="ctr" rtl="1"/>
                       <a:r>
+                        <a:rPr lang="fa-IR" sz="2400" dirty="0" smtClean="0">
+                          <a:cs typeface="2  Kamran" panose="00000400000000000000" pitchFamily="2" charset="-78"/>
+                        </a:rPr>
+                        <a:t> </a:t>
+                      </a:r>
+                      <a:r>
                         <a:rPr lang="fa-IR" sz="2400" dirty="0">
                           <a:cs typeface="2  Kamran" panose="00000400000000000000" pitchFamily="2" charset="-78"/>
                         </a:rPr>
-                        <a:t>ساخت برنامه با امکانات کمتر ، استفاده از سیستم هایی که جوابگوی کار ما باشند</a:t>
-                      </a:r>
+                        <a:t>استفاده از سیستم هایی </a:t>
+                      </a:r>
+                      <a:r>
+                        <a:rPr lang="fa-IR" sz="2400" dirty="0" smtClean="0">
+                          <a:cs typeface="2  Kamran" panose="00000400000000000000" pitchFamily="2" charset="-78"/>
+                        </a:rPr>
+                        <a:t>که جوابگوی کار ما باشند</a:t>
+                      </a:r>
+                      <a:endParaRPr lang="fa-IR" sz="2400" dirty="0">
+                        <a:cs typeface="2  Kamran" panose="00000400000000000000" pitchFamily="2" charset="-78"/>
+                      </a:endParaRPr>
                     </a:p>
                   </a:txBody>
                   <a:tcPr/>
@@ -11114,11 +11793,20 @@
                     <a:p>
                       <a:pPr algn="ctr" rtl="1"/>
                       <a:r>
-                        <a:rPr lang="fa-IR" sz="2400" dirty="0">
-                          <a:cs typeface="2  Kamran" panose="00000400000000000000" pitchFamily="2" charset="-78"/>
-                        </a:rPr>
-                        <a:t>تست قبل از پرداخت ، ساخت برنامه در کمترین زمان</a:t>
-                      </a:r>
+                        <a:rPr lang="fa-IR" sz="2400" dirty="0" smtClean="0">
+                          <a:cs typeface="2  Kamran" panose="00000400000000000000" pitchFamily="2" charset="-78"/>
+                        </a:rPr>
+                        <a:t>جواب</a:t>
+                      </a:r>
+                      <a:r>
+                        <a:rPr lang="fa-IR" sz="2400" baseline="0" dirty="0" smtClean="0">
+                          <a:cs typeface="2  Kamran" panose="00000400000000000000" pitchFamily="2" charset="-78"/>
+                        </a:rPr>
+                        <a:t> دادن و اماده سازی سفارشات در کمترین زمان</a:t>
+                      </a:r>
+                      <a:endParaRPr lang="fa-IR" sz="2400" dirty="0">
+                        <a:cs typeface="2  Kamran" panose="00000400000000000000" pitchFamily="2" charset="-78"/>
+                      </a:endParaRPr>
                     </a:p>
                   </a:txBody>
                   <a:tcPr/>
@@ -11274,8 +11962,8 @@
         </p:nvSpPr>
         <p:spPr>
           <a:xfrm>
-            <a:off x="4488873" y="114619"/>
-            <a:ext cx="5511862" cy="646331"/>
+            <a:off x="6317673" y="1366172"/>
+            <a:ext cx="5511862" cy="1200329"/>
           </a:xfrm>
           <a:prstGeom prst="rect">
             <a:avLst/>
@@ -11293,7 +11981,28 @@
               <a:rPr lang="fa-IR" sz="3600" dirty="0">
                 <a:cs typeface="2  Kamran" panose="00000400000000000000" pitchFamily="2" charset="-78"/>
               </a:rPr>
-              <a:t>گام دوم : ترکیب</a:t>
+              <a:t>گام دوم </a:t>
+            </a:r>
+            <a:r>
+              <a:rPr lang="fa-IR" sz="3600" dirty="0" smtClean="0">
+                <a:cs typeface="2  Kamran" panose="00000400000000000000" pitchFamily="2" charset="-78"/>
+              </a:rPr>
+              <a:t>:</a:t>
+            </a:r>
+          </a:p>
+          <a:p>
+            <a:pPr algn="r"/>
+            <a:r>
+              <a:rPr lang="fa-IR" sz="3600" dirty="0" smtClean="0">
+                <a:cs typeface="2  Kamran" panose="00000400000000000000" pitchFamily="2" charset="-78"/>
+              </a:rPr>
+              <a:t> </a:t>
+            </a:r>
+            <a:r>
+              <a:rPr lang="fa-IR" sz="3600" dirty="0">
+                <a:cs typeface="2  Kamran" panose="00000400000000000000" pitchFamily="2" charset="-78"/>
+              </a:rPr>
+              <a:t>ترکیب</a:t>
             </a:r>
             <a:endParaRPr lang="en-US" sz="3600" dirty="0">
               <a:cs typeface="2  Kamran" panose="00000400000000000000" pitchFamily="2" charset="-78"/>
@@ -11316,14 +12025,14 @@
           <p:nvPr>
             <p:extLst>
               <p:ext uri="{D42A27DB-BD31-4B8C-83A1-F6EECF244321}">
-                <p14:modId xmlns:p14="http://schemas.microsoft.com/office/powerpoint/2010/main" val="1046929960"/>
+                <p14:modId xmlns:p14="http://schemas.microsoft.com/office/powerpoint/2010/main" val="902139106"/>
               </p:ext>
             </p:extLst>
           </p:nvPr>
         </p:nvGraphicFramePr>
         <p:xfrm>
-          <a:off x="2023762" y="1013141"/>
-          <a:ext cx="8347676" cy="5400040"/>
+          <a:off x="0" y="0"/>
+          <a:ext cx="8347676" cy="6918960"/>
         </p:xfrm>
         <a:graphic>
           <a:graphicData uri="http://schemas.openxmlformats.org/drawingml/2006/table">
@@ -11332,14 +12041,14 @@
                 <a:tableStyleId>{5C22544A-7EE6-4342-B048-85BDC9FD1C3A}</a:tableStyleId>
               </a:tblPr>
               <a:tblGrid>
-                <a:gridCol w="4173838">
+                <a:gridCol w="4148051">
                   <a:extLst>
                     <a:ext uri="{9D8B030D-6E8A-4147-A177-3AD203B41FA5}">
                       <a16:colId xmlns:a16="http://schemas.microsoft.com/office/drawing/2014/main" val="3279680727"/>
                     </a:ext>
                   </a:extLst>
                 </a:gridCol>
-                <a:gridCol w="4173838">
+                <a:gridCol w="4199625">
                   <a:extLst>
                     <a:ext uri="{9D8B030D-6E8A-4147-A177-3AD203B41FA5}">
                       <a16:colId xmlns:a16="http://schemas.microsoft.com/office/drawing/2014/main" val="2846330575"/>
@@ -11347,7 +12056,7 @@
                   </a:extLst>
                 </a:gridCol>
               </a:tblGrid>
-              <a:tr h="370840">
+              <a:tr h="250110">
                 <a:tc>
                   <a:txBody>
                     <a:bodyPr/>
@@ -11355,7 +12064,7 @@
                     <a:p>
                       <a:pPr algn="ctr"/>
                       <a:r>
-                        <a:rPr lang="fa-IR" sz="1800" b="1" kern="1200" dirty="0">
+                        <a:rPr lang="fa-IR" sz="1300" b="1" kern="1200" dirty="0">
                           <a:solidFill>
                             <a:schemeClr val="lt1"/>
                           </a:solidFill>
@@ -11365,7 +12074,7 @@
                         </a:rPr>
                         <a:t>پاسخ ها</a:t>
                       </a:r>
-                      <a:endParaRPr lang="en-US" sz="1800" b="1" kern="1200" dirty="0">
+                      <a:endParaRPr lang="en-US" sz="1300" b="1" kern="1200" dirty="0">
                         <a:solidFill>
                           <a:schemeClr val="lt1"/>
                         </a:solidFill>
@@ -11384,7 +12093,7 @@
                     <a:p>
                       <a:pPr algn="ctr"/>
                       <a:r>
-                        <a:rPr lang="fa-IR" sz="1800" b="1" kern="1200" dirty="0">
+                        <a:rPr lang="fa-IR" sz="1300" b="1" kern="1200" dirty="0">
                           <a:solidFill>
                             <a:schemeClr val="lt1"/>
                           </a:solidFill>
@@ -11394,7 +12103,7 @@
                         </a:rPr>
                         <a:t>پرسش های کلیدی</a:t>
                       </a:r>
-                      <a:endParaRPr lang="en-US" sz="1800" b="1" kern="1200" dirty="0">
+                      <a:endParaRPr lang="en-US" sz="1300" b="1" kern="1200" dirty="0">
                         <a:solidFill>
                           <a:schemeClr val="lt1"/>
                         </a:solidFill>
@@ -11412,7 +12121,7 @@
                   </a:ext>
                 </a:extLst>
               </a:tr>
-              <a:tr h="370840">
+              <a:tr h="5460734">
                 <a:tc>
                   <a:txBody>
                     <a:bodyPr/>
@@ -11420,152 +12129,220 @@
                     <a:p>
                       <a:pPr algn="r" rtl="1"/>
                       <a:r>
-                        <a:rPr lang="fa-IR" sz="1800" dirty="0">
-                          <a:cs typeface="2  Kamran" panose="00000400000000000000" pitchFamily="2" charset="-78"/>
-                        </a:rPr>
-                        <a:t>1. میتوان از زبان </a:t>
-                      </a:r>
-                      <a:r>
-                        <a:rPr lang="en-US" sz="1800" dirty="0" smtClean="0">
-                          <a:cs typeface="2  Kamran" panose="00000400000000000000" pitchFamily="2" charset="-78"/>
-                        </a:rPr>
-                        <a:t>java</a:t>
-                      </a:r>
-                      <a:r>
-                        <a:rPr lang="en-US" sz="1800" baseline="0" dirty="0" smtClean="0">
-                          <a:cs typeface="2  Kamran" panose="00000400000000000000" pitchFamily="2" charset="-78"/>
-                        </a:rPr>
-                        <a:t> script</a:t>
-                      </a:r>
-                      <a:r>
-                        <a:rPr lang="fa-IR" sz="1800" dirty="0" smtClean="0">
-                          <a:cs typeface="2  Kamran" panose="00000400000000000000" pitchFamily="2" charset="-78"/>
-                        </a:rPr>
-                        <a:t> </a:t>
-                      </a:r>
-                      <a:r>
-                        <a:rPr lang="fa-IR" sz="1800" dirty="0">
-                          <a:cs typeface="2  Kamran" panose="00000400000000000000" pitchFamily="2" charset="-78"/>
-                        </a:rPr>
-                        <a:t>برای طراحی ظاهر و باطن برنامه و از </a:t>
-                      </a:r>
-                      <a:r>
-                        <a:rPr lang="en-US" sz="1800" dirty="0" err="1" smtClean="0">
-                          <a:cs typeface="2  Kamran" panose="00000400000000000000" pitchFamily="2" charset="-78"/>
-                        </a:rPr>
-                        <a:t>mongoDB</a:t>
-                      </a:r>
-                      <a:r>
-                        <a:rPr lang="en-US" sz="1800" dirty="0" smtClean="0">
-                          <a:cs typeface="2  Kamran" panose="00000400000000000000" pitchFamily="2" charset="-78"/>
-                        </a:rPr>
-                        <a:t> </a:t>
-                      </a:r>
-                      <a:r>
-                        <a:rPr lang="fa-IR" sz="1800" dirty="0" smtClean="0">
-                          <a:cs typeface="2  Kamran" panose="00000400000000000000" pitchFamily="2" charset="-78"/>
-                        </a:rPr>
-                        <a:t> </a:t>
-                      </a:r>
-                      <a:r>
-                        <a:rPr lang="fa-IR" sz="1800" dirty="0">
-                          <a:cs typeface="2  Kamran" panose="00000400000000000000" pitchFamily="2" charset="-78"/>
-                        </a:rPr>
-                        <a:t>برای دیتابیس استفاده کرد</a:t>
+                        <a:rPr lang="fa-IR" sz="1300" dirty="0" smtClean="0">
+                          <a:cs typeface="2  Kamran" panose="00000400000000000000" pitchFamily="2" charset="-78"/>
+                        </a:rPr>
+                        <a:t>1.</a:t>
+                      </a:r>
+                      <a:r>
+                        <a:rPr lang="fa-IR" sz="1300" b="0" i="0" kern="1200" dirty="0" smtClean="0">
+                          <a:solidFill>
+                            <a:schemeClr val="dk1"/>
+                          </a:solidFill>
+                          <a:effectLst/>
+                          <a:latin typeface="+mn-lt"/>
+                          <a:ea typeface="+mn-ea"/>
+                          <a:cs typeface="2  Kamran" panose="00000400000000000000"/>
+                        </a:rPr>
+                        <a:t>در فروش لوازم کامپیوتر، می‌توانید از زبان‌های برنامه‌نویسی متعددی برای توسعه نرم‌افزارها، وب‌سایت‌ها، یا ابزارهای خاص مورد نیاز مشتریان استفاده کنید. زبان‌های معمول مانند </a:t>
+                      </a:r>
+                      <a:r>
+                        <a:rPr lang="en-US" sz="1300" b="0" i="0" kern="1200" dirty="0" smtClean="0">
+                          <a:solidFill>
+                            <a:schemeClr val="dk1"/>
+                          </a:solidFill>
+                          <a:effectLst/>
+                          <a:latin typeface="+mn-lt"/>
+                          <a:ea typeface="+mn-ea"/>
+                          <a:cs typeface="2  Kamran" panose="00000400000000000000"/>
+                        </a:rPr>
+                        <a:t>JavaScript، Python، Java، C#, </a:t>
+                      </a:r>
+                      <a:r>
+                        <a:rPr lang="fa-IR" sz="1300" b="0" i="0" kern="1200" dirty="0" smtClean="0">
+                          <a:solidFill>
+                            <a:schemeClr val="dk1"/>
+                          </a:solidFill>
+                          <a:effectLst/>
+                          <a:latin typeface="+mn-lt"/>
+                          <a:ea typeface="+mn-ea"/>
+                          <a:cs typeface="2  Kamran" panose="00000400000000000000"/>
+                        </a:rPr>
+                        <a:t>و </a:t>
+                      </a:r>
+                      <a:r>
+                        <a:rPr lang="en-US" sz="1300" b="0" i="0" kern="1200" dirty="0" smtClean="0">
+                          <a:solidFill>
+                            <a:schemeClr val="dk1"/>
+                          </a:solidFill>
+                          <a:effectLst/>
+                          <a:latin typeface="+mn-lt"/>
+                          <a:ea typeface="+mn-ea"/>
+                          <a:cs typeface="2  Kamran" panose="00000400000000000000"/>
+                        </a:rPr>
+                        <a:t>SQL </a:t>
+                      </a:r>
+                      <a:r>
+                        <a:rPr lang="fa-IR" sz="1300" b="0" i="0" kern="1200" dirty="0" smtClean="0">
+                          <a:solidFill>
+                            <a:schemeClr val="dk1"/>
+                          </a:solidFill>
+                          <a:effectLst/>
+                          <a:latin typeface="+mn-lt"/>
+                          <a:ea typeface="+mn-ea"/>
+                          <a:cs typeface="2  Kamran" panose="00000400000000000000"/>
+                        </a:rPr>
+                        <a:t>می‌توانند برای ایجاد نرم‌افزارها و اپلیکیشن‌های متنوع مورد استفاده قرار گیرند.</a:t>
                       </a:r>
                     </a:p>
                     <a:p>
                       <a:pPr algn="r" rtl="1"/>
-                      <a:endParaRPr lang="fa-IR" sz="1800" dirty="0">
+                      <a:endParaRPr lang="fa-IR" sz="1300" dirty="0">
                         <a:cs typeface="2  Kamran" panose="00000400000000000000" pitchFamily="2" charset="-78"/>
                       </a:endParaRPr>
                     </a:p>
                     <a:p>
                       <a:pPr algn="r" rtl="1"/>
                       <a:r>
-                        <a:rPr lang="fa-IR" sz="1800" dirty="0">
-                          <a:cs typeface="2  Kamran" panose="00000400000000000000" pitchFamily="2" charset="-78"/>
-                        </a:rPr>
-                        <a:t>2. میتوان استعداد افراد را در زمینه های مختلف استفاده کرد به عنوان مثال : استعداد یک فرد در طراحی </a:t>
-                      </a:r>
-                      <a:r>
-                        <a:rPr lang="fa-IR" sz="1800" dirty="0" smtClean="0">
-                          <a:cs typeface="2  Kamran" panose="00000400000000000000" pitchFamily="2" charset="-78"/>
-                        </a:rPr>
-                        <a:t>فرانت</a:t>
-                      </a:r>
-                      <a:r>
-                        <a:rPr lang="fa-IR" sz="1800" baseline="0" dirty="0" smtClean="0">
-                          <a:cs typeface="2  Kamran" panose="00000400000000000000" pitchFamily="2" charset="-78"/>
-                        </a:rPr>
-                        <a:t>-اند یا بک-اند</a:t>
-                      </a:r>
-                    </a:p>
-                    <a:p>
-                      <a:pPr algn="r" rtl="1"/>
-                      <a:endParaRPr lang="fa-IR" sz="1800" dirty="0">
+                        <a:rPr lang="fa-IR" sz="1300" dirty="0">
+                          <a:cs typeface="2  Kamran" panose="00000400000000000000" pitchFamily="2" charset="-78"/>
+                        </a:rPr>
+                        <a:t>2. </a:t>
+                      </a:r>
+                      <a:r>
+                        <a:rPr lang="fa-IR" sz="1300" b="0" i="0" kern="1200" dirty="0" smtClean="0">
+                          <a:solidFill>
+                            <a:schemeClr val="dk1"/>
+                          </a:solidFill>
+                          <a:effectLst/>
+                          <a:latin typeface=" kamra1"/>
+                          <a:ea typeface="+mn-ea"/>
+                          <a:cs typeface="2  Kamran" panose="00000400000000000000"/>
+                        </a:rPr>
+                        <a:t>ایجاد تیم‌های متخصص با اعضایی که توانمندی‌های متنوعی دارند می‌تواند به بهبود فرآیند فروش کمک کند. اعضای تیم می‌توانند متخصص در زمینه‌هایی مانند فروش برخط، فروش حضوری، پشتیبانی مشتریان، و تبلیغات باشند. انعطاف‌پذیری در ترکیب اعضای تیم اهمیت دارد.</a:t>
+                      </a:r>
+                      <a:endParaRPr lang="fa-IR" sz="1300" baseline="0" dirty="0" smtClean="0">
                         <a:cs typeface="2  Kamran" panose="00000400000000000000" pitchFamily="2" charset="-78"/>
                       </a:endParaRPr>
                     </a:p>
                     <a:p>
                       <a:pPr algn="r" rtl="1"/>
-                      <a:r>
-                        <a:rPr lang="fa-IR" sz="1800" dirty="0">
-                          <a:cs typeface="2  Kamran" panose="00000400000000000000" pitchFamily="2" charset="-78"/>
-                        </a:rPr>
-                        <a:t>3. میتوان همانگونه که گفته شد از ترکیب زبان </a:t>
-                      </a:r>
-                      <a:r>
-                        <a:rPr lang="fa-IR" sz="1800" dirty="0" smtClean="0">
-                          <a:cs typeface="2  Kamran" panose="00000400000000000000" pitchFamily="2" charset="-78"/>
-                        </a:rPr>
-                        <a:t>ها(فریم ورک ها) </a:t>
-                      </a:r>
-                      <a:r>
-                        <a:rPr lang="fa-IR" sz="1800" dirty="0">
-                          <a:cs typeface="2  Kamran" panose="00000400000000000000" pitchFamily="2" charset="-78"/>
-                        </a:rPr>
-                        <a:t>، سیستم ها ، استعداد های افراد استفاده بهینه کرد</a:t>
-                      </a:r>
-                    </a:p>
-                    <a:p>
-                      <a:pPr algn="r" rtl="1"/>
-                      <a:endParaRPr lang="fa-IR" sz="1800" dirty="0">
+                      <a:endParaRPr lang="fa-IR" sz="1300" dirty="0">
                         <a:cs typeface="2  Kamran" panose="00000400000000000000" pitchFamily="2" charset="-78"/>
                       </a:endParaRPr>
                     </a:p>
                     <a:p>
                       <a:pPr algn="r" rtl="1"/>
                       <a:r>
-                        <a:rPr lang="fa-IR" sz="1800" dirty="0">
-                          <a:cs typeface="2  Kamran" panose="00000400000000000000" pitchFamily="2" charset="-78"/>
-                        </a:rPr>
-                        <a:t>4. میتوان </a:t>
-                      </a:r>
-                      <a:r>
-                        <a:rPr lang="fa-IR" sz="1800" dirty="0" smtClean="0">
-                          <a:cs typeface="2  Kamran" panose="00000400000000000000" pitchFamily="2" charset="-78"/>
-                        </a:rPr>
-                        <a:t>از</a:t>
-                      </a:r>
-                      <a:r>
-                        <a:rPr lang="fa-IR" sz="1800" baseline="0" dirty="0" smtClean="0">
-                          <a:cs typeface="2  Kamran" panose="00000400000000000000" pitchFamily="2" charset="-78"/>
-                        </a:rPr>
-                        <a:t> هوش</a:t>
-                      </a:r>
-                      <a:r>
-                        <a:rPr lang="fa-IR" sz="1800" dirty="0" smtClean="0">
-                          <a:cs typeface="2  Kamran" panose="00000400000000000000" pitchFamily="2" charset="-78"/>
-                        </a:rPr>
-                        <a:t> مصنوعی </a:t>
-                      </a:r>
-                      <a:r>
-                        <a:rPr lang="fa-IR" sz="1800" dirty="0">
-                          <a:cs typeface="2  Kamran" panose="00000400000000000000" pitchFamily="2" charset="-78"/>
-                        </a:rPr>
-                        <a:t>و ... در ساخت برنامه استفاده کرد</a:t>
-                      </a:r>
+                        <a:rPr lang="fa-IR" sz="1300" dirty="0" smtClean="0">
+                          <a:cs typeface="2  Kamran" panose="00000400000000000000"/>
+                        </a:rPr>
+                        <a:t>3. </a:t>
+                      </a:r>
+                      <a:r>
+                        <a:rPr lang="fa-IR" sz="1300" b="0" i="0" kern="1200" dirty="0" smtClean="0">
+                          <a:solidFill>
+                            <a:schemeClr val="dk1"/>
+                          </a:solidFill>
+                          <a:effectLst/>
+                          <a:latin typeface="+mn-lt"/>
+                          <a:ea typeface="+mn-ea"/>
+                          <a:cs typeface="2  Kamran" panose="00000400000000000000"/>
+                        </a:rPr>
+                        <a:t>می‌توانید لوازم کامپیوتر را با افزونه‌ها، تعداد زیادی دستگاه، خدمات پس از فروش، آموزش محصول، و بسته‌های نرم‌افزاری ترکیب کنید. به عنوان مثال، برای یک محصول مخصوص می‌توانید تعداد زیادی افزونه و گزینه‌های پیکربندی ارائه دهید تا نیازهای متنوع مشتریان را برآورده کنید.</a:t>
+                      </a:r>
+                    </a:p>
+                    <a:p>
+                      <a:endParaRPr lang="fa-IR" sz="1300" dirty="0" smtClean="0">
+                        <a:cs typeface="2  Kamran" panose="00000400000000000000" pitchFamily="2" charset="-78"/>
+                      </a:endParaRPr>
+                    </a:p>
+                    <a:p>
+                      <a:pPr algn="r" rtl="1"/>
+                      <a:r>
+                        <a:rPr lang="fa-IR" sz="1300" dirty="0" smtClean="0">
+                          <a:cs typeface="2  Kamran" panose="00000400000000000000" pitchFamily="2" charset="-78"/>
+                        </a:rPr>
+                        <a:t>4</a:t>
+                      </a:r>
+                      <a:r>
+                        <a:rPr lang="fa-IR" sz="1300" dirty="0">
+                          <a:cs typeface="2  Kamran" panose="00000400000000000000" pitchFamily="2" charset="-78"/>
+                        </a:rPr>
+                        <a:t>. </a:t>
+                      </a:r>
+                      <a:r>
+                        <a:rPr lang="fa-IR" sz="1300" b="0" i="0" kern="1200" dirty="0" smtClean="0">
+                          <a:solidFill>
+                            <a:schemeClr val="dk1"/>
+                          </a:solidFill>
+                          <a:effectLst/>
+                          <a:latin typeface="+mn-lt"/>
+                          <a:ea typeface="+mn-ea"/>
+                          <a:cs typeface="2  Kamran" panose="00000400000000000000"/>
+                        </a:rPr>
+                        <a:t>در فروش لوازم کامپیوتر، می‌توانید از فناوری‌های موجود مانند اینترنت اشیاء</a:t>
+                      </a:r>
+                      <a:r>
+                        <a:rPr lang="en-US" sz="1300" b="0" i="0" kern="1200" dirty="0" smtClean="0">
+                          <a:solidFill>
+                            <a:schemeClr val="dk1"/>
+                          </a:solidFill>
+                          <a:effectLst/>
+                          <a:latin typeface="+mn-lt"/>
+                          <a:ea typeface="+mn-ea"/>
+                          <a:cs typeface="2  Kamran" panose="00000400000000000000"/>
+                        </a:rPr>
+                        <a:t> </a:t>
+                      </a:r>
+                      <a:r>
+                        <a:rPr lang="fa-IR" sz="1300" b="0" i="0" kern="1200" dirty="0" smtClean="0">
+                          <a:solidFill>
+                            <a:schemeClr val="dk1"/>
+                          </a:solidFill>
+                          <a:effectLst/>
+                          <a:latin typeface="+mn-lt"/>
+                          <a:ea typeface="+mn-ea"/>
+                          <a:cs typeface="2  Kamran" panose="00000400000000000000"/>
+                        </a:rPr>
+                        <a:t>برای ایجاد دستگاه‌های هوش مصنوعی</a:t>
+                      </a:r>
+                      <a:r>
+                        <a:rPr lang="en-US" sz="1300" b="0" i="0" kern="1200" dirty="0" smtClean="0">
+                          <a:solidFill>
+                            <a:schemeClr val="dk1"/>
+                          </a:solidFill>
+                          <a:effectLst/>
+                          <a:latin typeface="+mn-lt"/>
+                          <a:ea typeface="+mn-ea"/>
+                          <a:cs typeface="2  Kamran" panose="00000400000000000000"/>
+                        </a:rPr>
+                        <a:t> </a:t>
+                      </a:r>
+                      <a:r>
+                        <a:rPr lang="fa-IR" sz="1300" b="0" i="0" kern="1200" dirty="0" smtClean="0">
+                          <a:solidFill>
+                            <a:schemeClr val="dk1"/>
+                          </a:solidFill>
+                          <a:effectLst/>
+                          <a:latin typeface="+mn-lt"/>
+                          <a:ea typeface="+mn-ea"/>
+                          <a:cs typeface="2  Kamran" panose="00000400000000000000"/>
+                        </a:rPr>
+                        <a:t>استفاده کنید. همچنین، می‌توانید از امکانات ابری برای ذخیره‌سازی و به اشتراک‌گذاری داده‌ها استفاده کنید.</a:t>
+                      </a:r>
+                    </a:p>
+                    <a:p>
+                      <a:r>
+                        <a:rPr lang="fa-IR" sz="1300" dirty="0" smtClean="0"/>
+                        <a:t/>
+                      </a:r>
+                      <a:br>
+                        <a:rPr lang="fa-IR" sz="1300" dirty="0" smtClean="0"/>
+                      </a:br>
+                      <a:endParaRPr lang="fa-IR" sz="1300" dirty="0">
+                        <a:cs typeface="2  Kamran" panose="00000400000000000000" pitchFamily="2" charset="-78"/>
+                      </a:endParaRPr>
                     </a:p>
                   </a:txBody>
                   <a:tcPr/>
@@ -11580,7 +12357,7 @@
                         <a:buNone/>
                       </a:pPr>
                       <a:r>
-                        <a:rPr lang="fa-IR" sz="1800" dirty="0">
+                        <a:rPr lang="fa-IR" sz="1300" dirty="0">
                           <a:cs typeface="2  Kamran" panose="00000400000000000000" pitchFamily="2" charset="-78"/>
                         </a:rPr>
                         <a:t>1. از ترکیب کدام زبان های برنامه نویسی می توان استفاده کرد ؟</a:t>
@@ -11591,7 +12368,7 @@
                         <a:buFont typeface="Arial" panose="020B0604020202020204" pitchFamily="34" charset="0"/>
                         <a:buNone/>
                       </a:pPr>
-                      <a:endParaRPr lang="fa-IR" sz="1800" dirty="0">
+                      <a:endParaRPr lang="fa-IR" sz="1300" dirty="0" smtClean="0">
                         <a:cs typeface="2  Kamran" panose="00000400000000000000" pitchFamily="2" charset="-78"/>
                       </a:endParaRPr>
                     </a:p>
@@ -11600,19 +12377,16 @@
                         <a:buFont typeface="Arial" panose="020B0604020202020204" pitchFamily="34" charset="0"/>
                         <a:buNone/>
                       </a:pPr>
-                      <a:r>
-                        <a:rPr lang="fa-IR" sz="1800" dirty="0">
-                          <a:cs typeface="2  Kamran" panose="00000400000000000000" pitchFamily="2" charset="-78"/>
-                        </a:rPr>
-                        <a:t>2.چطور میتوانیم استعداد افراد تیم را با هم ترکیب کنیم ؟</a:t>
-                      </a:r>
+                      <a:endParaRPr lang="fa-IR" sz="1300" dirty="0" smtClean="0">
+                        <a:cs typeface="2  Kamran" panose="00000400000000000000" pitchFamily="2" charset="-78"/>
+                      </a:endParaRPr>
                     </a:p>
                     <a:p>
                       <a:pPr marL="0" indent="0" algn="r">
                         <a:buFont typeface="Arial" panose="020B0604020202020204" pitchFamily="34" charset="0"/>
                         <a:buNone/>
                       </a:pPr>
-                      <a:endParaRPr lang="fa-IR" sz="1800" dirty="0">
+                      <a:endParaRPr lang="fa-IR" sz="1300" dirty="0" smtClean="0">
                         <a:cs typeface="2  Kamran" panose="00000400000000000000" pitchFamily="2" charset="-78"/>
                       </a:endParaRPr>
                     </a:p>
@@ -11621,13 +12395,7 @@
                         <a:buFont typeface="Arial" panose="020B0604020202020204" pitchFamily="34" charset="0"/>
                         <a:buNone/>
                       </a:pPr>
-                      <a:r>
-                        <a:rPr lang="fa-IR" sz="1800" dirty="0">
-                          <a:cs typeface="2  Kamran" panose="00000400000000000000" pitchFamily="2" charset="-78"/>
-                        </a:rPr>
-                        <a:t>3. چه چیزهایی را میتوانیم با هم ترکیب کنیم تا کاربرد های یک محصول به بیشترین حدش برسد ؟</a:t>
-                      </a:r>
-                      <a:endParaRPr lang="en-US" sz="1800" dirty="0">
+                      <a:endParaRPr lang="fa-IR" sz="1300" dirty="0">
                         <a:cs typeface="2  Kamran" panose="00000400000000000000" pitchFamily="2" charset="-78"/>
                       </a:endParaRPr>
                     </a:p>
@@ -11636,17 +12404,143 @@
                         <a:buFont typeface="Arial" panose="020B0604020202020204" pitchFamily="34" charset="0"/>
                         <a:buNone/>
                       </a:pPr>
-                      <a:endParaRPr lang="en-US" sz="1800" dirty="0">
-                        <a:cs typeface="2  Kamran" panose="00000400000000000000" pitchFamily="2" charset="-78"/>
-                      </a:endParaRPr>
+                      <a:r>
+                        <a:rPr lang="fa-IR" sz="1300" dirty="0">
+                          <a:cs typeface="2  Kamran" panose="00000400000000000000" pitchFamily="2" charset="-78"/>
+                        </a:rPr>
+                        <a:t>2.چطور میتوانیم استعداد افراد تیم را با هم ترکیب کنیم ؟</a:t>
+                      </a:r>
                     </a:p>
                     <a:p>
                       <a:pPr marL="0" indent="0" algn="r">
                         <a:buFont typeface="Arial" panose="020B0604020202020204" pitchFamily="34" charset="0"/>
                         <a:buNone/>
                       </a:pPr>
-                      <a:r>
-                        <a:rPr lang="fa-IR" sz="1800" dirty="0">
+                      <a:endParaRPr lang="fa-IR" sz="1300" dirty="0" smtClean="0">
+                        <a:cs typeface="2  Kamran" panose="00000400000000000000" pitchFamily="2" charset="-78"/>
+                      </a:endParaRPr>
+                    </a:p>
+                    <a:p>
+                      <a:pPr marL="0" indent="0" algn="r">
+                        <a:buFont typeface="Arial" panose="020B0604020202020204" pitchFamily="34" charset="0"/>
+                        <a:buNone/>
+                      </a:pPr>
+                      <a:endParaRPr lang="fa-IR" sz="1300" dirty="0" smtClean="0">
+                        <a:cs typeface="2  Kamran" panose="00000400000000000000" pitchFamily="2" charset="-78"/>
+                      </a:endParaRPr>
+                    </a:p>
+                    <a:p>
+                      <a:pPr marL="0" indent="0" algn="r">
+                        <a:buFont typeface="Arial" panose="020B0604020202020204" pitchFamily="34" charset="0"/>
+                        <a:buNone/>
+                      </a:pPr>
+                      <a:endParaRPr lang="fa-IR" sz="1300" dirty="0" smtClean="0">
+                        <a:cs typeface="2  Kamran" panose="00000400000000000000" pitchFamily="2" charset="-78"/>
+                      </a:endParaRPr>
+                    </a:p>
+                    <a:p>
+                      <a:pPr marL="0" indent="0" algn="r">
+                        <a:buFont typeface="Arial" panose="020B0604020202020204" pitchFamily="34" charset="0"/>
+                        <a:buNone/>
+                      </a:pPr>
+                      <a:endParaRPr lang="fa-IR" sz="1300" dirty="0" smtClean="0">
+                        <a:cs typeface="2  Kamran" panose="00000400000000000000" pitchFamily="2" charset="-78"/>
+                      </a:endParaRPr>
+                    </a:p>
+                    <a:p>
+                      <a:pPr marL="0" indent="0" algn="r">
+                        <a:buFont typeface="Arial" panose="020B0604020202020204" pitchFamily="34" charset="0"/>
+                        <a:buNone/>
+                      </a:pPr>
+                      <a:endParaRPr lang="fa-IR" sz="1300" dirty="0" smtClean="0">
+                        <a:cs typeface="2  Kamran" panose="00000400000000000000" pitchFamily="2" charset="-78"/>
+                      </a:endParaRPr>
+                    </a:p>
+                    <a:p>
+                      <a:pPr marL="0" indent="0" algn="r">
+                        <a:buFont typeface="Arial" panose="020B0604020202020204" pitchFamily="34" charset="0"/>
+                        <a:buNone/>
+                      </a:pPr>
+                      <a:endParaRPr lang="fa-IR" sz="1300" dirty="0">
+                        <a:cs typeface="2  Kamran" panose="00000400000000000000" pitchFamily="2" charset="-78"/>
+                      </a:endParaRPr>
+                    </a:p>
+                    <a:p>
+                      <a:pPr marL="0" indent="0" algn="r">
+                        <a:buFont typeface="Arial" panose="020B0604020202020204" pitchFamily="34" charset="0"/>
+                        <a:buNone/>
+                      </a:pPr>
+                      <a:r>
+                        <a:rPr lang="fa-IR" sz="1300" dirty="0">
+                          <a:cs typeface="2  Kamran" panose="00000400000000000000" pitchFamily="2" charset="-78"/>
+                        </a:rPr>
+                        <a:t>3. چه چیزهایی را میتوانیم با هم ترکیب کنیم تا کاربرد های یک محصول به بیشترین حدش برسد ؟</a:t>
+                      </a:r>
+                      <a:endParaRPr lang="en-US" sz="1300" dirty="0">
+                        <a:cs typeface="2  Kamran" panose="00000400000000000000" pitchFamily="2" charset="-78"/>
+                      </a:endParaRPr>
+                    </a:p>
+                    <a:p>
+                      <a:pPr marL="0" indent="0" algn="r">
+                        <a:buFont typeface="Arial" panose="020B0604020202020204" pitchFamily="34" charset="0"/>
+                        <a:buNone/>
+                      </a:pPr>
+                      <a:endParaRPr lang="fa-IR" sz="1300" dirty="0" smtClean="0">
+                        <a:cs typeface="2  Kamran" panose="00000400000000000000" pitchFamily="2" charset="-78"/>
+                      </a:endParaRPr>
+                    </a:p>
+                    <a:p>
+                      <a:pPr marL="0" indent="0" algn="r">
+                        <a:buFont typeface="Arial" panose="020B0604020202020204" pitchFamily="34" charset="0"/>
+                        <a:buNone/>
+                      </a:pPr>
+                      <a:endParaRPr lang="fa-IR" sz="1300" dirty="0" smtClean="0">
+                        <a:cs typeface="2  Kamran" panose="00000400000000000000" pitchFamily="2" charset="-78"/>
+                      </a:endParaRPr>
+                    </a:p>
+                    <a:p>
+                      <a:pPr marL="0" indent="0" algn="r">
+                        <a:buFont typeface="Arial" panose="020B0604020202020204" pitchFamily="34" charset="0"/>
+                        <a:buNone/>
+                      </a:pPr>
+                      <a:endParaRPr lang="fa-IR" sz="1300" dirty="0" smtClean="0">
+                        <a:cs typeface="2  Kamran" panose="00000400000000000000" pitchFamily="2" charset="-78"/>
+                      </a:endParaRPr>
+                    </a:p>
+                    <a:p>
+                      <a:pPr marL="0" indent="0" algn="r">
+                        <a:buFont typeface="Arial" panose="020B0604020202020204" pitchFamily="34" charset="0"/>
+                        <a:buNone/>
+                      </a:pPr>
+                      <a:endParaRPr lang="fa-IR" sz="1300" dirty="0" smtClean="0">
+                        <a:cs typeface="2  Kamran" panose="00000400000000000000" pitchFamily="2" charset="-78"/>
+                      </a:endParaRPr>
+                    </a:p>
+                    <a:p>
+                      <a:pPr marL="0" indent="0" algn="r">
+                        <a:buFont typeface="Arial" panose="020B0604020202020204" pitchFamily="34" charset="0"/>
+                        <a:buNone/>
+                      </a:pPr>
+                      <a:endParaRPr lang="fa-IR" sz="1300" dirty="0" smtClean="0">
+                        <a:cs typeface="2  Kamran" panose="00000400000000000000" pitchFamily="2" charset="-78"/>
+                      </a:endParaRPr>
+                    </a:p>
+                    <a:p>
+                      <a:pPr marL="0" indent="0" algn="r">
+                        <a:buFont typeface="Arial" panose="020B0604020202020204" pitchFamily="34" charset="0"/>
+                        <a:buNone/>
+                      </a:pPr>
+                      <a:endParaRPr lang="en-US" sz="1300" dirty="0">
+                        <a:cs typeface="2  Kamran" panose="00000400000000000000" pitchFamily="2" charset="-78"/>
+                      </a:endParaRPr>
+                    </a:p>
+                    <a:p>
+                      <a:pPr marL="0" indent="0" algn="r">
+                        <a:buFont typeface="Arial" panose="020B0604020202020204" pitchFamily="34" charset="0"/>
+                        <a:buNone/>
+                      </a:pPr>
+                      <a:r>
+                        <a:rPr lang="fa-IR" sz="1300" dirty="0">
                           <a:cs typeface="2  Kamran" panose="00000400000000000000" pitchFamily="2" charset="-78"/>
                         </a:rPr>
                         <a:t>4. چگونه میتوانیم فناوری های موجود را ترکیب کنیم؟</a:t>
@@ -11746,14 +12640,14 @@
           <p:nvPr>
             <p:extLst>
               <p:ext uri="{D42A27DB-BD31-4B8C-83A1-F6EECF244321}">
-                <p14:modId xmlns:p14="http://schemas.microsoft.com/office/powerpoint/2010/main" val="241037079"/>
+                <p14:modId xmlns:p14="http://schemas.microsoft.com/office/powerpoint/2010/main" val="2002938392"/>
               </p:ext>
             </p:extLst>
           </p:nvPr>
         </p:nvGraphicFramePr>
         <p:xfrm>
-          <a:off x="1922162" y="1177898"/>
-          <a:ext cx="8347676" cy="5197963"/>
+          <a:off x="93361" y="0"/>
+          <a:ext cx="8347676" cy="6859091"/>
         </p:xfrm>
         <a:graphic>
           <a:graphicData uri="http://schemas.openxmlformats.org/drawingml/2006/table">
@@ -11848,94 +12742,134 @@
                     <a:bodyPr/>
                     <a:lstStyle/>
                     <a:p>
-                      <a:pPr algn="r"/>
+                      <a:pPr algn="r" rtl="1"/>
+                      <a:r>
+                        <a:rPr lang="fa-IR" sz="1600" dirty="0" smtClean="0">
+                          <a:cs typeface="2  Kamran" panose="00000400000000000000" pitchFamily="2" charset="-78"/>
+                        </a:rPr>
+                        <a:t>1.</a:t>
+                      </a:r>
+                      <a:r>
+                        <a:rPr lang="fa-IR" sz="1200" b="0" i="0" kern="1200" dirty="0" smtClean="0">
+                          <a:solidFill>
+                            <a:schemeClr val="dk1"/>
+                          </a:solidFill>
+                          <a:effectLst/>
+                          <a:latin typeface="+mn-lt"/>
+                          <a:ea typeface="+mn-ea"/>
+                          <a:cs typeface="2  Kamran" panose="00000400000000000000"/>
+                        </a:rPr>
+                        <a:t>می‌توانید به مشتریان گزینه‌ها و افزونه‌های جدید ارائه دهید تا تجربه استفاده از محصول بهبود یابد. همچنین، می‌توانید از تکنولوژی‌های جدید مانند واقعیت مجازی یا هوش مصنوعی برای ایجاد تجربه‌های جدید برای مشتریان استفاده کنید.</a:t>
+                      </a:r>
+                    </a:p>
+                    <a:p>
+                      <a:pPr algn="r" rtl="1"/>
+                      <a:r>
+                        <a:rPr lang="fa-IR" dirty="0" smtClean="0"/>
+                        <a:t/>
+                      </a:r>
+                      <a:br>
+                        <a:rPr lang="fa-IR" dirty="0" smtClean="0"/>
+                      </a:br>
+                      <a:r>
+                        <a:rPr lang="fa-IR" sz="1800" dirty="0" smtClean="0">
+                          <a:cs typeface="2  Kamran" panose="00000400000000000000" pitchFamily="2" charset="-78"/>
+                        </a:rPr>
+                        <a:t>2.</a:t>
+                      </a:r>
+                      <a:r>
+                        <a:rPr lang="fa-IR" sz="1400" b="0" i="0" kern="1200" dirty="0" smtClean="0">
+                          <a:solidFill>
+                            <a:schemeClr val="dk1"/>
+                          </a:solidFill>
+                          <a:effectLst/>
+                          <a:latin typeface="+mn-lt"/>
+                          <a:ea typeface="+mn-ea"/>
+                          <a:cs typeface="2  Kamran" panose="00000400000000000000"/>
+                        </a:rPr>
+                        <a:t>ممکن است محصول شما شباهتی به لوازم جانبی کامپیوتر داشته باشد. در نظر بگیرید که چگونه می‌توانید این محصول را با لوازم جانبی مختلف ترکیب کرده و تنوع بیشتری به مشتریان ارائه دهید.</a:t>
+                      </a:r>
+                      <a:endParaRPr lang="en-US" sz="1400" b="0" i="0" kern="1200" dirty="0" smtClean="0">
+                        <a:solidFill>
+                          <a:schemeClr val="dk1"/>
+                        </a:solidFill>
+                        <a:effectLst/>
+                        <a:latin typeface="+mn-lt"/>
+                        <a:ea typeface="+mn-ea"/>
+                        <a:cs typeface="2  Kamran" panose="00000400000000000000"/>
+                      </a:endParaRPr>
+                    </a:p>
+                    <a:p>
+                      <a:pPr algn="r" rtl="1"/>
+                      <a:endParaRPr lang="fa-IR" sz="1400" b="0" i="0" kern="1200" dirty="0" smtClean="0">
+                        <a:solidFill>
+                          <a:schemeClr val="dk1"/>
+                        </a:solidFill>
+                        <a:effectLst/>
+                        <a:latin typeface="+mn-lt"/>
+                        <a:ea typeface="+mn-ea"/>
+                        <a:cs typeface="2  Kamran" panose="00000400000000000000"/>
+                      </a:endParaRPr>
+                    </a:p>
+                    <a:p>
+                      <a:pPr algn="r" rtl="1"/>
+                      <a:r>
+                        <a:rPr lang="fa-IR" sz="1400" dirty="0" smtClean="0">
+                          <a:cs typeface="2  Kamran" panose="00000400000000000000"/>
+                        </a:rPr>
+                        <a:t>3. </a:t>
+                      </a:r>
+                      <a:r>
+                        <a:rPr lang="fa-IR" sz="1400" b="0" i="0" kern="1200" dirty="0" smtClean="0">
+                          <a:solidFill>
+                            <a:schemeClr val="dk1"/>
+                          </a:solidFill>
+                          <a:effectLst/>
+                          <a:latin typeface="+mn-lt"/>
+                          <a:ea typeface="+mn-ea"/>
+                          <a:cs typeface="2  Kamran" panose="00000400000000000000"/>
+                        </a:rPr>
+                        <a:t>برای الهام گرفتن می‌توانید به رقبا، ترند‌های جدید در صنعت فناوری، نظرات مشتریان، و ایده‌های نوآورانه در زمینه تکنولوژی مراجعه کنید. همچنین، از تجربه و اندیشه خود نیز برای ایجاد ایده‌های جدید استفاده کنید.</a:t>
+                      </a:r>
+                    </a:p>
+                    <a:p>
+                      <a:endParaRPr lang="fa-IR" sz="1800" dirty="0">
+                        <a:cs typeface="2  Kamran" panose="00000400000000000000" pitchFamily="2" charset="-78"/>
+                      </a:endParaRPr>
+                    </a:p>
+                    <a:p>
+                      <a:pPr algn="r" rtl="1"/>
                       <a:r>
                         <a:rPr lang="fa-IR" sz="1600" dirty="0">
                           <a:cs typeface="2  Kamran" panose="00000400000000000000" pitchFamily="2" charset="-78"/>
                         </a:rPr>
-                        <a:t>1. میتوان برنامه را جوری طراحی کرد که دو استفاده متفاوت داشته باشد به عنوان مثال : </a:t>
-                      </a:r>
-                      <a:r>
-                        <a:rPr lang="fa-IR" sz="1600" dirty="0" smtClean="0">
-                          <a:cs typeface="2  Kamran" panose="00000400000000000000" pitchFamily="2" charset="-78"/>
-                        </a:rPr>
-                        <a:t>طراحی</a:t>
-                      </a:r>
-                      <a:r>
-                        <a:rPr lang="fa-IR" sz="1600" baseline="0" dirty="0" smtClean="0">
-                          <a:cs typeface="2  Kamran" panose="00000400000000000000" pitchFamily="2" charset="-78"/>
-                        </a:rPr>
-                        <a:t> یک وب سایت که با توجه با نشان دادن ساعت های روز دنیا تاریخشان هم نشان دهد</a:t>
-                      </a:r>
+                        <a:t>4. </a:t>
+                      </a:r>
+                      <a:r>
+                        <a:rPr lang="fa-IR" sz="1400" b="0" i="0" kern="1200" dirty="0" smtClean="0">
+                          <a:solidFill>
+                            <a:schemeClr val="dk1"/>
+                          </a:solidFill>
+                          <a:effectLst/>
+                          <a:latin typeface="+mn-lt"/>
+                          <a:ea typeface="+mn-ea"/>
+                          <a:cs typeface="2  Kamran" panose="00000400000000000000"/>
+                        </a:rPr>
+                        <a:t>می‌توانید با تولیدکنندگان محصولات مشابه تعامل داشته و از تجربیات و تکنولوژی‌های آن‌ها برای بهبود محصول خود استفاده کنید. همچنین، می‌توانید با دانشگاه‌ها یا موسسات تحقیقاتی همکاری کرده و از تحقیقات و دانش نوین آن‌ها بهره‌برداری کنید.</a:t>
+                      </a:r>
+                    </a:p>
+                    <a:p>
+                      <a:pPr algn="r" rtl="1"/>
+                      <a:r>
+                        <a:rPr lang="fa-IR" dirty="0" smtClean="0"/>
+                        <a:t/>
+                      </a:r>
+                      <a:br>
+                        <a:rPr lang="fa-IR" dirty="0" smtClean="0"/>
+                      </a:br>
                       <a:endParaRPr lang="fa-IR" sz="1600" dirty="0">
                         <a:cs typeface="2  Kamran" panose="00000400000000000000" pitchFamily="2" charset="-78"/>
                       </a:endParaRPr>
-                    </a:p>
-                    <a:p>
-                      <a:pPr algn="r"/>
-                      <a:r>
-                        <a:rPr lang="fa-IR" sz="1600" dirty="0">
-                          <a:cs typeface="2  Kamran" panose="00000400000000000000" pitchFamily="2" charset="-78"/>
-                        </a:rPr>
-                        <a:t>2.ممکن است باتوجه به درخواست مشتری محصول شباهت به دیگر محصولات داشته باشد به عنوان مثال : </a:t>
-                      </a:r>
-                      <a:r>
-                        <a:rPr lang="fa-IR" sz="1600" dirty="0" smtClean="0">
-                          <a:cs typeface="2  Kamran" panose="00000400000000000000" pitchFamily="2" charset="-78"/>
-                        </a:rPr>
-                        <a:t>تعداد</a:t>
-                      </a:r>
-                      <a:r>
-                        <a:rPr lang="fa-IR" sz="1600" baseline="0" dirty="0" smtClean="0">
-                          <a:cs typeface="2  Kamran" panose="00000400000000000000" pitchFamily="2" charset="-78"/>
-                        </a:rPr>
-                        <a:t> زیادی از سایت ها دانلود فیلم وجود دارد</a:t>
-                      </a:r>
-                      <a:endParaRPr lang="fa-IR" sz="1600" dirty="0">
-                        <a:cs typeface="2  Kamran" panose="00000400000000000000" pitchFamily="2" charset="-78"/>
-                      </a:endParaRPr>
-                    </a:p>
-                    <a:p>
-                      <a:pPr algn="r"/>
-                      <a:r>
-                        <a:rPr lang="fa-IR" sz="1600" dirty="0">
-                          <a:cs typeface="2  Kamran" panose="00000400000000000000" pitchFamily="2" charset="-78"/>
-                        </a:rPr>
-                        <a:t>3. در هر زمینه ای برنامه ای وجود دارد که بتواند الهام بخش باشد برای مثال : برای برنامه پخش فیلم برنامه </a:t>
-                      </a:r>
-                      <a:r>
-                        <a:rPr lang="fa-IR" sz="1600" dirty="0" smtClean="0">
-                          <a:cs typeface="2  Kamran" panose="00000400000000000000" pitchFamily="2" charset="-78"/>
-                        </a:rPr>
-                        <a:t>اینستاگرام </a:t>
-                      </a:r>
-                      <a:r>
-                        <a:rPr lang="fa-IR" sz="1600" dirty="0">
-                          <a:cs typeface="2  Kamran" panose="00000400000000000000" pitchFamily="2" charset="-78"/>
-                        </a:rPr>
-                        <a:t>می تواند الهام بخش باشد </a:t>
-                      </a:r>
-                    </a:p>
-                    <a:p>
-                      <a:pPr algn="r"/>
-                      <a:r>
-                        <a:rPr lang="fa-IR" sz="1600" dirty="0">
-                          <a:cs typeface="2  Kamran" panose="00000400000000000000" pitchFamily="2" charset="-78"/>
-                        </a:rPr>
-                        <a:t>4. میتوان برای تولید با افرادی دیگر یا </a:t>
-                      </a:r>
-                      <a:r>
-                        <a:rPr lang="fa-IR" sz="1600" dirty="0" smtClean="0">
-                          <a:cs typeface="2  Kamran" panose="00000400000000000000" pitchFamily="2" charset="-78"/>
-                        </a:rPr>
-                        <a:t>شرکت های </a:t>
-                      </a:r>
-                      <a:r>
-                        <a:rPr lang="fa-IR" sz="1600" dirty="0">
-                          <a:cs typeface="2  Kamran" panose="00000400000000000000" pitchFamily="2" charset="-78"/>
-                        </a:rPr>
-                        <a:t>دیگر همکاری کرد </a:t>
-                      </a:r>
                     </a:p>
                   </a:txBody>
                   <a:tcPr/>
@@ -12046,8 +12980,8 @@
         </p:nvSpPr>
         <p:spPr>
           <a:xfrm>
-            <a:off x="4530811" y="114619"/>
-            <a:ext cx="5469924" cy="1077218"/>
+            <a:off x="8856600" y="1303340"/>
+            <a:ext cx="3205168" cy="830997"/>
           </a:xfrm>
           <a:prstGeom prst="rect">
             <a:avLst/>
@@ -12062,12 +12996,12 @@
           <a:p>
             <a:pPr algn="r"/>
             <a:r>
-              <a:rPr lang="fa-IR" sz="3200" dirty="0">
+              <a:rPr lang="fa-IR" sz="2400" dirty="0">
                 <a:cs typeface="2  Kamran" panose="00000400000000000000" pitchFamily="2" charset="-78"/>
               </a:rPr>
               <a:t>گام سوم : سازگار کردن یا اقتباس</a:t>
             </a:r>
-            <a:endParaRPr lang="en-US" sz="3200" dirty="0">
+            <a:endParaRPr lang="en-US" sz="2400" dirty="0">
               <a:cs typeface="2  Kamran" panose="00000400000000000000" pitchFamily="2" charset="-78"/>
             </a:endParaRPr>
           </a:p>
@@ -12153,8 +13087,8 @@
         </p:nvSpPr>
         <p:spPr>
           <a:xfrm>
-            <a:off x="5626443" y="114619"/>
-            <a:ext cx="4374292" cy="1077218"/>
+            <a:off x="8432725" y="1161423"/>
+            <a:ext cx="3076233" cy="461665"/>
           </a:xfrm>
           <a:prstGeom prst="rect">
             <a:avLst/>
@@ -12169,12 +13103,18 @@
           <a:p>
             <a:pPr algn="r"/>
             <a:r>
-              <a:rPr lang="fa-IR" sz="3200" dirty="0">
+              <a:rPr lang="fa-IR" sz="2400" dirty="0" smtClean="0">
                 <a:cs typeface="2  Kamran" panose="00000400000000000000" pitchFamily="2" charset="-78"/>
               </a:rPr>
-              <a:t>گام چهارم : تقویت و اصلاح</a:t>
+              <a:t> </a:t>
             </a:r>
-            <a:endParaRPr lang="en-US" sz="3200" dirty="0">
+            <a:r>
+              <a:rPr lang="fa-IR" sz="2400" dirty="0">
+                <a:cs typeface="2  Kamran" panose="00000400000000000000" pitchFamily="2" charset="-78"/>
+              </a:rPr>
+              <a:t>تقویت و اصلاح</a:t>
+            </a:r>
+            <a:endParaRPr lang="en-US" sz="2400" dirty="0">
               <a:cs typeface="2  Kamran" panose="00000400000000000000" pitchFamily="2" charset="-78"/>
             </a:endParaRPr>
           </a:p>
@@ -12195,14 +13135,14 @@
           <p:nvPr>
             <p:extLst>
               <p:ext uri="{D42A27DB-BD31-4B8C-83A1-F6EECF244321}">
-                <p14:modId xmlns:p14="http://schemas.microsoft.com/office/powerpoint/2010/main" val="1382247781"/>
+                <p14:modId xmlns:p14="http://schemas.microsoft.com/office/powerpoint/2010/main" val="355125102"/>
               </p:ext>
             </p:extLst>
           </p:nvPr>
         </p:nvGraphicFramePr>
         <p:xfrm>
-          <a:off x="1922162" y="1566605"/>
-          <a:ext cx="8347676" cy="4028440"/>
+          <a:off x="85049" y="136073"/>
+          <a:ext cx="8347676" cy="6009640"/>
         </p:xfrm>
         <a:graphic>
           <a:graphicData uri="http://schemas.openxmlformats.org/drawingml/2006/table">
@@ -12232,25 +13172,25 @@
                     <a:bodyPr/>
                     <a:lstStyle/>
                     <a:p>
-                      <a:pPr algn="ctr"/>
-                      <a:r>
-                        <a:rPr lang="fa-IR" sz="1800" b="1" kern="1200" dirty="0">
+                      <a:pPr algn="r" rtl="1"/>
+                      <a:r>
+                        <a:rPr lang="fa-IR" sz="1400" b="1" kern="1200" dirty="0">
                           <a:solidFill>
                             <a:schemeClr val="lt1"/>
                           </a:solidFill>
                           <a:latin typeface="+mn-lt"/>
                           <a:ea typeface="+mn-ea"/>
-                          <a:cs typeface="2  Kamran" panose="00000400000000000000" pitchFamily="2" charset="-78"/>
+                          <a:cs typeface="2  Kamran" panose="00000400000000000000"/>
                         </a:rPr>
                         <a:t>پاسخ ها</a:t>
                       </a:r>
-                      <a:endParaRPr lang="en-US" sz="1800" b="1" kern="1200" dirty="0">
+                      <a:endParaRPr lang="en-US" sz="1400" b="1" kern="1200" dirty="0">
                         <a:solidFill>
                           <a:schemeClr val="lt1"/>
                         </a:solidFill>
                         <a:latin typeface="+mn-lt"/>
                         <a:ea typeface="+mn-ea"/>
-                        <a:cs typeface="2  Kamran" panose="00000400000000000000" pitchFamily="2" charset="-78"/>
+                        <a:cs typeface="2  Kamran" panose="00000400000000000000"/>
                       </a:endParaRPr>
                     </a:p>
                   </a:txBody>
@@ -12261,25 +13201,25 @@
                     <a:bodyPr/>
                     <a:lstStyle/>
                     <a:p>
-                      <a:pPr algn="ctr"/>
-                      <a:r>
-                        <a:rPr lang="fa-IR" sz="1800" b="1" kern="1200" dirty="0">
+                      <a:pPr algn="r" rtl="1"/>
+                      <a:r>
+                        <a:rPr lang="fa-IR" sz="1400" b="1" kern="1200" dirty="0">
                           <a:solidFill>
                             <a:schemeClr val="lt1"/>
                           </a:solidFill>
                           <a:latin typeface="+mn-lt"/>
                           <a:ea typeface="+mn-ea"/>
-                          <a:cs typeface="2  Kamran" panose="00000400000000000000" pitchFamily="2" charset="-78"/>
+                          <a:cs typeface="2  Kamran" panose="00000400000000000000"/>
                         </a:rPr>
                         <a:t>پرسش های کلیدی</a:t>
                       </a:r>
-                      <a:endParaRPr lang="en-US" sz="1800" b="1" kern="1200" dirty="0">
+                      <a:endParaRPr lang="en-US" sz="1400" b="1" kern="1200" dirty="0">
                         <a:solidFill>
                           <a:schemeClr val="lt1"/>
                         </a:solidFill>
                         <a:latin typeface="+mn-lt"/>
                         <a:ea typeface="+mn-ea"/>
-                        <a:cs typeface="2  Kamran" panose="00000400000000000000" pitchFamily="2" charset="-78"/>
+                        <a:cs typeface="2  Kamran" panose="00000400000000000000"/>
                       </a:endParaRPr>
                     </a:p>
                   </a:txBody>
@@ -12297,212 +13237,253 @@
                     <a:bodyPr/>
                     <a:lstStyle/>
                     <a:p>
-                      <a:pPr algn="r"/>
-                      <a:r>
-                        <a:rPr lang="fa-IR" sz="1800" dirty="0">
-                          <a:cs typeface="2  Kamran" panose="00000400000000000000" pitchFamily="2" charset="-78"/>
-                        </a:rPr>
-                        <a:t>1. می توانیم با استفاده از ترکیب رنگ های آرام بخش و اشکال </a:t>
-                      </a:r>
-                      <a:r>
-                        <a:rPr lang="fa-IR" sz="1800" dirty="0" smtClean="0">
-                          <a:cs typeface="2  Kamran" panose="00000400000000000000" pitchFamily="2" charset="-78"/>
-                        </a:rPr>
-                        <a:t>زیباوانیمیشن</a:t>
-                      </a:r>
-                      <a:r>
-                        <a:rPr lang="fa-IR" sz="1800" baseline="0" dirty="0" smtClean="0">
-                          <a:cs typeface="2  Kamran" panose="00000400000000000000" pitchFamily="2" charset="-78"/>
-                        </a:rPr>
-                        <a:t> ها</a:t>
-                      </a:r>
-                      <a:r>
-                        <a:rPr lang="fa-IR" sz="1800" dirty="0" smtClean="0">
-                          <a:cs typeface="2  Kamran" panose="00000400000000000000" pitchFamily="2" charset="-78"/>
-                        </a:rPr>
-                        <a:t> </a:t>
-                      </a:r>
-                      <a:r>
-                        <a:rPr lang="fa-IR" sz="1800" dirty="0">
-                          <a:cs typeface="2  Kamran" panose="00000400000000000000" pitchFamily="2" charset="-78"/>
-                        </a:rPr>
-                        <a:t>برنامه را بهتر نماییم</a:t>
-                      </a:r>
-                    </a:p>
-                    <a:p>
-                      <a:pPr algn="r"/>
-                      <a:endParaRPr lang="fa-IR" sz="1800" dirty="0">
-                        <a:cs typeface="2  Kamran" panose="00000400000000000000" pitchFamily="2" charset="-78"/>
+                      <a:pPr algn="r" rtl="1"/>
+                      <a:r>
+                        <a:rPr lang="fa-IR" sz="1400" dirty="0" smtClean="0">
+                          <a:cs typeface="2  Kamran" panose="00000400000000000000"/>
+                        </a:rPr>
+                        <a:t>1.</a:t>
+                      </a:r>
+                      <a:r>
+                        <a:rPr lang="fa-IR" sz="1400" b="0" i="0" kern="1200" dirty="0" smtClean="0">
+                          <a:solidFill>
+                            <a:schemeClr val="dk1"/>
+                          </a:solidFill>
+                          <a:effectLst/>
+                          <a:latin typeface="+mn-lt"/>
+                          <a:ea typeface="+mn-ea"/>
+                          <a:cs typeface="2  Kamran" panose="00000400000000000000"/>
+                        </a:rPr>
+                        <a:t>بهینه‌سازی رابط کاربری </a:t>
+                      </a:r>
+                      <a:r>
+                        <a:rPr lang="en-US" sz="1400" b="0" i="0" kern="1200" dirty="0" smtClean="0">
+                          <a:solidFill>
+                            <a:schemeClr val="dk1"/>
+                          </a:solidFill>
+                          <a:effectLst/>
+                          <a:latin typeface="+mn-lt"/>
+                          <a:ea typeface="+mn-ea"/>
+                          <a:cs typeface="2  Kamran" panose="00000400000000000000"/>
+                        </a:rPr>
+                        <a:t>UI </a:t>
+                      </a:r>
+                      <a:r>
+                        <a:rPr lang="fa-IR" sz="1400" b="0" i="0" kern="1200" dirty="0" smtClean="0">
+                          <a:solidFill>
+                            <a:schemeClr val="dk1"/>
+                          </a:solidFill>
+                          <a:effectLst/>
+                          <a:latin typeface="+mn-lt"/>
+                          <a:ea typeface="+mn-ea"/>
+                          <a:cs typeface="2  Kamran" panose="00000400000000000000"/>
+                        </a:rPr>
+                        <a:t>و تجربه کاربری</a:t>
+                      </a:r>
+                      <a:r>
+                        <a:rPr lang="en-US" sz="1400" b="0" i="0" kern="1200" dirty="0" smtClean="0">
+                          <a:solidFill>
+                            <a:schemeClr val="dk1"/>
+                          </a:solidFill>
+                          <a:effectLst/>
+                          <a:latin typeface="+mn-lt"/>
+                          <a:ea typeface="+mn-ea"/>
+                          <a:cs typeface="2  Kamran" panose="00000400000000000000"/>
+                        </a:rPr>
+                        <a:t> UX </a:t>
+                      </a:r>
+                      <a:r>
+                        <a:rPr lang="fa-IR" sz="1400" b="0" i="0" kern="1200" dirty="0" smtClean="0">
+                          <a:solidFill>
+                            <a:schemeClr val="dk1"/>
+                          </a:solidFill>
+                          <a:effectLst/>
+                          <a:latin typeface="+mn-lt"/>
+                          <a:ea typeface="+mn-ea"/>
+                          <a:cs typeface="2  Kamran" panose="00000400000000000000"/>
+                        </a:rPr>
+                        <a:t>می‌تواند به ارتقاء حس کلی کاربران در استفاده از برنامه کمک کند. افزودن انیمیشن‌ها، استفاده از رنگها و فونت‌های مناسب، و ارائه یک فضای کاربری جذاب می‌تواند اثرات مثبتی داشته باشد.</a:t>
+                      </a:r>
+                    </a:p>
+                    <a:p>
+                      <a:pPr algn="r" rtl="1"/>
+                      <a:endParaRPr lang="fa-IR" sz="1400" dirty="0">
+                        <a:cs typeface="2  Kamran" panose="00000400000000000000"/>
                       </a:endParaRPr>
                     </a:p>
                     <a:p>
-                      <a:pPr algn="r"/>
-                      <a:r>
-                        <a:rPr lang="fa-IR" sz="1800" dirty="0">
-                          <a:cs typeface="2  Kamran" panose="00000400000000000000" pitchFamily="2" charset="-78"/>
-                        </a:rPr>
-                        <a:t>2. اضافه کردن جدیدترین </a:t>
-                      </a:r>
-                      <a:r>
-                        <a:rPr lang="fa-IR" sz="1800" dirty="0" smtClean="0">
-                          <a:cs typeface="2  Kamran" panose="00000400000000000000" pitchFamily="2" charset="-78"/>
-                        </a:rPr>
-                        <a:t>امکانات(فریم ورک ها)</a:t>
-                      </a:r>
-                      <a:endParaRPr lang="fa-IR" sz="1800" dirty="0">
-                        <a:cs typeface="2  Kamran" panose="00000400000000000000" pitchFamily="2" charset="-78"/>
+                      <a:pPr algn="r" rtl="1"/>
+                      <a:r>
+                        <a:rPr lang="fa-IR" sz="1400" dirty="0" smtClean="0">
+                          <a:cs typeface="2  Kamran" panose="00000400000000000000"/>
+                        </a:rPr>
+                        <a:t>2.</a:t>
+                      </a:r>
+                      <a:r>
+                        <a:rPr lang="fa-IR" sz="1400" b="0" i="0" kern="1200" dirty="0" smtClean="0">
+                          <a:solidFill>
+                            <a:schemeClr val="dk1"/>
+                          </a:solidFill>
+                          <a:effectLst/>
+                          <a:latin typeface="+mn-lt"/>
+                          <a:ea typeface="+mn-ea"/>
+                          <a:cs typeface="2  Kamran" panose="00000400000000000000"/>
+                        </a:rPr>
+                        <a:t>افزودن ویژگی‌های جدید، بهبود کیفیت مواد ساخت، افزایش قابلیت اطمینان و دوام، و اضافه کردن لوازم جانبی می‌تواند محصول را بهتر و جذاب‌تر کند.</a:t>
+                      </a:r>
+                      <a:endParaRPr lang="fa-IR" sz="1400" dirty="0">
+                        <a:cs typeface="2  Kamran" panose="00000400000000000000"/>
                       </a:endParaRPr>
                     </a:p>
                     <a:p>
-                      <a:pPr algn="r"/>
-                      <a:endParaRPr lang="fa-IR" sz="1800" dirty="0">
-                        <a:cs typeface="2  Kamran" panose="00000400000000000000" pitchFamily="2" charset="-78"/>
+                      <a:pPr algn="r" rtl="1"/>
+                      <a:endParaRPr lang="fa-IR" sz="1400" dirty="0">
+                        <a:cs typeface="2  Kamran" panose="00000400000000000000"/>
                       </a:endParaRPr>
                     </a:p>
                     <a:p>
-                      <a:pPr algn="r"/>
-                      <a:r>
-                        <a:rPr lang="fa-IR" sz="1800" dirty="0">
-                          <a:cs typeface="2  Kamran" panose="00000400000000000000" pitchFamily="2" charset="-78"/>
-                        </a:rPr>
-                        <a:t>3. تقویت کردن روند برنامه </a:t>
-                      </a:r>
-                      <a:r>
-                        <a:rPr lang="fa-IR" sz="1800" dirty="0" smtClean="0">
-                          <a:cs typeface="2  Kamran" panose="00000400000000000000" pitchFamily="2" charset="-78"/>
-                        </a:rPr>
-                        <a:t>تاسریع</a:t>
-                      </a:r>
-                      <a:r>
-                        <a:rPr lang="fa-IR" sz="1800" baseline="0" dirty="0" smtClean="0">
-                          <a:cs typeface="2  Kamran" panose="00000400000000000000" pitchFamily="2" charset="-78"/>
-                        </a:rPr>
-                        <a:t> و</a:t>
-                      </a:r>
-                      <a:r>
-                        <a:rPr lang="fa-IR" sz="1800" dirty="0" smtClean="0">
-                          <a:cs typeface="2  Kamran" panose="00000400000000000000" pitchFamily="2" charset="-78"/>
-                        </a:rPr>
-                        <a:t> </a:t>
-                      </a:r>
-                      <a:r>
-                        <a:rPr lang="fa-IR" sz="1800" dirty="0">
-                          <a:cs typeface="2  Kamran" panose="00000400000000000000" pitchFamily="2" charset="-78"/>
-                        </a:rPr>
-                        <a:t>روان تر انجام </a:t>
-                      </a:r>
-                      <a:r>
-                        <a:rPr lang="fa-IR" sz="1800" dirty="0" smtClean="0">
-                          <a:cs typeface="2  Kamran" panose="00000400000000000000" pitchFamily="2" charset="-78"/>
-                        </a:rPr>
-                        <a:t>شود</a:t>
-                      </a:r>
-                      <a:endParaRPr lang="en-US" sz="1800" dirty="0">
-                        <a:cs typeface="2  Kamran" panose="00000400000000000000" pitchFamily="2" charset="-78"/>
+                      <a:pPr algn="r" rtl="1"/>
+                      <a:r>
+                        <a:rPr lang="fa-IR" sz="1400" dirty="0" smtClean="0">
+                          <a:cs typeface="2  Kamran" panose="00000400000000000000"/>
+                        </a:rPr>
+                        <a:t>3.</a:t>
+                      </a:r>
+                      <a:r>
+                        <a:rPr lang="fa-IR" sz="1400" b="0" i="0" kern="1200" dirty="0" smtClean="0">
+                          <a:solidFill>
+                            <a:schemeClr val="dk1"/>
+                          </a:solidFill>
+                          <a:effectLst/>
+                          <a:latin typeface="+mn-lt"/>
+                          <a:ea typeface="+mn-ea"/>
+                          <a:cs typeface="2  Kamran" panose="00000400000000000000"/>
+                        </a:rPr>
+                        <a:t>بهبود عملکرد، افزودن امکانات جدید، یا حتی تغییر در طراحی می‌تواند به خلق محصولات جدید منجر شود. به ارتقاء قابلیت انعطاف‌پذیری و تطابق با نیازهای جدید بازار نیز توجه کنید.</a:t>
+                      </a:r>
+                    </a:p>
+                    <a:p>
+                      <a:pPr algn="r" rtl="1"/>
+                      <a:endParaRPr lang="en-US" sz="1400" dirty="0">
+                        <a:cs typeface="2  Kamran" panose="00000400000000000000"/>
                       </a:endParaRPr>
                     </a:p>
                     <a:p>
-                      <a:pPr algn="r"/>
-                      <a:endParaRPr lang="en-US" sz="1800" dirty="0">
-                        <a:cs typeface="2  Kamran" panose="00000400000000000000" pitchFamily="2" charset="-78"/>
+                      <a:pPr algn="r" rtl="1"/>
+                      <a:r>
+                        <a:rPr lang="fa-IR" sz="1400" dirty="0" smtClean="0">
+                          <a:cs typeface="2  Kamran" panose="00000400000000000000"/>
+                        </a:rPr>
+                        <a:t>4.</a:t>
+                      </a:r>
+                      <a:r>
+                        <a:rPr lang="fa-IR" sz="1400" b="0" i="0" kern="1200" dirty="0" smtClean="0">
+                          <a:solidFill>
+                            <a:schemeClr val="dk1"/>
+                          </a:solidFill>
+                          <a:effectLst/>
+                          <a:latin typeface="+mn-lt"/>
+                          <a:ea typeface="+mn-ea"/>
+                          <a:cs typeface="2  Kamran" panose="00000400000000000000"/>
+                        </a:rPr>
+                        <a:t>بازخورد مشتریان را مرور کنید و به اصلاحات و بهبودهایی که مشتریان ارائه کرده‌اند توجه کنید. ممکن است افزایش کارایی، رفع باگ‌ها، بهبود امنیت، و به‌روزرسانی منظم محصول به بهبود برنامه کمک کند.</a:t>
+                      </a:r>
+                    </a:p>
+                    <a:p>
+                      <a:pPr algn="r" rtl="1"/>
+                      <a:r>
+                        <a:rPr lang="fa-IR" sz="1400" dirty="0" smtClean="0">
+                          <a:cs typeface="2  Kamran" panose="00000400000000000000"/>
+                        </a:rPr>
+                        <a:t/>
+                      </a:r>
+                      <a:br>
+                        <a:rPr lang="fa-IR" sz="1400" dirty="0" smtClean="0">
+                          <a:cs typeface="2  Kamran" panose="00000400000000000000"/>
+                        </a:rPr>
+                      </a:br>
+                      <a:endParaRPr lang="en-US" sz="1400" dirty="0">
+                        <a:cs typeface="2  Kamran" panose="00000400000000000000"/>
                       </a:endParaRPr>
                     </a:p>
-                    <a:p>
-                      <a:pPr algn="r"/>
-                      <a:r>
-                        <a:rPr lang="fa-IR" sz="1800" dirty="0">
-                          <a:cs typeface="2  Kamran" panose="00000400000000000000" pitchFamily="2" charset="-78"/>
-                        </a:rPr>
-                        <a:t>4.اصلاح عواملی مانند مشکلات ، باگ ها و </a:t>
-                      </a:r>
-                      <a:r>
-                        <a:rPr lang="fa-IR" sz="1800" dirty="0" smtClean="0">
-                          <a:cs typeface="2  Kamran" panose="00000400000000000000" pitchFamily="2" charset="-78"/>
-                        </a:rPr>
-                        <a:t>ارورها و...</a:t>
-                      </a:r>
-                      <a:endParaRPr lang="en-US" sz="1800" dirty="0">
-                        <a:cs typeface="2  Kamran" panose="00000400000000000000" pitchFamily="2" charset="-78"/>
-                      </a:endParaRPr>
-                    </a:p>
-                  </a:txBody>
-                  <a:tcPr/>
-                </a:tc>
-                <a:tc>
-                  <a:txBody>
-                    <a:bodyPr/>
-                    <a:lstStyle/>
-                    <a:p>
-                      <a:pPr marL="0" indent="0" algn="r">
+                  </a:txBody>
+                  <a:tcPr/>
+                </a:tc>
+                <a:tc>
+                  <a:txBody>
+                    <a:bodyPr/>
+                    <a:lstStyle/>
+                    <a:p>
+                      <a:pPr marL="0" indent="0" algn="r" rtl="1">
                         <a:buFont typeface="Arial" panose="020B0604020202020204" pitchFamily="34" charset="0"/>
                         <a:buNone/>
                       </a:pPr>
                       <a:r>
-                        <a:rPr lang="fa-IR" sz="1800" dirty="0">
-                          <a:cs typeface="2  Kamran" panose="00000400000000000000" pitchFamily="2" charset="-78"/>
+                        <a:rPr lang="fa-IR" sz="1400" dirty="0">
+                          <a:cs typeface="2  Kamran" panose="00000400000000000000"/>
                         </a:rPr>
                         <a:t>1. چطور میتوانیم ظاهر برنامه را بهتر کنیم یا کاری کنیم که حس خوبی را القا کند ؟</a:t>
                       </a:r>
                     </a:p>
                     <a:p>
-                      <a:pPr marL="0" indent="0" algn="r">
+                      <a:pPr marL="0" indent="0" algn="r" rtl="1">
                         <a:buFont typeface="Arial" panose="020B0604020202020204" pitchFamily="34" charset="0"/>
                         <a:buNone/>
                       </a:pPr>
-                      <a:endParaRPr lang="fa-IR" sz="1800" dirty="0">
-                        <a:cs typeface="2  Kamran" panose="00000400000000000000" pitchFamily="2" charset="-78"/>
+                      <a:endParaRPr lang="fa-IR" sz="1400" dirty="0">
+                        <a:cs typeface="2  Kamran" panose="00000400000000000000"/>
                       </a:endParaRPr>
                     </a:p>
                     <a:p>
-                      <a:pPr marL="0" indent="0" algn="r">
+                      <a:pPr marL="0" indent="0" algn="r" rtl="1">
                         <a:buFont typeface="Arial" panose="020B0604020202020204" pitchFamily="34" charset="0"/>
                         <a:buNone/>
                       </a:pPr>
                       <a:r>
-                        <a:rPr lang="fa-IR" sz="1800" dirty="0">
-                          <a:cs typeface="2  Kamran" panose="00000400000000000000" pitchFamily="2" charset="-78"/>
+                        <a:rPr lang="fa-IR" sz="1400" dirty="0">
+                          <a:cs typeface="2  Kamran" panose="00000400000000000000"/>
                         </a:rPr>
                         <a:t>2. اضافه کردن چه چیزی میتواند محصول را بهتر کند ؟</a:t>
                       </a:r>
                     </a:p>
                     <a:p>
-                      <a:pPr marL="0" indent="0" algn="r">
+                      <a:pPr marL="0" indent="0" algn="r" rtl="1">
                         <a:buFont typeface="Arial" panose="020B0604020202020204" pitchFamily="34" charset="0"/>
                         <a:buNone/>
                       </a:pPr>
-                      <a:endParaRPr lang="fa-IR" sz="1800" dirty="0">
-                        <a:cs typeface="2  Kamran" panose="00000400000000000000" pitchFamily="2" charset="-78"/>
+                      <a:endParaRPr lang="fa-IR" sz="1400" dirty="0">
+                        <a:cs typeface="2  Kamran" panose="00000400000000000000"/>
                       </a:endParaRPr>
                     </a:p>
                     <a:p>
-                      <a:pPr marL="0" indent="0" algn="r">
+                      <a:pPr marL="0" indent="0" algn="r" rtl="1">
                         <a:buFont typeface="Arial" panose="020B0604020202020204" pitchFamily="34" charset="0"/>
                         <a:buNone/>
                       </a:pPr>
                       <a:r>
-                        <a:rPr lang="fa-IR" sz="1800" dirty="0">
-                          <a:cs typeface="2  Kamran" panose="00000400000000000000" pitchFamily="2" charset="-78"/>
+                        <a:rPr lang="fa-IR" sz="1400" dirty="0">
+                          <a:cs typeface="2  Kamran" panose="00000400000000000000"/>
                         </a:rPr>
                         <a:t>3. تقویت کردن و بهتر کردن چه جزئی از محصول می تواند به خلق شدن محصول جدیدی بینجامد ؟</a:t>
                       </a:r>
                     </a:p>
                     <a:p>
-                      <a:pPr marL="0" indent="0" algn="r">
+                      <a:pPr marL="0" indent="0" algn="r" rtl="1">
                         <a:buFont typeface="Arial" panose="020B0604020202020204" pitchFamily="34" charset="0"/>
                         <a:buNone/>
                       </a:pPr>
-                      <a:endParaRPr lang="fa-IR" sz="1800" dirty="0">
-                        <a:cs typeface="2  Kamran" panose="00000400000000000000" pitchFamily="2" charset="-78"/>
+                      <a:endParaRPr lang="fa-IR" sz="1400" dirty="0">
+                        <a:cs typeface="2  Kamran" panose="00000400000000000000"/>
                       </a:endParaRPr>
                     </a:p>
                     <a:p>
-                      <a:pPr marL="0" indent="0" algn="r">
+                      <a:pPr marL="0" indent="0" algn="r" rtl="1">
                         <a:buFont typeface="Arial" panose="020B0604020202020204" pitchFamily="34" charset="0"/>
                         <a:buNone/>
                       </a:pPr>
                       <a:r>
-                        <a:rPr lang="fa-IR" sz="1800" dirty="0">
-                          <a:cs typeface="2  Kamran" panose="00000400000000000000" pitchFamily="2" charset="-78"/>
+                        <a:rPr lang="fa-IR" sz="1400" dirty="0">
+                          <a:cs typeface="2  Kamran" panose="00000400000000000000"/>
                         </a:rPr>
                         <a:t>4. اصلاح چه چیز هایی می تواند موجب بهبود برنامه شود ؟ </a:t>
                       </a:r>
@@ -12654,14 +13635,14 @@
           <p:nvPr>
             <p:extLst>
               <p:ext uri="{D42A27DB-BD31-4B8C-83A1-F6EECF244321}">
-                <p14:modId xmlns:p14="http://schemas.microsoft.com/office/powerpoint/2010/main" val="206407404"/>
+                <p14:modId xmlns:p14="http://schemas.microsoft.com/office/powerpoint/2010/main" val="2290166573"/>
               </p:ext>
             </p:extLst>
           </p:nvPr>
         </p:nvGraphicFramePr>
         <p:xfrm>
-          <a:off x="1745865" y="973481"/>
-          <a:ext cx="8347676" cy="4450080"/>
+          <a:off x="818898" y="707474"/>
+          <a:ext cx="9478400" cy="6009640"/>
         </p:xfrm>
         <a:graphic>
           <a:graphicData uri="http://schemas.openxmlformats.org/drawingml/2006/table">
@@ -12670,14 +13651,14 @@
                 <a:tableStyleId>{5C22544A-7EE6-4342-B048-85BDC9FD1C3A}</a:tableStyleId>
               </a:tblPr>
               <a:tblGrid>
-                <a:gridCol w="4173838">
+                <a:gridCol w="4739200">
                   <a:extLst>
                     <a:ext uri="{9D8B030D-6E8A-4147-A177-3AD203B41FA5}">
                       <a16:colId xmlns:a16="http://schemas.microsoft.com/office/drawing/2014/main" val="3529638364"/>
                     </a:ext>
                   </a:extLst>
                 </a:gridCol>
-                <a:gridCol w="4173838">
+                <a:gridCol w="4739200">
                   <a:extLst>
                     <a:ext uri="{9D8B030D-6E8A-4147-A177-3AD203B41FA5}">
                       <a16:colId xmlns:a16="http://schemas.microsoft.com/office/drawing/2014/main" val="3469701186"/>
@@ -12691,25 +13672,25 @@
                     <a:bodyPr/>
                     <a:lstStyle/>
                     <a:p>
-                      <a:pPr algn="ctr"/>
-                      <a:r>
-                        <a:rPr lang="fa-IR" sz="2000" b="1" kern="1200" dirty="0">
+                      <a:pPr algn="r" rtl="1"/>
+                      <a:r>
+                        <a:rPr lang="fa-IR" sz="1400" b="1" kern="1200" dirty="0">
                           <a:solidFill>
                             <a:schemeClr val="lt1"/>
                           </a:solidFill>
                           <a:latin typeface="+mn-lt"/>
                           <a:ea typeface="+mn-ea"/>
-                          <a:cs typeface="2  Kamran" panose="00000400000000000000" pitchFamily="2" charset="-78"/>
+                          <a:cs typeface="2  Kamran" panose="00000400000000000000"/>
                         </a:rPr>
                         <a:t>پاسخ ها</a:t>
                       </a:r>
-                      <a:endParaRPr lang="en-US" sz="2000" b="1" kern="1200" dirty="0">
+                      <a:endParaRPr lang="en-US" sz="1400" b="1" kern="1200" dirty="0">
                         <a:solidFill>
                           <a:schemeClr val="lt1"/>
                         </a:solidFill>
                         <a:latin typeface="+mn-lt"/>
                         <a:ea typeface="+mn-ea"/>
-                        <a:cs typeface="2  Kamran" panose="00000400000000000000" pitchFamily="2" charset="-78"/>
+                        <a:cs typeface="2  Kamran" panose="00000400000000000000"/>
                       </a:endParaRPr>
                     </a:p>
                   </a:txBody>
@@ -12720,25 +13701,25 @@
                     <a:bodyPr/>
                     <a:lstStyle/>
                     <a:p>
-                      <a:pPr algn="ctr"/>
-                      <a:r>
-                        <a:rPr lang="fa-IR" sz="2000" b="1" kern="1200" dirty="0">
+                      <a:pPr algn="r" rtl="1"/>
+                      <a:r>
+                        <a:rPr lang="fa-IR" sz="1400" b="1" kern="1200" dirty="0">
                           <a:solidFill>
                             <a:schemeClr val="lt1"/>
                           </a:solidFill>
                           <a:latin typeface="+mn-lt"/>
                           <a:ea typeface="+mn-ea"/>
-                          <a:cs typeface="2  Kamran" panose="00000400000000000000" pitchFamily="2" charset="-78"/>
+                          <a:cs typeface="2  Kamran" panose="00000400000000000000"/>
                         </a:rPr>
                         <a:t>پرسش های کلیدی</a:t>
                       </a:r>
-                      <a:endParaRPr lang="en-US" sz="2000" b="1" kern="1200" dirty="0">
+                      <a:endParaRPr lang="en-US" sz="1400" b="1" kern="1200" dirty="0">
                         <a:solidFill>
                           <a:schemeClr val="lt1"/>
                         </a:solidFill>
                         <a:latin typeface="+mn-lt"/>
                         <a:ea typeface="+mn-ea"/>
-                        <a:cs typeface="2  Kamran" panose="00000400000000000000" pitchFamily="2" charset="-78"/>
+                        <a:cs typeface="2  Kamran" panose="00000400000000000000"/>
                       </a:endParaRPr>
                     </a:p>
                   </a:txBody>
@@ -12756,110 +13737,263 @@
                     <a:bodyPr/>
                     <a:lstStyle/>
                     <a:p>
-                      <a:pPr algn="r"/>
-                      <a:r>
-                        <a:rPr lang="fa-IR" sz="2000" dirty="0">
-                          <a:cs typeface="2  Kamran" panose="00000400000000000000" pitchFamily="2" charset="-78"/>
-                        </a:rPr>
-                        <a:t>1. به درد افرادی نیاز مشابه با متقاضی دارند یا حتی افرادی که ممکن است این برنامه برایشان جالب بنظر برسد</a:t>
-                      </a:r>
-                    </a:p>
-                    <a:p>
-                      <a:pPr algn="r"/>
-                      <a:r>
-                        <a:rPr lang="fa-IR" sz="2000" dirty="0">
-                          <a:cs typeface="2  Kamran" panose="00000400000000000000" pitchFamily="2" charset="-78"/>
-                        </a:rPr>
-                        <a:t>2.ممکن است در شرایط دیگر عملکرد این محصول تغییر پیدا کند و برای استفاده های دیگر قرار گیرد</a:t>
-                      </a:r>
-                    </a:p>
-                    <a:p>
-                      <a:pPr algn="r"/>
-                      <a:endParaRPr lang="fa-IR" sz="2000" dirty="0">
-                        <a:cs typeface="2  Kamran" panose="00000400000000000000" pitchFamily="2" charset="-78"/>
+                      <a:pPr algn="r" rtl="1"/>
+                      <a:r>
+                        <a:rPr lang="fa-IR" sz="1400" dirty="0">
+                          <a:cs typeface="2  Kamran" panose="00000400000000000000"/>
+                        </a:rPr>
+                        <a:t>1</a:t>
+                      </a:r>
+                      <a:r>
+                        <a:rPr lang="fa-IR" sz="1400" dirty="0" smtClean="0">
+                          <a:cs typeface="2  Kamran" panose="00000400000000000000"/>
+                        </a:rPr>
+                        <a:t>.</a:t>
+                      </a:r>
+                      <a:r>
+                        <a:rPr lang="fa-IR" sz="1400" b="0" i="0" kern="1200" dirty="0" smtClean="0">
+                          <a:solidFill>
+                            <a:schemeClr val="dk1"/>
+                          </a:solidFill>
+                          <a:effectLst/>
+                          <a:latin typeface="+mn-lt"/>
+                          <a:ea typeface="+mn-ea"/>
+                          <a:cs typeface="2  Kamran" panose="00000400000000000000"/>
+                        </a:rPr>
+                        <a:t> این محصول علاوه بر مشتریان عادی، می‌تواند به درد افراد زیر بخورد:کاربران حرفه‌ای کامپیوتر: افرادی که در زمینه‌های تخصصی کامپیوتر و فناوری فعالیت می‌کنند و به تجهیزات و لوازم جدید نیاز دارند.</a:t>
+                      </a:r>
+                    </a:p>
+                    <a:p>
+                      <a:pPr algn="r" rtl="1"/>
+                      <a:r>
+                        <a:rPr lang="fa-IR" sz="1400" b="0" i="0" kern="1200" dirty="0" smtClean="0">
+                          <a:solidFill>
+                            <a:schemeClr val="dk1"/>
+                          </a:solidFill>
+                          <a:effectLst/>
+                          <a:latin typeface="+mn-lt"/>
+                          <a:ea typeface="+mn-ea"/>
+                          <a:cs typeface="2  Kamran" panose="00000400000000000000"/>
+                        </a:rPr>
+                        <a:t>گیمرها: افرادی که علاقه به بازی‌های رایانه‌ای دارند و به لوازم و تجهیزات گیمینگ نیاز دارند.</a:t>
+                      </a:r>
+                    </a:p>
+                    <a:p>
+                      <a:pPr algn="r" rtl="1"/>
+                      <a:r>
+                        <a:rPr lang="fa-IR" sz="1400" b="0" i="0" kern="1200" dirty="0" smtClean="0">
+                          <a:solidFill>
+                            <a:schemeClr val="dk1"/>
+                          </a:solidFill>
+                          <a:effectLst/>
+                          <a:latin typeface="+mn-lt"/>
+                          <a:ea typeface="+mn-ea"/>
+                          <a:cs typeface="2  Kamran" panose="00000400000000000000"/>
+                        </a:rPr>
+                        <a:t>دانشجویان: افرادی که در حال تحصیل در رشته‌های مرتبط با کامپیوتر هستند و به لوازم آموزشی نیاز دارند.</a:t>
+                      </a:r>
+                    </a:p>
+                    <a:p>
+                      <a:pPr algn="r" rtl="1"/>
+                      <a:endParaRPr lang="fa-IR" sz="1400" dirty="0">
+                        <a:cs typeface="2  Kamran" panose="00000400000000000000"/>
                       </a:endParaRPr>
                     </a:p>
                     <a:p>
-                      <a:pPr algn="r"/>
-                      <a:r>
-                        <a:rPr lang="fa-IR" sz="2000" dirty="0">
-                          <a:cs typeface="2  Kamran" panose="00000400000000000000" pitchFamily="2" charset="-78"/>
-                        </a:rPr>
-                        <a:t>3</a:t>
-                      </a:r>
-                      <a:r>
-                        <a:rPr lang="fa-IR" sz="2000" dirty="0" smtClean="0">
-                          <a:cs typeface="2  Kamran" panose="00000400000000000000" pitchFamily="2" charset="-78"/>
-                        </a:rPr>
-                        <a:t>. </a:t>
-                      </a:r>
-                      <a:r>
-                        <a:rPr lang="fa-IR" sz="2000" dirty="0">
-                          <a:cs typeface="2  Kamran" panose="00000400000000000000" pitchFamily="2" charset="-78"/>
-                        </a:rPr>
-                        <a:t>بله ، ممکن برنامه در حوزه های دیگر نیز مناسب واقع شود</a:t>
-                      </a:r>
-                      <a:endParaRPr lang="en-US" sz="2000" dirty="0">
-                        <a:cs typeface="2  Kamran" panose="00000400000000000000" pitchFamily="2" charset="-78"/>
+                      <a:pPr algn="r" rtl="1"/>
+                      <a:r>
+                        <a:rPr lang="fa-IR" sz="1400" dirty="0" smtClean="0">
+                          <a:cs typeface="2  Kamran" panose="00000400000000000000"/>
+                        </a:rPr>
+                        <a:t>2.</a:t>
+                      </a:r>
+                      <a:r>
+                        <a:rPr lang="fa-IR" sz="1400" b="0" i="0" kern="1200" dirty="0" smtClean="0">
+                          <a:solidFill>
+                            <a:schemeClr val="dk1"/>
+                          </a:solidFill>
+                          <a:effectLst/>
+                          <a:latin typeface="+mn-lt"/>
+                          <a:ea typeface="+mn-ea"/>
+                          <a:cs typeface="2  Kamran" panose="00000400000000000000"/>
+                        </a:rPr>
+                        <a:t> عملکرد این محصول ممکن است در شرایط زیر بهبود یابد:افزایش نیاز به تجهیزات کامپیوتری در دوره‌های تحصیلی: در دوران تحصیل، نیاز به لوازم کامپیوتری برای دانشجویان بیشتر می‌شود.</a:t>
+                      </a:r>
+                    </a:p>
+                    <a:p>
+                      <a:pPr algn="r" rtl="1"/>
+                      <a:r>
+                        <a:rPr lang="fa-IR" sz="1400" b="0" i="0" kern="1200" dirty="0" smtClean="0">
+                          <a:solidFill>
+                            <a:schemeClr val="dk1"/>
+                          </a:solidFill>
+                          <a:effectLst/>
+                          <a:latin typeface="+mn-lt"/>
+                          <a:ea typeface="+mn-ea"/>
+                          <a:cs typeface="2  Kamran" panose="00000400000000000000"/>
+                        </a:rPr>
+                        <a:t>افزایش ترکیب با تکنولوژی‌های جدید: اگر این محصول با تکنولوژی‌های جدید تطابق داشته باشد، در دوران اپگرید تکنولوژی نیز مورد استفاده قرار می‌گیرد.</a:t>
+                      </a:r>
+                    </a:p>
+                    <a:p>
+                      <a:pPr algn="r" rtl="1"/>
+                      <a:endParaRPr lang="fa-IR" sz="1400" dirty="0">
+                        <a:cs typeface="2  Kamran" panose="00000400000000000000"/>
                       </a:endParaRPr>
                     </a:p>
-                  </a:txBody>
-                  <a:tcPr/>
-                </a:tc>
-                <a:tc>
-                  <a:txBody>
-                    <a:bodyPr/>
-                    <a:lstStyle/>
-                    <a:p>
-                      <a:pPr marL="0" indent="0" algn="r">
+                    <a:p>
+                      <a:pPr algn="r" rtl="1"/>
+                      <a:r>
+                        <a:rPr lang="fa-IR" sz="1400" dirty="0" smtClean="0">
+                          <a:cs typeface="2  Kamran" panose="00000400000000000000"/>
+                        </a:rPr>
+                        <a:t>3.</a:t>
+                      </a:r>
+                      <a:r>
+                        <a:rPr lang="fa-IR" sz="1400" b="0" i="0" kern="1200" dirty="0" smtClean="0">
+                          <a:solidFill>
+                            <a:schemeClr val="dk1"/>
+                          </a:solidFill>
+                          <a:effectLst/>
+                          <a:latin typeface="+mn-lt"/>
+                          <a:ea typeface="+mn-ea"/>
+                          <a:cs typeface="2  Kamran" panose="00000400000000000000"/>
+                        </a:rPr>
+                        <a:t>اگر این محصول ویژگی‌ها یا توانمندی‌های خاصی داشته باشد، ممکن است در حوزه‌های دیگر نیز مورد استفاده قرار گیرد، مثلاً:برای استفاده در حوزه آموزشی</a:t>
+                      </a:r>
+                      <a:endParaRPr lang="en-US" sz="1400" dirty="0">
+                        <a:cs typeface="2  Kamran" panose="00000400000000000000"/>
+                      </a:endParaRPr>
+                    </a:p>
+                  </a:txBody>
+                  <a:tcPr/>
+                </a:tc>
+                <a:tc>
+                  <a:txBody>
+                    <a:bodyPr/>
+                    <a:lstStyle/>
+                    <a:p>
+                      <a:pPr marL="0" indent="0" algn="r" rtl="1">
                         <a:buFont typeface="Arial" panose="020B0604020202020204" pitchFamily="34" charset="0"/>
                         <a:buNone/>
                       </a:pPr>
                       <a:r>
-                        <a:rPr lang="fa-IR" sz="2000" dirty="0">
-                          <a:cs typeface="2  Kamran" panose="00000400000000000000" pitchFamily="2" charset="-78"/>
+                        <a:rPr lang="fa-IR" sz="1400" dirty="0">
+                          <a:cs typeface="2  Kamran" panose="00000400000000000000"/>
                         </a:rPr>
                         <a:t>1. این محصول علاوه بر متقاضی ، به درد چه افراد دیگری می تواند بخورد ؟</a:t>
                       </a:r>
                     </a:p>
                     <a:p>
-                      <a:pPr marL="0" indent="0" algn="r">
+                      <a:pPr marL="0" indent="0" algn="r" rtl="1">
                         <a:buFont typeface="Arial" panose="020B0604020202020204" pitchFamily="34" charset="0"/>
                         <a:buNone/>
                       </a:pPr>
-                      <a:endParaRPr lang="fa-IR" sz="2000" dirty="0">
-                        <a:cs typeface="2  Kamran" panose="00000400000000000000" pitchFamily="2" charset="-78"/>
+                      <a:endParaRPr lang="en-US" sz="1400" dirty="0" smtClean="0">
+                        <a:cs typeface="2  Kamran" panose="00000400000000000000"/>
                       </a:endParaRPr>
                     </a:p>
                     <a:p>
-                      <a:pPr marL="0" indent="0" algn="r">
+                      <a:pPr marL="0" indent="0" algn="r" rtl="1">
                         <a:buFont typeface="Arial" panose="020B0604020202020204" pitchFamily="34" charset="0"/>
                         <a:buNone/>
                       </a:pPr>
-                      <a:r>
-                        <a:rPr lang="fa-IR" sz="2000" dirty="0">
-                          <a:cs typeface="2  Kamran" panose="00000400000000000000" pitchFamily="2" charset="-78"/>
-                        </a:rPr>
-                        <a:t>2. در یک شرایط دیگر عملکرد این محصول چه شکلی پیدا می کند ؟</a:t>
-                      </a:r>
-                    </a:p>
-                    <a:p>
-                      <a:pPr marL="0" indent="0" algn="r">
+                      <a:endParaRPr lang="en-US" sz="1400" dirty="0" smtClean="0">
+                        <a:cs typeface="2  Kamran" panose="00000400000000000000"/>
+                      </a:endParaRPr>
+                    </a:p>
+                    <a:p>
+                      <a:pPr marL="0" indent="0" algn="r" rtl="1">
                         <a:buFont typeface="Arial" panose="020B0604020202020204" pitchFamily="34" charset="0"/>
                         <a:buNone/>
                       </a:pPr>
-                      <a:endParaRPr lang="fa-IR" sz="2000" dirty="0">
-                        <a:cs typeface="2  Kamran" panose="00000400000000000000" pitchFamily="2" charset="-78"/>
+                      <a:endParaRPr lang="en-US" sz="1400" dirty="0" smtClean="0">
+                        <a:cs typeface="2  Kamran" panose="00000400000000000000"/>
                       </a:endParaRPr>
                     </a:p>
                     <a:p>
-                      <a:pPr marL="0" indent="0" algn="r">
+                      <a:pPr marL="0" indent="0" algn="r" rtl="1">
                         <a:buFont typeface="Arial" panose="020B0604020202020204" pitchFamily="34" charset="0"/>
                         <a:buNone/>
                       </a:pPr>
-                      <a:r>
-                        <a:rPr lang="fa-IR" sz="2000" dirty="0">
-                          <a:cs typeface="2  Kamran" panose="00000400000000000000" pitchFamily="2" charset="-78"/>
+                      <a:endParaRPr lang="en-US" sz="1400" dirty="0" smtClean="0">
+                        <a:cs typeface="2  Kamran" panose="00000400000000000000"/>
+                      </a:endParaRPr>
+                    </a:p>
+                    <a:p>
+                      <a:pPr marL="0" indent="0" algn="r" rtl="1">
+                        <a:buFont typeface="Arial" panose="020B0604020202020204" pitchFamily="34" charset="0"/>
+                        <a:buNone/>
+                      </a:pPr>
+                      <a:endParaRPr lang="fa-IR" sz="1400" dirty="0">
+                        <a:cs typeface="2  Kamran" panose="00000400000000000000"/>
+                      </a:endParaRPr>
+                    </a:p>
+                    <a:p>
+                      <a:pPr marL="0" indent="0" algn="r" rtl="1">
+                        <a:buFont typeface="Arial" panose="020B0604020202020204" pitchFamily="34" charset="0"/>
+                        <a:buNone/>
+                      </a:pPr>
+                      <a:r>
+                        <a:rPr lang="fa-IR" sz="1400" dirty="0">
+                          <a:cs typeface="2  Kamran" panose="00000400000000000000"/>
+                        </a:rPr>
+                        <a:t>2. در یک شرایط دیگر عملکرد این محصول چه شکلی پیدا می کند ؟</a:t>
+                      </a:r>
+                    </a:p>
+                    <a:p>
+                      <a:pPr marL="0" indent="0" algn="r" rtl="1">
+                        <a:buFont typeface="Arial" panose="020B0604020202020204" pitchFamily="34" charset="0"/>
+                        <a:buNone/>
+                      </a:pPr>
+                      <a:endParaRPr lang="en-US" sz="1400" dirty="0" smtClean="0">
+                        <a:cs typeface="2  Kamran" panose="00000400000000000000"/>
+                      </a:endParaRPr>
+                    </a:p>
+                    <a:p>
+                      <a:pPr marL="0" indent="0" algn="r" rtl="1">
+                        <a:buFont typeface="Arial" panose="020B0604020202020204" pitchFamily="34" charset="0"/>
+                        <a:buNone/>
+                      </a:pPr>
+                      <a:endParaRPr lang="en-US" sz="1400" dirty="0" smtClean="0">
+                        <a:cs typeface="2  Kamran" panose="00000400000000000000"/>
+                      </a:endParaRPr>
+                    </a:p>
+                    <a:p>
+                      <a:pPr marL="0" indent="0" algn="r" rtl="1">
+                        <a:buFont typeface="Arial" panose="020B0604020202020204" pitchFamily="34" charset="0"/>
+                        <a:buNone/>
+                      </a:pPr>
+                      <a:endParaRPr lang="en-US" sz="1400" dirty="0" smtClean="0">
+                        <a:cs typeface="2  Kamran" panose="00000400000000000000"/>
+                      </a:endParaRPr>
+                    </a:p>
+                    <a:p>
+                      <a:pPr marL="0" indent="0" algn="r" rtl="1">
+                        <a:buFont typeface="Arial" panose="020B0604020202020204" pitchFamily="34" charset="0"/>
+                        <a:buNone/>
+                      </a:pPr>
+                      <a:endParaRPr lang="en-US" sz="1400" dirty="0" smtClean="0">
+                        <a:cs typeface="2  Kamran" panose="00000400000000000000"/>
+                      </a:endParaRPr>
+                    </a:p>
+                    <a:p>
+                      <a:pPr marL="0" indent="0" algn="r" rtl="1">
+                        <a:buFont typeface="Arial" panose="020B0604020202020204" pitchFamily="34" charset="0"/>
+                        <a:buNone/>
+                      </a:pPr>
+                      <a:endParaRPr lang="fa-IR" sz="1400" dirty="0">
+                        <a:cs typeface="2  Kamran" panose="00000400000000000000"/>
+                      </a:endParaRPr>
+                    </a:p>
+                    <a:p>
+                      <a:pPr marL="0" indent="0" algn="r" rtl="1">
+                        <a:buFont typeface="Arial" panose="020B0604020202020204" pitchFamily="34" charset="0"/>
+                        <a:buNone/>
+                      </a:pPr>
+                      <a:r>
+                        <a:rPr lang="fa-IR" sz="1400" dirty="0">
+                          <a:cs typeface="2  Kamran" panose="00000400000000000000"/>
                         </a:rPr>
                         <a:t>3. ایا میتوان از همین محصول در یک حوزه دیگر استفاده کرد ؟</a:t>
                       </a:r>
@@ -12957,8 +14091,8 @@
         </p:nvSpPr>
         <p:spPr>
           <a:xfrm>
-            <a:off x="3640976" y="114619"/>
-            <a:ext cx="6359760" cy="584775"/>
+            <a:off x="8528857" y="1353216"/>
+            <a:ext cx="3441995" cy="584775"/>
           </a:xfrm>
           <a:prstGeom prst="rect">
             <a:avLst/>
@@ -12999,14 +14133,14 @@
           <p:nvPr>
             <p:extLst>
               <p:ext uri="{D42A27DB-BD31-4B8C-83A1-F6EECF244321}">
-                <p14:modId xmlns:p14="http://schemas.microsoft.com/office/powerpoint/2010/main" val="3463878061"/>
+                <p14:modId xmlns:p14="http://schemas.microsoft.com/office/powerpoint/2010/main" val="3941645579"/>
               </p:ext>
             </p:extLst>
           </p:nvPr>
         </p:nvGraphicFramePr>
         <p:xfrm>
-          <a:off x="1745865" y="973481"/>
-          <a:ext cx="8347676" cy="5059680"/>
+          <a:off x="0" y="0"/>
+          <a:ext cx="8347676" cy="6918960"/>
         </p:xfrm>
         <a:graphic>
           <a:graphicData uri="http://schemas.openxmlformats.org/drawingml/2006/table">
@@ -13101,65 +14235,173 @@
                     <a:bodyPr/>
                     <a:lstStyle/>
                     <a:p>
-                      <a:pPr algn="r"/>
-                      <a:r>
-                        <a:rPr lang="fa-IR" sz="2000" dirty="0">
-                          <a:cs typeface="2  Kamran" panose="00000400000000000000" pitchFamily="2" charset="-78"/>
-                        </a:rPr>
-                        <a:t>1. میتوان بخش هایی که ضروری نیستند را از برنامه حذف کرد</a:t>
-                      </a:r>
-                    </a:p>
-                    <a:p>
-                      <a:pPr algn="r"/>
+                      <a:pPr algn="r" rtl="1"/>
+                      <a:r>
+                        <a:rPr lang="fa-IR" sz="2000" dirty="0" smtClean="0">
+                          <a:cs typeface="2  Kamran" panose="00000400000000000000" pitchFamily="2" charset="-78"/>
+                        </a:rPr>
+                        <a:t>1.</a:t>
+                      </a:r>
+                      <a:r>
+                        <a:rPr lang="fa-IR" sz="1400" b="0" i="0" kern="1200" dirty="0" smtClean="0">
+                          <a:solidFill>
+                            <a:schemeClr val="dk1"/>
+                          </a:solidFill>
+                          <a:effectLst/>
+                          <a:latin typeface="+mn-lt"/>
+                          <a:ea typeface="+mn-ea"/>
+                          <a:cs typeface="2  Kamran" panose="00000400000000000000"/>
+                        </a:rPr>
+                        <a:t>بهبود محصول می‌تواند از طریق بهینه‌سازی رابط کاربری</a:t>
+                      </a:r>
+                      <a:r>
+                        <a:rPr lang="en-US" sz="1400" b="0" i="0" kern="1200" dirty="0" smtClean="0">
+                          <a:solidFill>
+                            <a:schemeClr val="dk1"/>
+                          </a:solidFill>
+                          <a:effectLst/>
+                          <a:latin typeface="+mn-lt"/>
+                          <a:ea typeface="+mn-ea"/>
+                          <a:cs typeface="2  Kamran" panose="00000400000000000000"/>
+                        </a:rPr>
+                        <a:t> UI</a:t>
+                      </a:r>
+                      <a:r>
+                        <a:rPr lang="fa-IR" sz="1400" b="0" i="0" kern="1200" dirty="0" smtClean="0">
+                          <a:solidFill>
+                            <a:schemeClr val="dk1"/>
+                          </a:solidFill>
+                          <a:effectLst/>
+                          <a:latin typeface="+mn-lt"/>
+                          <a:ea typeface="+mn-ea"/>
+                          <a:cs typeface="2  Kamran" panose="00000400000000000000"/>
+                        </a:rPr>
+                        <a:t>و تجربه کاربری</a:t>
+                      </a:r>
+                      <a:r>
+                        <a:rPr lang="en-US" sz="1400" b="0" i="0" kern="1200" dirty="0" smtClean="0">
+                          <a:solidFill>
+                            <a:schemeClr val="dk1"/>
+                          </a:solidFill>
+                          <a:effectLst/>
+                          <a:latin typeface="+mn-lt"/>
+                          <a:ea typeface="+mn-ea"/>
+                          <a:cs typeface="2  Kamran" panose="00000400000000000000"/>
+                        </a:rPr>
+                        <a:t>UX ، </a:t>
+                      </a:r>
+                      <a:r>
+                        <a:rPr lang="fa-IR" sz="1400" b="0" i="0" kern="1200" dirty="0" smtClean="0">
+                          <a:solidFill>
+                            <a:schemeClr val="dk1"/>
+                          </a:solidFill>
+                          <a:effectLst/>
+                          <a:latin typeface="+mn-lt"/>
+                          <a:ea typeface="+mn-ea"/>
+                          <a:cs typeface="2  Kamran" panose="00000400000000000000"/>
+                        </a:rPr>
+                        <a:t>افزودن ویژگی‌های مفید و جذاب، بهینه‌سازی کارایی، و اصلاح عیوب محصول صورت گیرد.</a:t>
+                      </a:r>
                       <a:endParaRPr lang="fa-IR" sz="2000" dirty="0">
                         <a:cs typeface="2  Kamran" panose="00000400000000000000" pitchFamily="2" charset="-78"/>
                       </a:endParaRPr>
                     </a:p>
                     <a:p>
-                      <a:pPr algn="r"/>
-                      <a:r>
-                        <a:rPr lang="fa-IR" sz="2000" dirty="0">
-                          <a:cs typeface="2  Kamran" panose="00000400000000000000" pitchFamily="2" charset="-78"/>
-                        </a:rPr>
-                        <a:t>2.قانون ها و اجزایی که ضروری نیستند و یا ممکن است باعث اختلالاتی در برنامه شوند</a:t>
-                      </a:r>
-                    </a:p>
-                    <a:p>
-                      <a:pPr algn="r"/>
-                      <a:r>
-                        <a:rPr lang="fa-IR" sz="2000" dirty="0">
-                          <a:cs typeface="2  Kamran" panose="00000400000000000000" pitchFamily="2" charset="-78"/>
-                        </a:rPr>
-                        <a:t>3. میتوان این برنامه را جوری طراحی کرد که فقط بطور </a:t>
-                      </a:r>
+                      <a:pPr algn="r" rtl="1"/>
                       <a:r>
                         <a:rPr lang="fa-IR" sz="2000" dirty="0" smtClean="0">
                           <a:cs typeface="2  Kamran" panose="00000400000000000000" pitchFamily="2" charset="-78"/>
                         </a:rPr>
-                        <a:t> </a:t>
-                      </a:r>
-                      <a:r>
-                        <a:rPr lang="fa-IR" sz="2000" dirty="0">
-                          <a:cs typeface="2  Kamran" panose="00000400000000000000" pitchFamily="2" charset="-78"/>
-                        </a:rPr>
-                        <a:t>کار مشخص را انجام دهد</a:t>
-                      </a:r>
-                    </a:p>
-                    <a:p>
-                      <a:pPr algn="r"/>
+                        <a:t>2.</a:t>
+                      </a:r>
+                      <a:r>
+                        <a:rPr lang="fa-IR" sz="1400" b="0" i="0" kern="1200" dirty="0" smtClean="0">
+                          <a:solidFill>
+                            <a:schemeClr val="dk1"/>
+                          </a:solidFill>
+                          <a:effectLst/>
+                          <a:latin typeface="+mn-lt"/>
+                          <a:ea typeface="+mn-ea"/>
+                          <a:cs typeface="2  Kamran" panose="00000400000000000000"/>
+                        </a:rPr>
+                        <a:t>اجزا و ویژگی‌هایی که کمتر استفاده می‌شوند یا موجب پیچیدگی اضافی می‌شوند، ممکن است قابل حذف باشند. قانون‌ها یا ویژگی‌هایی که تاثیر مثبت کمتری دارند نیز می‌توانند بهینه‌سازی شوند یا حذف شوند.</a:t>
+                      </a:r>
+                      <a:endParaRPr lang="fa-IR" sz="1400" dirty="0">
+                        <a:cs typeface="2  Kamran" panose="00000400000000000000"/>
+                      </a:endParaRPr>
+                    </a:p>
+                    <a:p>
+                      <a:pPr algn="r" rtl="1"/>
+                      <a:r>
+                        <a:rPr lang="fa-IR" sz="1400" dirty="0" smtClean="0">
+                          <a:cs typeface="2  Kamran" panose="00000400000000000000"/>
+                        </a:rPr>
+                        <a:t>3.</a:t>
+                      </a:r>
+                      <a:r>
+                        <a:rPr lang="fa-IR" sz="1400" b="0" i="0" kern="1200" dirty="0" smtClean="0">
+                          <a:solidFill>
+                            <a:schemeClr val="dk1"/>
+                          </a:solidFill>
+                          <a:effectLst/>
+                          <a:latin typeface="+mn-lt"/>
+                          <a:ea typeface="+mn-ea"/>
+                          <a:cs typeface="2  Kamran" panose="00000400000000000000"/>
+                        </a:rPr>
+                        <a:t>برای کاهش اندازه، می‌توانید از تکنولوژی‌های جدید، بهینه‌سازی کدها، یا کاهش اجزا استفاده کنید. برای افزایش سرعت، بهینه‌سازی الگوریتم‌ها و استفاده از تکنولوژی‌های پیشرفته مناسب است. برای افزایش جذابیت، از طراحی جذاب و مدرن و استفاده از المان‌های گرافیکی متناسب با نیازهای مشتریان استفاده کنید</a:t>
+                      </a:r>
+                      <a:r>
+                        <a:rPr lang="fa-IR" sz="1800" b="0" i="0" kern="1200" dirty="0" smtClean="0">
+                          <a:solidFill>
+                            <a:schemeClr val="dk1"/>
+                          </a:solidFill>
+                          <a:effectLst/>
+                          <a:latin typeface="+mn-lt"/>
+                          <a:ea typeface="+mn-ea"/>
+                          <a:cs typeface="+mn-cs"/>
+                        </a:rPr>
+                        <a:t>.</a:t>
+                      </a:r>
                       <a:endParaRPr lang="fa-IR" sz="2000" dirty="0">
                         <a:cs typeface="2  Kamran" panose="00000400000000000000" pitchFamily="2" charset="-78"/>
                       </a:endParaRPr>
                     </a:p>
                     <a:p>
-                      <a:pPr algn="r"/>
-                      <a:r>
-                        <a:rPr lang="fa-IR" sz="2000" dirty="0">
-                          <a:cs typeface="2  Kamran" panose="00000400000000000000" pitchFamily="2" charset="-78"/>
-                        </a:rPr>
-                        <a:t>4. جنبه هایی از برنامه که ممکن توسط متقاضیان مورد استفاده قرار نگیرد </a:t>
-                      </a:r>
-                      <a:endParaRPr lang="en-US" sz="2000" dirty="0">
+                      <a:pPr algn="r" rtl="1"/>
+                      <a:r>
+                        <a:rPr lang="fa-IR" sz="2000" dirty="0" smtClean="0">
+                          <a:cs typeface="2  Kamran" panose="00000400000000000000" pitchFamily="2" charset="-78"/>
+                        </a:rPr>
+                        <a:t>4.</a:t>
+                      </a:r>
+                      <a:r>
+                        <a:rPr lang="fa-IR" sz="1400" b="0" i="0" kern="1200" dirty="0" smtClean="0">
+                          <a:solidFill>
+                            <a:schemeClr val="dk1"/>
+                          </a:solidFill>
+                          <a:effectLst/>
+                          <a:latin typeface="+mn-lt"/>
+                          <a:ea typeface="+mn-ea"/>
+                          <a:cs typeface="2  Kamran" panose="00000400000000000000"/>
+                        </a:rPr>
+                        <a:t>اجزا یا ویژگی‌هایی که تاثیر مثبت محصول را به حداقل می‌رسانند یا استفاده محدودی دارند، ممکن است کمتر شوند یا حتی حذف شوند. همچنین، به منظور کاهش تاثیرات منفی، مشکلات فنی را رفع کرده و بازخورد مشتریان را جدی بگیرید.</a:t>
+                      </a:r>
+                    </a:p>
+                    <a:p>
+                      <a:r>
+                        <a:rPr lang="fa-IR" dirty="0" smtClean="0"/>
+                        <a:t/>
+                      </a:r>
+                      <a:br>
+                        <a:rPr lang="fa-IR" dirty="0" smtClean="0"/>
+                      </a:br>
+                      <a:r>
+                        <a:rPr lang="fa-IR" sz="1800" dirty="0" smtClean="0">
+                          <a:cs typeface="2  Kamran" panose="00000400000000000000" pitchFamily="2" charset="-78"/>
+                        </a:rPr>
+                        <a:t> </a:t>
+                      </a:r>
+                      <a:endParaRPr lang="en-US" sz="1800" dirty="0">
                         <a:cs typeface="2  Kamran" panose="00000400000000000000" pitchFamily="2" charset="-78"/>
                       </a:endParaRPr>
                     </a:p>
@@ -13338,8 +14580,8 @@
         </p:nvSpPr>
         <p:spPr>
           <a:xfrm>
-            <a:off x="349135" y="114619"/>
-            <a:ext cx="9651600" cy="584775"/>
+            <a:off x="8545484" y="1136709"/>
+            <a:ext cx="3215535" cy="1569660"/>
           </a:xfrm>
           <a:prstGeom prst="rect">
             <a:avLst/>
@@ -13357,7 +14599,25 @@
               <a:rPr lang="fa-IR" sz="3200" dirty="0">
                 <a:cs typeface="2  Kamran" panose="00000400000000000000" pitchFamily="2" charset="-78"/>
               </a:rPr>
-              <a:t>گام هفتم : معکوس کردن-بازآرایی</a:t>
+              <a:t>گام هفتم : معکوس </a:t>
+            </a:r>
+            <a:r>
+              <a:rPr lang="fa-IR" sz="3200" dirty="0" smtClean="0">
+                <a:cs typeface="2  Kamran" panose="00000400000000000000" pitchFamily="2" charset="-78"/>
+              </a:rPr>
+              <a:t>کردن</a:t>
+            </a:r>
+            <a:r>
+              <a:rPr lang="en-US" sz="3200" dirty="0" smtClean="0">
+                <a:cs typeface="2  Kamran" panose="00000400000000000000" pitchFamily="2" charset="-78"/>
+              </a:rPr>
+              <a:t> </a:t>
+            </a:r>
+            <a:r>
+              <a:rPr lang="fa-IR" sz="3200" dirty="0" smtClean="0">
+                <a:cs typeface="2  Kamran" panose="00000400000000000000" pitchFamily="2" charset="-78"/>
+              </a:rPr>
+              <a:t>بازآرایی</a:t>
             </a:r>
             <a:endParaRPr lang="en-US" sz="3200" dirty="0">
               <a:cs typeface="2  Kamran" panose="00000400000000000000" pitchFamily="2" charset="-78"/>
@@ -13380,14 +14640,14 @@
           <p:nvPr>
             <p:extLst>
               <p:ext uri="{D42A27DB-BD31-4B8C-83A1-F6EECF244321}">
-                <p14:modId xmlns:p14="http://schemas.microsoft.com/office/powerpoint/2010/main" val="653021304"/>
+                <p14:modId xmlns:p14="http://schemas.microsoft.com/office/powerpoint/2010/main" val="4100283750"/>
               </p:ext>
             </p:extLst>
           </p:nvPr>
         </p:nvGraphicFramePr>
         <p:xfrm>
-          <a:off x="1745865" y="973481"/>
-          <a:ext cx="8347676" cy="4851400"/>
+          <a:off x="124884" y="142441"/>
+          <a:ext cx="8347676" cy="6375400"/>
         </p:xfrm>
         <a:graphic>
           <a:graphicData uri="http://schemas.openxmlformats.org/drawingml/2006/table">
@@ -13482,64 +14742,130 @@
                     <a:bodyPr/>
                     <a:lstStyle/>
                     <a:p>
-                      <a:pPr algn="r"/>
-                      <a:r>
-                        <a:rPr lang="fa-IR" sz="1800" dirty="0">
-                          <a:cs typeface="2  Kamran" panose="00000400000000000000" pitchFamily="2" charset="-78"/>
-                        </a:rPr>
-                        <a:t>1. ممکن یک سری از برنامه هایی که برایشان وقت گذاشتیم و زحمت کشیدیم ، متقاضی نداشته باشد </a:t>
-                      </a:r>
-                    </a:p>
-                    <a:p>
-                      <a:pPr algn="r"/>
+                      <a:pPr algn="r" rtl="1"/>
+                      <a:r>
+                        <a:rPr lang="fa-IR" sz="1800" dirty="0" smtClean="0">
+                          <a:cs typeface="2  Kamran" panose="00000400000000000000"/>
+                        </a:rPr>
+                        <a:t>1.</a:t>
+                      </a:r>
+                      <a:r>
+                        <a:rPr lang="fa-IR" sz="1400" b="0" i="0" kern="1200" dirty="0" smtClean="0">
+                          <a:solidFill>
+                            <a:schemeClr val="dk1"/>
+                          </a:solidFill>
+                          <a:effectLst/>
+                          <a:latin typeface="+mn-lt"/>
+                          <a:ea typeface="+mn-ea"/>
+                          <a:cs typeface="2  Kamran" panose="00000400000000000000"/>
+                        </a:rPr>
+                        <a:t>اگر شما خود برنامه‌های کامپیوتری تولید کنید، این می‌تواند به افزایش اختصاص منابع و زمان شما منجر شود. همچنین، ممکن است شما نیاز به توسعه مهارت‌ها و دانش فنی برای تولید برنامه‌های کیفیت بالا داشته باشید.</a:t>
+                      </a:r>
+                      <a:endParaRPr lang="fa-IR" sz="1800" dirty="0" smtClean="0">
+                        <a:cs typeface="2  Kamran" panose="00000400000000000000" pitchFamily="2" charset="-78"/>
+                      </a:endParaRPr>
+                    </a:p>
+                    <a:p>
+                      <a:pPr algn="r" rtl="1"/>
+                      <a:r>
+                        <a:rPr lang="fa-IR" sz="1800" dirty="0" smtClean="0">
+                          <a:cs typeface="2  Kamran" panose="00000400000000000000" pitchFamily="2" charset="-78"/>
+                        </a:rPr>
+                        <a:t>2.</a:t>
+                      </a:r>
+                      <a:r>
+                        <a:rPr lang="fa-IR" sz="1400" b="0" i="0" kern="1200" dirty="0" smtClean="0">
+                          <a:solidFill>
+                            <a:schemeClr val="dk1"/>
+                          </a:solidFill>
+                          <a:effectLst/>
+                          <a:latin typeface="+mn-lt"/>
+                          <a:ea typeface="+mn-ea"/>
+                          <a:cs typeface="2  Kamran" panose="00000400000000000000"/>
+                        </a:rPr>
+                        <a:t>اگر برعکس از نیازها و توقعات مشتریان عمل کنید، این می‌تواند منجر به از دست دادن مشتریان، کاهش اعتبار و تضعیف تجارت شما شود. توجه به نیازها و انتظارات مشتریان برای موفقیت در بازار بسیار حائز اهمیت است.</a:t>
+                      </a:r>
                       <a:endParaRPr lang="fa-IR" sz="1800" dirty="0">
                         <a:cs typeface="2  Kamran" panose="00000400000000000000" pitchFamily="2" charset="-78"/>
                       </a:endParaRPr>
                     </a:p>
                     <a:p>
-                      <a:pPr algn="r"/>
-                      <a:r>
-                        <a:rPr lang="fa-IR" sz="1800" dirty="0">
-                          <a:cs typeface="2  Kamran" panose="00000400000000000000" pitchFamily="2" charset="-78"/>
-                        </a:rPr>
-                        <a:t>2. ممکن است  برنامه دچار خطا شود</a:t>
-                      </a:r>
-                    </a:p>
-                    <a:p>
-                      <a:pPr algn="r"/>
+                      <a:pPr algn="r" rtl="1"/>
+                      <a:r>
+                        <a:rPr lang="fa-IR" sz="1800" dirty="0" smtClean="0">
+                          <a:cs typeface="2  Kamran" panose="00000400000000000000" pitchFamily="2" charset="-78"/>
+                        </a:rPr>
+                        <a:t>3.</a:t>
+                      </a:r>
+                      <a:r>
+                        <a:rPr lang="fa-IR" sz="1400" b="0" i="0" kern="1200" dirty="0" smtClean="0">
+                          <a:solidFill>
+                            <a:schemeClr val="dk1"/>
+                          </a:solidFill>
+                          <a:effectLst/>
+                          <a:latin typeface="+mn-lt"/>
+                          <a:ea typeface="+mn-ea"/>
+                          <a:cs typeface="2  Kamran" panose="00000400000000000000"/>
+                        </a:rPr>
+                        <a:t>برای ساختن یک سیستم جدید، نیاز به تحلیل نیازها، طراحی سیستم، توسعه نرم‌افزار، تست و ارزیابی دارید. این فرآیند از مراحل گوناگونی از جمله تحلیل نیازها، طراحی </a:t>
+                      </a:r>
+                      <a:r>
+                        <a:rPr lang="en-US" sz="1400" b="0" i="0" kern="1200" dirty="0" smtClean="0">
+                          <a:solidFill>
+                            <a:schemeClr val="dk1"/>
+                          </a:solidFill>
+                          <a:effectLst/>
+                          <a:latin typeface="+mn-lt"/>
+                          <a:ea typeface="+mn-ea"/>
+                          <a:cs typeface="2  Kamran" panose="00000400000000000000"/>
+                        </a:rPr>
+                        <a:t>UI/UX، </a:t>
+                      </a:r>
+                      <a:r>
+                        <a:rPr lang="fa-IR" sz="1400" b="0" i="0" kern="1200" dirty="0" smtClean="0">
+                          <a:solidFill>
+                            <a:schemeClr val="dk1"/>
+                          </a:solidFill>
+                          <a:effectLst/>
+                          <a:latin typeface="+mn-lt"/>
+                          <a:ea typeface="+mn-ea"/>
+                          <a:cs typeface="2  Kamran" panose="00000400000000000000"/>
+                        </a:rPr>
+                        <a:t>برنامه‌نویسی، تست و بهبود محصول تشکیل شده و نیاز به تیم متخصصی دارد.</a:t>
+                      </a:r>
                       <a:endParaRPr lang="fa-IR" sz="1800" dirty="0">
                         <a:cs typeface="2  Kamran" panose="00000400000000000000" pitchFamily="2" charset="-78"/>
                       </a:endParaRPr>
                     </a:p>
                     <a:p>
-                      <a:pPr algn="r"/>
-                      <a:endParaRPr lang="fa-IR" sz="1800" dirty="0">
-                        <a:cs typeface="2  Kamran" panose="00000400000000000000" pitchFamily="2" charset="-78"/>
-                      </a:endParaRPr>
-                    </a:p>
-                    <a:p>
-                      <a:pPr algn="r"/>
-                      <a:r>
-                        <a:rPr lang="fa-IR" sz="1800" dirty="0">
-                          <a:cs typeface="2  Kamran" panose="00000400000000000000" pitchFamily="2" charset="-78"/>
-                        </a:rPr>
-                        <a:t>3. در صورت وجود مشکل جزء به جزء برنامه را از اول بررسی می کنیم و یا حتی می سازیم</a:t>
-                      </a:r>
-                    </a:p>
-                    <a:p>
-                      <a:pPr algn="r"/>
-                      <a:endParaRPr lang="fa-IR" sz="1800" dirty="0">
-                        <a:cs typeface="2  Kamran" panose="00000400000000000000" pitchFamily="2" charset="-78"/>
-                      </a:endParaRPr>
-                    </a:p>
-                    <a:p>
-                      <a:pPr algn="r"/>
-                      <a:r>
-                        <a:rPr lang="fa-IR" sz="1800" dirty="0">
-                          <a:cs typeface="2  Kamran" panose="00000400000000000000" pitchFamily="2" charset="-78"/>
-                        </a:rPr>
-                        <a:t>4. ممکن است نتیجه برعکس شود و یا کلا برنامه اجرا نشود</a:t>
-                      </a:r>
+                      <a:pPr algn="r" rtl="1"/>
+                      <a:r>
+                        <a:rPr lang="fa-IR" sz="1800" dirty="0" smtClean="0">
+                          <a:cs typeface="2  Kamran" panose="00000400000000000000" pitchFamily="2" charset="-78"/>
+                        </a:rPr>
+                        <a:t>4.</a:t>
+                      </a:r>
+                      <a:r>
+                        <a:rPr lang="fa-IR" sz="1400" b="0" i="0" kern="1200" dirty="0" smtClean="0">
+                          <a:solidFill>
+                            <a:schemeClr val="dk1"/>
+                          </a:solidFill>
+                          <a:effectLst/>
+                          <a:latin typeface="+mn-lt"/>
+                          <a:ea typeface="+mn-ea"/>
+                          <a:cs typeface="2  Kamran" panose="00000400000000000000"/>
+                        </a:rPr>
+                        <a:t>برعکس کردن یک فرایند ممکن است منجر به ایجاد مشکلات و نقص‌ها در سیستم شود. هر فرآیندی نیازمند ترتیبات و ارتباطات معین است و برعکس کردن آن می‌تواند به تخریب این ساختار منجر شود.</a:t>
+                      </a:r>
+                    </a:p>
+                    <a:p>
+                      <a:r>
+                        <a:rPr lang="fa-IR" dirty="0" smtClean="0"/>
+                        <a:t/>
+                      </a:r>
+                      <a:br>
+                        <a:rPr lang="fa-IR" dirty="0" smtClean="0"/>
+                      </a:br>
                       <a:endParaRPr lang="en-US" sz="1800" dirty="0">
                         <a:cs typeface="2  Kamran" panose="00000400000000000000" pitchFamily="2" charset="-78"/>
                       </a:endParaRPr>
@@ -13761,14 +15087,14 @@
           <p:nvPr>
             <p:extLst>
               <p:ext uri="{D42A27DB-BD31-4B8C-83A1-F6EECF244321}">
-                <p14:modId xmlns:p14="http://schemas.microsoft.com/office/powerpoint/2010/main" val="3557105485"/>
+                <p14:modId xmlns:p14="http://schemas.microsoft.com/office/powerpoint/2010/main" val="582066373"/>
               </p:ext>
             </p:extLst>
           </p:nvPr>
         </p:nvGraphicFramePr>
         <p:xfrm>
           <a:off x="1414718" y="2390389"/>
-          <a:ext cx="9146190" cy="3779520"/>
+          <a:ext cx="9146190" cy="2682240"/>
         </p:xfrm>
         <a:graphic>
           <a:graphicData uri="http://schemas.openxmlformats.org/drawingml/2006/table">
@@ -13865,22 +15191,16 @@
                     <a:p>
                       <a:pPr algn="ctr"/>
                       <a:r>
-                        <a:rPr lang="fa-IR" sz="2400" dirty="0">
-                          <a:cs typeface="2  Kamran" panose="00000400000000000000" pitchFamily="2" charset="-78"/>
-                        </a:rPr>
-                        <a:t>در همه موارد شامل : موسیقی ، فیلم </a:t>
-                      </a:r>
-                      <a:r>
                         <a:rPr lang="fa-IR" sz="2400" dirty="0" smtClean="0">
                           <a:cs typeface="2  Kamran" panose="00000400000000000000" pitchFamily="2" charset="-78"/>
                         </a:rPr>
-                        <a:t>واخبار</a:t>
+                        <a:t>هرکس</a:t>
                       </a:r>
                       <a:r>
                         <a:rPr lang="fa-IR" sz="2400" baseline="0" dirty="0" smtClean="0">
                           <a:cs typeface="2  Kamran" panose="00000400000000000000" pitchFamily="2" charset="-78"/>
                         </a:rPr>
-                        <a:t> های ان ها</a:t>
+                        <a:t>ی در خانه به کامپیوتر نیاز دارد</a:t>
                       </a:r>
                       <a:endParaRPr lang="en-US" sz="2400" dirty="0">
                         <a:cs typeface="2  Kamran" panose="00000400000000000000" pitchFamily="2" charset="-78"/>
@@ -13938,10 +15258,16 @@
                         <a:defRPr/>
                       </a:pPr>
                       <a:r>
-                        <a:rPr lang="fa-IR" sz="2400" dirty="0">
-                          <a:cs typeface="2  Kamran" panose="00000400000000000000" pitchFamily="2" charset="-78"/>
-                        </a:rPr>
-                        <a:t>برنامه ای سالم ، پر کاربرد و روان</a:t>
+                        <a:rPr lang="fa-IR" sz="2400" dirty="0" smtClean="0">
+                          <a:cs typeface="2  Kamran" panose="00000400000000000000" pitchFamily="2" charset="-78"/>
+                        </a:rPr>
+                        <a:t>کامپیوتر</a:t>
+                      </a:r>
+                      <a:r>
+                        <a:rPr lang="fa-IR" sz="2400" baseline="0" dirty="0" smtClean="0">
+                          <a:cs typeface="2  Kamran" panose="00000400000000000000" pitchFamily="2" charset="-78"/>
+                        </a:rPr>
+                        <a:t> و لوازم آن</a:t>
                       </a:r>
                       <a:endParaRPr lang="en-US" sz="2400" dirty="0">
                         <a:cs typeface="2  Kamran" panose="00000400000000000000" pitchFamily="2" charset="-78"/>
@@ -13986,25 +15312,13 @@
                         <a:rPr lang="fa-IR" sz="2400" dirty="0" smtClean="0">
                           <a:cs typeface="2  Kamran" panose="00000400000000000000" pitchFamily="2" charset="-78"/>
                         </a:rPr>
-                        <a:t>سایت </a:t>
-                      </a:r>
-                      <a:r>
-                        <a:rPr lang="fa-IR" sz="2400" dirty="0">
-                          <a:cs typeface="2  Kamran" panose="00000400000000000000" pitchFamily="2" charset="-78"/>
-                        </a:rPr>
-                        <a:t>برای </a:t>
-                      </a:r>
-                      <a:r>
-                        <a:rPr lang="fa-IR" sz="2400" dirty="0" smtClean="0">
-                          <a:cs typeface="2  Kamran" panose="00000400000000000000" pitchFamily="2" charset="-78"/>
-                        </a:rPr>
-                        <a:t>دانلود </a:t>
-                      </a:r>
-                      <a:r>
-                        <a:rPr lang="fa-IR" sz="2400" dirty="0">
-                          <a:cs typeface="2  Kamran" panose="00000400000000000000" pitchFamily="2" charset="-78"/>
-                        </a:rPr>
-                        <a:t>موسیقی یا برنامه برای پخش فیلم</a:t>
+                        <a:t>خرید</a:t>
+                      </a:r>
+                      <a:r>
+                        <a:rPr lang="fa-IR" sz="2400" baseline="0" dirty="0" smtClean="0">
+                          <a:cs typeface="2  Kamran" panose="00000400000000000000" pitchFamily="2" charset="-78"/>
+                        </a:rPr>
+                        <a:t> قطعات گیمینگ</a:t>
                       </a:r>
                       <a:endParaRPr lang="en-US" sz="2400" dirty="0">
                         <a:cs typeface="2  Kamran" panose="00000400000000000000" pitchFamily="2" charset="-78"/>
